--- a/CS319 Final Presentation.pptx
+++ b/CS319 Final Presentation.pptx
@@ -9,6 +9,7 @@
     <p:sldId id="260" r:id="rId3"/>
     <p:sldId id="261" r:id="rId4"/>
     <p:sldId id="263" r:id="rId5"/>
+    <p:sldId id="264" r:id="rId6"/>
   </p:sldIdLst>
   <p:sldSz cx="9144000" cy="6858000" type="screen4x3"/>
   <p:notesSz cx="6858000" cy="9144000"/>
@@ -768,6 +769,7 @@
           <a:p>
             <a:fld id="{7AEC6A6A-ECB2-40E9-941D-BD22E9786C62}" type="datetimeFigureOut">
               <a:rPr lang="tr-TR" smtClean="0"/>
+              <a:pPr/>
               <a:t>19.12.2017</a:t>
             </a:fld>
             <a:endParaRPr lang="tr-TR"/>
@@ -828,6 +830,7 @@
           <a:p>
             <a:fld id="{636AFD6A-6C2E-4B89-A70E-1910071E2A01}" type="slidenum">
               <a:rPr lang="tr-TR" smtClean="0"/>
+              <a:pPr/>
               <a:t>‹#›</a:t>
             </a:fld>
             <a:endParaRPr lang="tr-TR"/>
@@ -951,6 +954,7 @@
           <a:p>
             <a:fld id="{7AEC6A6A-ECB2-40E9-941D-BD22E9786C62}" type="datetimeFigureOut">
               <a:rPr lang="tr-TR" smtClean="0"/>
+              <a:pPr/>
               <a:t>19.12.2017</a:t>
             </a:fld>
             <a:endParaRPr lang="tr-TR"/>
@@ -993,6 +997,7 @@
           <a:p>
             <a:fld id="{636AFD6A-6C2E-4B89-A70E-1910071E2A01}" type="slidenum">
               <a:rPr lang="tr-TR" smtClean="0"/>
+              <a:pPr/>
               <a:t>‹#›</a:t>
             </a:fld>
             <a:endParaRPr lang="tr-TR"/>
@@ -1126,6 +1131,7 @@
           <a:p>
             <a:fld id="{7AEC6A6A-ECB2-40E9-941D-BD22E9786C62}" type="datetimeFigureOut">
               <a:rPr lang="tr-TR" smtClean="0"/>
+              <a:pPr/>
               <a:t>19.12.2017</a:t>
             </a:fld>
             <a:endParaRPr lang="tr-TR"/>
@@ -1168,6 +1174,7 @@
           <a:p>
             <a:fld id="{636AFD6A-6C2E-4B89-A70E-1910071E2A01}" type="slidenum">
               <a:rPr lang="tr-TR" smtClean="0"/>
+              <a:pPr/>
               <a:t>‹#›</a:t>
             </a:fld>
             <a:endParaRPr lang="tr-TR"/>
@@ -1291,6 +1298,7 @@
           <a:p>
             <a:fld id="{7AEC6A6A-ECB2-40E9-941D-BD22E9786C62}" type="datetimeFigureOut">
               <a:rPr lang="tr-TR" smtClean="0"/>
+              <a:pPr/>
               <a:t>19.12.2017</a:t>
             </a:fld>
             <a:endParaRPr lang="tr-TR"/>
@@ -1333,6 +1341,7 @@
           <a:p>
             <a:fld id="{636AFD6A-6C2E-4B89-A70E-1910071E2A01}" type="slidenum">
               <a:rPr lang="tr-TR" smtClean="0"/>
+              <a:pPr/>
               <a:t>‹#›</a:t>
             </a:fld>
             <a:endParaRPr lang="tr-TR"/>
@@ -1512,6 +1521,7 @@
           <a:p>
             <a:fld id="{7AEC6A6A-ECB2-40E9-941D-BD22E9786C62}" type="datetimeFigureOut">
               <a:rPr lang="tr-TR" smtClean="0"/>
+              <a:pPr/>
               <a:t>19.12.2017</a:t>
             </a:fld>
             <a:endParaRPr lang="tr-TR"/>
@@ -1554,6 +1564,7 @@
           <a:p>
             <a:fld id="{636AFD6A-6C2E-4B89-A70E-1910071E2A01}" type="slidenum">
               <a:rPr lang="tr-TR" smtClean="0"/>
+              <a:pPr/>
               <a:t>‹#›</a:t>
             </a:fld>
             <a:endParaRPr lang="tr-TR"/>
@@ -1771,6 +1782,7 @@
           <a:p>
             <a:fld id="{7AEC6A6A-ECB2-40E9-941D-BD22E9786C62}" type="datetimeFigureOut">
               <a:rPr lang="tr-TR" smtClean="0"/>
+              <a:pPr/>
               <a:t>19.12.2017</a:t>
             </a:fld>
             <a:endParaRPr lang="tr-TR"/>
@@ -1813,6 +1825,7 @@
           <a:p>
             <a:fld id="{636AFD6A-6C2E-4B89-A70E-1910071E2A01}" type="slidenum">
               <a:rPr lang="tr-TR" smtClean="0"/>
+              <a:pPr/>
               <a:t>‹#›</a:t>
             </a:fld>
             <a:endParaRPr lang="tr-TR"/>
@@ -2175,6 +2188,7 @@
           <a:p>
             <a:fld id="{7AEC6A6A-ECB2-40E9-941D-BD22E9786C62}" type="datetimeFigureOut">
               <a:rPr lang="tr-TR" smtClean="0"/>
+              <a:pPr/>
               <a:t>19.12.2017</a:t>
             </a:fld>
             <a:endParaRPr lang="tr-TR"/>
@@ -2198,6 +2212,7 @@
           <a:p>
             <a:fld id="{636AFD6A-6C2E-4B89-A70E-1910071E2A01}" type="slidenum">
               <a:rPr lang="tr-TR" smtClean="0"/>
+              <a:pPr/>
               <a:t>‹#›</a:t>
             </a:fld>
             <a:endParaRPr lang="tr-TR"/>
@@ -2306,6 +2321,7 @@
           <a:p>
             <a:fld id="{7AEC6A6A-ECB2-40E9-941D-BD22E9786C62}" type="datetimeFigureOut">
               <a:rPr lang="tr-TR" smtClean="0"/>
+              <a:pPr/>
               <a:t>19.12.2017</a:t>
             </a:fld>
             <a:endParaRPr lang="tr-TR"/>
@@ -2358,6 +2374,7 @@
           <a:p>
             <a:fld id="{636AFD6A-6C2E-4B89-A70E-1910071E2A01}" type="slidenum">
               <a:rPr lang="tr-TR" smtClean="0"/>
+              <a:pPr/>
               <a:t>‹#›</a:t>
             </a:fld>
             <a:endParaRPr lang="tr-TR"/>
@@ -2406,6 +2423,7 @@
           <a:p>
             <a:fld id="{7AEC6A6A-ECB2-40E9-941D-BD22E9786C62}" type="datetimeFigureOut">
               <a:rPr lang="tr-TR" smtClean="0"/>
+              <a:pPr/>
               <a:t>19.12.2017</a:t>
             </a:fld>
             <a:endParaRPr lang="tr-TR"/>
@@ -2448,6 +2466,7 @@
           <a:p>
             <a:fld id="{636AFD6A-6C2E-4B89-A70E-1910071E2A01}" type="slidenum">
               <a:rPr lang="tr-TR" smtClean="0"/>
+              <a:pPr/>
               <a:t>‹#›</a:t>
             </a:fld>
             <a:endParaRPr lang="tr-TR"/>
@@ -2651,6 +2670,7 @@
           <a:p>
             <a:fld id="{7AEC6A6A-ECB2-40E9-941D-BD22E9786C62}" type="datetimeFigureOut">
               <a:rPr lang="tr-TR" smtClean="0"/>
+              <a:pPr/>
               <a:t>19.12.2017</a:t>
             </a:fld>
             <a:endParaRPr lang="tr-TR"/>
@@ -2693,6 +2713,7 @@
           <a:p>
             <a:fld id="{636AFD6A-6C2E-4B89-A70E-1910071E2A01}" type="slidenum">
               <a:rPr lang="tr-TR" smtClean="0"/>
+              <a:pPr/>
               <a:t>‹#›</a:t>
             </a:fld>
             <a:endParaRPr lang="tr-TR"/>
@@ -2895,6 +2916,7 @@
           <a:p>
             <a:fld id="{7AEC6A6A-ECB2-40E9-941D-BD22E9786C62}" type="datetimeFigureOut">
               <a:rPr lang="tr-TR" smtClean="0"/>
+              <a:pPr/>
               <a:t>19.12.2017</a:t>
             </a:fld>
             <a:endParaRPr lang="tr-TR"/>
@@ -2937,6 +2959,7 @@
           <a:p>
             <a:fld id="{636AFD6A-6C2E-4B89-A70E-1910071E2A01}" type="slidenum">
               <a:rPr lang="tr-TR" smtClean="0"/>
+              <a:pPr/>
               <a:t>‹#›</a:t>
             </a:fld>
             <a:endParaRPr lang="tr-TR"/>
@@ -3719,6 +3742,7 @@
           <a:p>
             <a:fld id="{7AEC6A6A-ECB2-40E9-941D-BD22E9786C62}" type="datetimeFigureOut">
               <a:rPr lang="tr-TR" smtClean="0"/>
+              <a:pPr/>
               <a:t>19.12.2017</a:t>
             </a:fld>
             <a:endParaRPr lang="tr-TR"/>
@@ -3793,6 +3817,7 @@
           <a:p>
             <a:fld id="{636AFD6A-6C2E-4B89-A70E-1910071E2A01}" type="slidenum">
               <a:rPr lang="tr-TR" smtClean="0"/>
+              <a:pPr/>
               <a:t>‹#›</a:t>
             </a:fld>
             <a:endParaRPr lang="tr-TR"/>
@@ -4629,21 +4654,12 @@
             </a:r>
             <a:r>
               <a:rPr lang="en-US" dirty="0" smtClean="0"/>
-              <a:t>now </a:t>
-            </a:r>
-            <a:r>
-              <a:rPr lang="en-US" dirty="0" smtClean="0"/>
-              <a:t>using the Singleton </a:t>
-            </a:r>
-            <a:r>
-              <a:rPr lang="en-US" dirty="0" smtClean="0"/>
-              <a:t>Pattern</a:t>
+              <a:t>now using the Singleton Pattern</a:t>
             </a:r>
             <a:r>
               <a:rPr lang="tr-TR" dirty="0" smtClean="0"/>
               <a:t>.</a:t>
             </a:r>
-            <a:endParaRPr lang="tr-TR" dirty="0" smtClean="0"/>
           </a:p>
           <a:p>
             <a:r>
@@ -4738,11 +4754,7 @@
           <a:p>
             <a:r>
               <a:rPr lang="tr-TR" dirty="0" err="1" smtClean="0"/>
-              <a:t>G</a:t>
-            </a:r>
-            <a:r>
-              <a:rPr lang="tr-TR" dirty="0" err="1" smtClean="0"/>
-              <a:t>ameUIMaster</a:t>
+              <a:t>GameUIMaster</a:t>
             </a:r>
             <a:r>
               <a:rPr lang="tr-TR" dirty="0" smtClean="0"/>
@@ -5089,11 +5101,7 @@
             </a:r>
             <a:r>
               <a:rPr lang="tr-TR" dirty="0" smtClean="0"/>
-              <a:t> </a:t>
-            </a:r>
-            <a:r>
-              <a:rPr lang="tr-TR" dirty="0" smtClean="0"/>
-              <a:t>no </a:t>
+              <a:t> no </a:t>
             </a:r>
             <a:r>
               <a:rPr lang="tr-TR" dirty="0" err="1" smtClean="0"/>
@@ -5159,7 +5167,6 @@
               <a:rPr lang="tr-TR" dirty="0" smtClean="0"/>
               <a:t>.</a:t>
             </a:r>
-            <a:endParaRPr lang="tr-TR" dirty="0" smtClean="0"/>
           </a:p>
           <a:p>
             <a:r>
@@ -5226,11 +5233,7 @@
             </a:r>
             <a:r>
               <a:rPr lang="tr-TR" dirty="0" smtClean="0"/>
-              <a:t> </a:t>
-            </a:r>
-            <a:r>
-              <a:rPr lang="tr-TR" dirty="0" smtClean="0"/>
-              <a:t>is </a:t>
+              <a:t> is </a:t>
             </a:r>
             <a:r>
               <a:rPr lang="tr-TR" dirty="0" err="1" smtClean="0"/>
@@ -5334,11 +5337,7 @@
           <a:p>
             <a:r>
               <a:rPr lang="tr-TR" dirty="0" smtClean="0"/>
-              <a:t>Time </a:t>
-            </a:r>
-            <a:r>
-              <a:rPr lang="tr-TR" dirty="0" smtClean="0"/>
-              <a:t>bar of </a:t>
+              <a:t>Time bar of </a:t>
             </a:r>
             <a:r>
               <a:rPr lang="tr-TR" dirty="0" err="1" smtClean="0"/>
@@ -5444,7 +5443,90 @@
               <a:rPr lang="tr-TR" dirty="0" smtClean="0"/>
               <a:t>.</a:t>
             </a:r>
-            <a:endParaRPr lang="tr-TR" dirty="0" smtClean="0"/>
+          </a:p>
+        </p:txBody>
+      </p:sp>
+    </p:spTree>
+  </p:cSld>
+  <p:clrMapOvr>
+    <a:masterClrMapping/>
+  </p:clrMapOvr>
+</p:sld>
+</file>
+
+<file path=ppt/slides/slide5.xml><?xml version="1.0" encoding="utf-8"?>
+<p:sld xmlns:a="http://schemas.openxmlformats.org/drawingml/2006/main" xmlns:r="http://schemas.openxmlformats.org/officeDocument/2006/relationships" xmlns:p="http://schemas.openxmlformats.org/presentationml/2006/main">
+  <p:cSld>
+    <p:spTree>
+      <p:nvGrpSpPr>
+        <p:cNvPr id="1" name=""/>
+        <p:cNvGrpSpPr/>
+        <p:nvPr/>
+      </p:nvGrpSpPr>
+      <p:grpSpPr>
+        <a:xfrm>
+          <a:off x="0" y="0"/>
+          <a:ext cx="0" cy="0"/>
+          <a:chOff x="0" y="0"/>
+          <a:chExt cx="0" cy="0"/>
+        </a:xfrm>
+      </p:grpSpPr>
+      <p:sp>
+        <p:nvSpPr>
+          <p:cNvPr id="2" name="1 Başlık"/>
+          <p:cNvSpPr>
+            <a:spLocks noGrp="1"/>
+          </p:cNvSpPr>
+          <p:nvPr>
+            <p:ph type="title"/>
+          </p:nvPr>
+        </p:nvSpPr>
+        <p:spPr/>
+        <p:txBody>
+          <a:bodyPr/>
+          <a:lstStyle/>
+          <a:p>
+            <a:endParaRPr lang="tr-TR"/>
+          </a:p>
+        </p:txBody>
+      </p:sp>
+      <p:sp>
+        <p:nvSpPr>
+          <p:cNvPr id="3" name="2 İçerik Yer Tutucusu"/>
+          <p:cNvSpPr>
+            <a:spLocks noGrp="1"/>
+          </p:cNvSpPr>
+          <p:nvPr>
+            <p:ph idx="1"/>
+          </p:nvPr>
+        </p:nvSpPr>
+        <p:spPr/>
+        <p:txBody>
+          <a:bodyPr>
+            <a:normAutofit/>
+          </a:bodyPr>
+          <a:lstStyle/>
+          <a:p>
+            <a:pPr algn="ctr">
+              <a:buNone/>
+            </a:pPr>
+            <a:r>
+              <a:rPr lang="tr-TR" sz="5400" b="1" dirty="0" err="1" smtClean="0"/>
+              <a:t>Thank</a:t>
+            </a:r>
+            <a:r>
+              <a:rPr lang="tr-TR" sz="5400" b="1" dirty="0" smtClean="0"/>
+              <a:t> </a:t>
+            </a:r>
+            <a:r>
+              <a:rPr lang="tr-TR" sz="5400" b="1" dirty="0" err="1" smtClean="0"/>
+              <a:t>you</a:t>
+            </a:r>
+            <a:r>
+              <a:rPr lang="tr-TR" sz="5400" b="1" dirty="0" smtClean="0"/>
+              <a:t>!</a:t>
+            </a:r>
+            <a:endParaRPr lang="tr-TR" sz="5400" b="1" dirty="0"/>
           </a:p>
         </p:txBody>
       </p:sp>

--- a/CS319 Final Presentation.pptx
+++ b/CS319 Final Presentation.pptx
@@ -7,9 +7,15 @@
   <p:sldIdLst>
     <p:sldId id="256" r:id="rId2"/>
     <p:sldId id="260" r:id="rId3"/>
-    <p:sldId id="261" r:id="rId4"/>
-    <p:sldId id="263" r:id="rId5"/>
-    <p:sldId id="264" r:id="rId6"/>
+    <p:sldId id="267" r:id="rId4"/>
+    <p:sldId id="268" r:id="rId5"/>
+    <p:sldId id="269" r:id="rId6"/>
+    <p:sldId id="270" r:id="rId7"/>
+    <p:sldId id="271" r:id="rId8"/>
+    <p:sldId id="261" r:id="rId9"/>
+    <p:sldId id="263" r:id="rId10"/>
+    <p:sldId id="266" r:id="rId11"/>
+    <p:sldId id="265" r:id="rId12"/>
   </p:sldIdLst>
   <p:sldSz cx="9144000" cy="6858000" type="screen4x3"/>
   <p:notesSz cx="6858000" cy="9144000"/>
@@ -770,7 +776,7 @@
             <a:fld id="{7AEC6A6A-ECB2-40E9-941D-BD22E9786C62}" type="datetimeFigureOut">
               <a:rPr lang="tr-TR" smtClean="0"/>
               <a:pPr/>
-              <a:t>19.12.2017</a:t>
+              <a:t>20.12.2017</a:t>
             </a:fld>
             <a:endParaRPr lang="tr-TR"/>
           </a:p>
@@ -955,7 +961,7 @@
             <a:fld id="{7AEC6A6A-ECB2-40E9-941D-BD22E9786C62}" type="datetimeFigureOut">
               <a:rPr lang="tr-TR" smtClean="0"/>
               <a:pPr/>
-              <a:t>19.12.2017</a:t>
+              <a:t>20.12.2017</a:t>
             </a:fld>
             <a:endParaRPr lang="tr-TR"/>
           </a:p>
@@ -1132,7 +1138,7 @@
             <a:fld id="{7AEC6A6A-ECB2-40E9-941D-BD22E9786C62}" type="datetimeFigureOut">
               <a:rPr lang="tr-TR" smtClean="0"/>
               <a:pPr/>
-              <a:t>19.12.2017</a:t>
+              <a:t>20.12.2017</a:t>
             </a:fld>
             <a:endParaRPr lang="tr-TR"/>
           </a:p>
@@ -1299,7 +1305,7 @@
             <a:fld id="{7AEC6A6A-ECB2-40E9-941D-BD22E9786C62}" type="datetimeFigureOut">
               <a:rPr lang="tr-TR" smtClean="0"/>
               <a:pPr/>
-              <a:t>19.12.2017</a:t>
+              <a:t>20.12.2017</a:t>
             </a:fld>
             <a:endParaRPr lang="tr-TR"/>
           </a:p>
@@ -1522,7 +1528,7 @@
             <a:fld id="{7AEC6A6A-ECB2-40E9-941D-BD22E9786C62}" type="datetimeFigureOut">
               <a:rPr lang="tr-TR" smtClean="0"/>
               <a:pPr/>
-              <a:t>19.12.2017</a:t>
+              <a:t>20.12.2017</a:t>
             </a:fld>
             <a:endParaRPr lang="tr-TR"/>
           </a:p>
@@ -1783,7 +1789,7 @@
             <a:fld id="{7AEC6A6A-ECB2-40E9-941D-BD22E9786C62}" type="datetimeFigureOut">
               <a:rPr lang="tr-TR" smtClean="0"/>
               <a:pPr/>
-              <a:t>19.12.2017</a:t>
+              <a:t>20.12.2017</a:t>
             </a:fld>
             <a:endParaRPr lang="tr-TR"/>
           </a:p>
@@ -2189,7 +2195,7 @@
             <a:fld id="{7AEC6A6A-ECB2-40E9-941D-BD22E9786C62}" type="datetimeFigureOut">
               <a:rPr lang="tr-TR" smtClean="0"/>
               <a:pPr/>
-              <a:t>19.12.2017</a:t>
+              <a:t>20.12.2017</a:t>
             </a:fld>
             <a:endParaRPr lang="tr-TR"/>
           </a:p>
@@ -2322,7 +2328,7 @@
             <a:fld id="{7AEC6A6A-ECB2-40E9-941D-BD22E9786C62}" type="datetimeFigureOut">
               <a:rPr lang="tr-TR" smtClean="0"/>
               <a:pPr/>
-              <a:t>19.12.2017</a:t>
+              <a:t>20.12.2017</a:t>
             </a:fld>
             <a:endParaRPr lang="tr-TR"/>
           </a:p>
@@ -2424,7 +2430,7 @@
             <a:fld id="{7AEC6A6A-ECB2-40E9-941D-BD22E9786C62}" type="datetimeFigureOut">
               <a:rPr lang="tr-TR" smtClean="0"/>
               <a:pPr/>
-              <a:t>19.12.2017</a:t>
+              <a:t>20.12.2017</a:t>
             </a:fld>
             <a:endParaRPr lang="tr-TR"/>
           </a:p>
@@ -2671,7 +2677,7 @@
             <a:fld id="{7AEC6A6A-ECB2-40E9-941D-BD22E9786C62}" type="datetimeFigureOut">
               <a:rPr lang="tr-TR" smtClean="0"/>
               <a:pPr/>
-              <a:t>19.12.2017</a:t>
+              <a:t>20.12.2017</a:t>
             </a:fld>
             <a:endParaRPr lang="tr-TR"/>
           </a:p>
@@ -2917,7 +2923,7 @@
             <a:fld id="{7AEC6A6A-ECB2-40E9-941D-BD22E9786C62}" type="datetimeFigureOut">
               <a:rPr lang="tr-TR" smtClean="0"/>
               <a:pPr/>
-              <a:t>19.12.2017</a:t>
+              <a:t>20.12.2017</a:t>
             </a:fld>
             <a:endParaRPr lang="tr-TR"/>
           </a:p>
@@ -3743,7 +3749,7 @@
             <a:fld id="{7AEC6A6A-ECB2-40E9-941D-BD22E9786C62}" type="datetimeFigureOut">
               <a:rPr lang="tr-TR" smtClean="0"/>
               <a:pPr/>
-              <a:t>19.12.2017</a:t>
+              <a:t>20.12.2017</a:t>
             </a:fld>
             <a:endParaRPr lang="tr-TR"/>
           </a:p>
@@ -4178,7 +4184,7 @@
         </p:nvSpPr>
         <p:spPr>
           <a:xfrm>
-            <a:off x="2133600" y="2500306"/>
+            <a:off x="2123728" y="2636912"/>
             <a:ext cx="6560234" cy="4143404"/>
           </a:xfrm>
         </p:spPr>
@@ -4339,6 +4345,206 @@
       </p:par>
     </p:tnLst>
   </p:timing>
+</p:sld>
+</file>
+
+<file path=ppt/slides/slide10.xml><?xml version="1.0" encoding="utf-8"?>
+<p:sld xmlns:a="http://schemas.openxmlformats.org/drawingml/2006/main" xmlns:r="http://schemas.openxmlformats.org/officeDocument/2006/relationships" xmlns:p="http://schemas.openxmlformats.org/presentationml/2006/main">
+  <p:cSld>
+    <p:spTree>
+      <p:nvGrpSpPr>
+        <p:cNvPr id="1" name=""/>
+        <p:cNvGrpSpPr/>
+        <p:nvPr/>
+      </p:nvGrpSpPr>
+      <p:grpSpPr>
+        <a:xfrm>
+          <a:off x="0" y="0"/>
+          <a:ext cx="0" cy="0"/>
+          <a:chOff x="0" y="0"/>
+          <a:chExt cx="0" cy="0"/>
+        </a:xfrm>
+      </p:grpSpPr>
+      <p:sp>
+        <p:nvSpPr>
+          <p:cNvPr id="2" name="Başlık 1"/>
+          <p:cNvSpPr>
+            <a:spLocks noGrp="1"/>
+          </p:cNvSpPr>
+          <p:nvPr>
+            <p:ph type="title"/>
+          </p:nvPr>
+        </p:nvSpPr>
+        <p:spPr/>
+        <p:txBody>
+          <a:bodyPr/>
+          <a:lstStyle/>
+          <a:p>
+            <a:endParaRPr lang="tr-TR"/>
+          </a:p>
+        </p:txBody>
+      </p:sp>
+      <p:sp>
+        <p:nvSpPr>
+          <p:cNvPr id="3" name="İçerik Yer Tutucusu 2"/>
+          <p:cNvSpPr>
+            <a:spLocks noGrp="1"/>
+          </p:cNvSpPr>
+          <p:nvPr>
+            <p:ph idx="1"/>
+          </p:nvPr>
+        </p:nvSpPr>
+        <p:spPr/>
+        <p:txBody>
+          <a:bodyPr/>
+          <a:lstStyle/>
+          <a:p>
+            <a:endParaRPr lang="tr-TR"/>
+          </a:p>
+        </p:txBody>
+      </p:sp>
+    </p:spTree>
+    <p:extLst>
+      <p:ext uri="{BB962C8B-B14F-4D97-AF65-F5344CB8AC3E}">
+        <p14:creationId xmlns:p14="http://schemas.microsoft.com/office/powerpoint/2010/main" val="93622986"/>
+      </p:ext>
+    </p:extLst>
+  </p:cSld>
+  <p:clrMapOvr>
+    <a:masterClrMapping/>
+  </p:clrMapOvr>
+</p:sld>
+</file>
+
+<file path=ppt/slides/slide11.xml><?xml version="1.0" encoding="utf-8"?>
+<p:sld xmlns:a="http://schemas.openxmlformats.org/drawingml/2006/main" xmlns:r="http://schemas.openxmlformats.org/officeDocument/2006/relationships" xmlns:p="http://schemas.openxmlformats.org/presentationml/2006/main">
+  <p:cSld>
+    <p:spTree>
+      <p:nvGrpSpPr>
+        <p:cNvPr id="1" name=""/>
+        <p:cNvGrpSpPr/>
+        <p:nvPr/>
+      </p:nvGrpSpPr>
+      <p:grpSpPr>
+        <a:xfrm>
+          <a:off x="0" y="0"/>
+          <a:ext cx="0" cy="0"/>
+          <a:chOff x="0" y="0"/>
+          <a:chExt cx="0" cy="0"/>
+        </a:xfrm>
+      </p:grpSpPr>
+      <p:sp>
+        <p:nvSpPr>
+          <p:cNvPr id="2" name="Başlık 1"/>
+          <p:cNvSpPr>
+            <a:spLocks noGrp="1"/>
+          </p:cNvSpPr>
+          <p:nvPr>
+            <p:ph type="title"/>
+          </p:nvPr>
+        </p:nvSpPr>
+        <p:spPr/>
+        <p:txBody>
+          <a:bodyPr/>
+          <a:lstStyle/>
+          <a:p>
+            <a:pPr algn="ctr"/>
+            <a:r>
+              <a:rPr lang="tr-TR" dirty="0" err="1" smtClean="0"/>
+              <a:t>What</a:t>
+            </a:r>
+            <a:r>
+              <a:rPr lang="tr-TR" dirty="0" smtClean="0"/>
+              <a:t> is </a:t>
+            </a:r>
+            <a:r>
+              <a:rPr lang="tr-TR" dirty="0" err="1" smtClean="0"/>
+              <a:t>left</a:t>
+            </a:r>
+            <a:r>
+              <a:rPr lang="tr-TR" dirty="0" smtClean="0"/>
+              <a:t>?</a:t>
+            </a:r>
+            <a:endParaRPr lang="tr-TR" dirty="0"/>
+          </a:p>
+        </p:txBody>
+      </p:sp>
+      <p:sp>
+        <p:nvSpPr>
+          <p:cNvPr id="3" name="İçerik Yer Tutucusu 2"/>
+          <p:cNvSpPr>
+            <a:spLocks noGrp="1"/>
+          </p:cNvSpPr>
+          <p:nvPr>
+            <p:ph idx="1"/>
+          </p:nvPr>
+        </p:nvSpPr>
+        <p:spPr>
+          <a:xfrm>
+            <a:off x="457200" y="2249424"/>
+            <a:ext cx="8229600" cy="1035560"/>
+          </a:xfrm>
+        </p:spPr>
+        <p:txBody>
+          <a:bodyPr/>
+          <a:lstStyle/>
+          <a:p>
+            <a:r>
+              <a:rPr lang="tr-TR" dirty="0" err="1" smtClean="0"/>
+              <a:t>Power-ups</a:t>
+            </a:r>
+            <a:r>
+              <a:rPr lang="tr-TR" dirty="0" smtClean="0"/>
+              <a:t> on </a:t>
+            </a:r>
+            <a:r>
+              <a:rPr lang="tr-TR" dirty="0" err="1" smtClean="0"/>
+              <a:t>the</a:t>
+            </a:r>
+            <a:r>
+              <a:rPr lang="tr-TR" dirty="0" smtClean="0"/>
+              <a:t> Game </a:t>
+            </a:r>
+            <a:r>
+              <a:rPr lang="tr-TR" dirty="0" err="1" smtClean="0"/>
+              <a:t>Screen</a:t>
+            </a:r>
+            <a:endParaRPr lang="tr-TR" dirty="0" smtClean="0"/>
+          </a:p>
+          <a:p>
+            <a:r>
+              <a:rPr lang="tr-TR" dirty="0" smtClean="0"/>
+              <a:t>Shop on </a:t>
+            </a:r>
+            <a:r>
+              <a:rPr lang="tr-TR" dirty="0" err="1" smtClean="0"/>
+              <a:t>the</a:t>
+            </a:r>
+            <a:r>
+              <a:rPr lang="tr-TR" dirty="0" smtClean="0"/>
+              <a:t> Upgrade </a:t>
+            </a:r>
+            <a:r>
+              <a:rPr lang="tr-TR" dirty="0" err="1" smtClean="0"/>
+              <a:t>Screen</a:t>
+            </a:r>
+            <a:endParaRPr lang="tr-TR" dirty="0" smtClean="0"/>
+          </a:p>
+          <a:p>
+            <a:endParaRPr lang="tr-TR" dirty="0"/>
+          </a:p>
+        </p:txBody>
+      </p:sp>
+    </p:spTree>
+    <p:extLst>
+      <p:ext uri="{BB962C8B-B14F-4D97-AF65-F5344CB8AC3E}">
+        <p14:creationId xmlns:p14="http://schemas.microsoft.com/office/powerpoint/2010/main" val="1088406347"/>
+      </p:ext>
+    </p:extLst>
+  </p:cSld>
+  <p:clrMapOvr>
+    <a:masterClrMapping/>
+  </p:clrMapOvr>
 </p:sld>
 </file>
 
@@ -4538,7 +4744,7 @@
       </p:grpSpPr>
       <p:sp>
         <p:nvSpPr>
-          <p:cNvPr id="2" name="1 Başlık"/>
+          <p:cNvPr id="2" name="Başlık 1"/>
           <p:cNvSpPr>
             <a:spLocks noGrp="1"/>
           </p:cNvSpPr>
@@ -4548,511 +4754,65 @@
         </p:nvSpPr>
         <p:spPr/>
         <p:txBody>
-          <a:bodyPr>
-            <a:normAutofit/>
-          </a:bodyPr>
+          <a:bodyPr/>
           <a:lstStyle/>
           <a:p>
             <a:pPr algn="ctr"/>
             <a:r>
-              <a:rPr lang="tr-TR" sz="3600" b="1" dirty="0" err="1" smtClean="0">
-                <a:solidFill>
-                  <a:schemeClr val="tx1"/>
-                </a:solidFill>
-              </a:rPr>
-              <a:t>What</a:t>
-            </a:r>
-            <a:r>
-              <a:rPr lang="tr-TR" sz="3600" b="1" dirty="0" smtClean="0">
-                <a:solidFill>
-                  <a:schemeClr val="tx1"/>
-                </a:solidFill>
-              </a:rPr>
-              <a:t> is </a:t>
-            </a:r>
-            <a:r>
-              <a:rPr lang="tr-TR" sz="3600" b="1" dirty="0" err="1" smtClean="0">
-                <a:solidFill>
-                  <a:schemeClr val="tx1"/>
-                </a:solidFill>
-              </a:rPr>
-              <a:t>different</a:t>
-            </a:r>
-            <a:r>
-              <a:rPr lang="tr-TR" sz="3600" b="1" dirty="0" smtClean="0">
-                <a:solidFill>
-                  <a:schemeClr val="tx1"/>
-                </a:solidFill>
-              </a:rPr>
-              <a:t>?</a:t>
-            </a:r>
-            <a:endParaRPr lang="tr-TR" sz="3600" b="1" dirty="0">
-              <a:solidFill>
-                <a:schemeClr val="bg1"/>
-              </a:solidFill>
-            </a:endParaRPr>
-          </a:p>
-        </p:txBody>
-      </p:sp>
-      <p:sp>
-        <p:nvSpPr>
-          <p:cNvPr id="3" name="2 İçerik Yer Tutucusu"/>
-          <p:cNvSpPr>
-            <a:spLocks noGrp="1"/>
-          </p:cNvSpPr>
+              <a:rPr lang="tr-TR" dirty="0" err="1" smtClean="0"/>
+              <a:t>Title</a:t>
+            </a:r>
+            <a:r>
+              <a:rPr lang="tr-TR" dirty="0" smtClean="0"/>
+              <a:t> </a:t>
+            </a:r>
+            <a:r>
+              <a:rPr lang="tr-TR" dirty="0" err="1" smtClean="0"/>
+              <a:t>Screen</a:t>
+            </a:r>
+            <a:endParaRPr lang="tr-TR" dirty="0"/>
+          </a:p>
+        </p:txBody>
+      </p:sp>
+      <p:pic>
+        <p:nvPicPr>
+          <p:cNvPr id="6" name="İçerik Yer Tutucusu 5"/>
+          <p:cNvPicPr>
+            <a:picLocks noGrp="1" noChangeAspect="1"/>
+          </p:cNvPicPr>
           <p:nvPr>
             <p:ph idx="1"/>
           </p:nvPr>
-        </p:nvSpPr>
+        </p:nvPicPr>
+        <p:blipFill>
+          <a:blip r:embed="rId2">
+            <a:extLst>
+              <a:ext uri="{28A0092B-C50C-407E-A947-70E740481C1C}">
+                <a14:useLocalDpi xmlns:a14="http://schemas.microsoft.com/office/drawing/2010/main" val="0"/>
+              </a:ext>
+            </a:extLst>
+          </a:blip>
+          <a:stretch>
+            <a:fillRect/>
+          </a:stretch>
+        </p:blipFill>
         <p:spPr>
           <a:xfrm>
-            <a:off x="457200" y="2500306"/>
-            <a:ext cx="8229600" cy="3672211"/>
-          </a:xfrm>
-        </p:spPr>
-        <p:txBody>
-          <a:bodyPr>
-            <a:normAutofit fontScale="85000" lnSpcReduction="10000"/>
-          </a:bodyPr>
-          <a:lstStyle/>
-          <a:p>
-            <a:r>
-              <a:rPr lang="en-US" dirty="0" smtClean="0"/>
-              <a:t>Player </a:t>
-            </a:r>
-            <a:r>
-              <a:rPr lang="tr-TR" dirty="0" err="1" smtClean="0"/>
-              <a:t>and</a:t>
-            </a:r>
-            <a:r>
-              <a:rPr lang="tr-TR" dirty="0" smtClean="0"/>
-              <a:t> </a:t>
-            </a:r>
-            <a:r>
-              <a:rPr lang="tr-TR" dirty="0" err="1" smtClean="0"/>
-              <a:t>GameMaster</a:t>
-            </a:r>
-            <a:r>
-              <a:rPr lang="tr-TR" dirty="0" smtClean="0"/>
-              <a:t> </a:t>
-            </a:r>
-            <a:r>
-              <a:rPr lang="tr-TR" dirty="0" err="1" smtClean="0"/>
-              <a:t>objects</a:t>
-            </a:r>
-            <a:r>
-              <a:rPr lang="tr-TR" dirty="0" smtClean="0"/>
-              <a:t> </a:t>
-            </a:r>
-            <a:r>
-              <a:rPr lang="tr-TR" dirty="0" err="1" smtClean="0"/>
-              <a:t>are</a:t>
-            </a:r>
-            <a:r>
-              <a:rPr lang="tr-TR" dirty="0" smtClean="0"/>
-              <a:t> </a:t>
-            </a:r>
-            <a:r>
-              <a:rPr lang="en-US" dirty="0" smtClean="0"/>
-              <a:t>now using the Singleton Pattern</a:t>
-            </a:r>
-            <a:r>
-              <a:rPr lang="tr-TR" dirty="0" smtClean="0"/>
-              <a:t>.</a:t>
-            </a:r>
-          </a:p>
-          <a:p>
-            <a:r>
-              <a:rPr lang="tr-TR" dirty="0" err="1" smtClean="0"/>
-              <a:t>Item</a:t>
-            </a:r>
-            <a:r>
-              <a:rPr lang="tr-TR" dirty="0" smtClean="0"/>
-              <a:t> </a:t>
-            </a:r>
-            <a:r>
-              <a:rPr lang="tr-TR" dirty="0" err="1" smtClean="0"/>
-              <a:t>hierarchy</a:t>
-            </a:r>
-            <a:r>
-              <a:rPr lang="tr-TR" dirty="0" smtClean="0"/>
-              <a:t>(standart, </a:t>
-            </a:r>
-            <a:r>
-              <a:rPr lang="tr-TR" dirty="0" err="1" smtClean="0"/>
-              <a:t>rare</a:t>
-            </a:r>
-            <a:r>
-              <a:rPr lang="tr-TR" dirty="0" smtClean="0"/>
-              <a:t>, ultra-</a:t>
-            </a:r>
-            <a:r>
-              <a:rPr lang="tr-TR" dirty="0" err="1" smtClean="0"/>
-              <a:t>rare</a:t>
-            </a:r>
-            <a:r>
-              <a:rPr lang="tr-TR" dirty="0" smtClean="0"/>
-              <a:t>…) is </a:t>
-            </a:r>
-            <a:r>
-              <a:rPr lang="tr-TR" dirty="0" err="1" smtClean="0"/>
-              <a:t>changed</a:t>
-            </a:r>
-            <a:r>
-              <a:rPr lang="tr-TR" dirty="0" smtClean="0"/>
-              <a:t>. </a:t>
-            </a:r>
-            <a:r>
-              <a:rPr lang="tr-TR" dirty="0" err="1" smtClean="0"/>
-              <a:t>Instead</a:t>
-            </a:r>
-            <a:r>
-              <a:rPr lang="tr-TR" dirty="0" smtClean="0"/>
-              <a:t>, </a:t>
-            </a:r>
-            <a:r>
-              <a:rPr lang="tr-TR" dirty="0" err="1" smtClean="0"/>
-              <a:t>integers</a:t>
-            </a:r>
-            <a:r>
-              <a:rPr lang="tr-TR" dirty="0" smtClean="0"/>
-              <a:t> </a:t>
-            </a:r>
-            <a:r>
-              <a:rPr lang="tr-TR" dirty="0" err="1" smtClean="0"/>
-              <a:t>indicate</a:t>
-            </a:r>
-            <a:r>
-              <a:rPr lang="tr-TR" dirty="0" smtClean="0"/>
-              <a:t> </a:t>
-            </a:r>
-            <a:r>
-              <a:rPr lang="tr-TR" dirty="0" err="1" smtClean="0"/>
-              <a:t>their</a:t>
-            </a:r>
-            <a:r>
-              <a:rPr lang="tr-TR" dirty="0" smtClean="0"/>
-              <a:t>  </a:t>
-            </a:r>
-            <a:r>
-              <a:rPr lang="tr-TR" dirty="0" err="1" smtClean="0"/>
-              <a:t>distribution</a:t>
-            </a:r>
-            <a:r>
-              <a:rPr lang="tr-TR" dirty="0" smtClean="0"/>
-              <a:t> </a:t>
-            </a:r>
-            <a:r>
-              <a:rPr lang="tr-TR" dirty="0" err="1" smtClean="0"/>
-              <a:t>rates</a:t>
-            </a:r>
-            <a:r>
-              <a:rPr lang="tr-TR" dirty="0" smtClean="0"/>
-              <a:t>.</a:t>
-            </a:r>
-          </a:p>
-          <a:p>
-            <a:r>
-              <a:rPr lang="tr-TR" dirty="0" err="1" smtClean="0"/>
-              <a:t>GameUIMaster</a:t>
-            </a:r>
-            <a:r>
-              <a:rPr lang="tr-TR" dirty="0" smtClean="0"/>
-              <a:t> is  </a:t>
-            </a:r>
-            <a:r>
-              <a:rPr lang="tr-TR" dirty="0" err="1" smtClean="0"/>
-              <a:t>removed</a:t>
-            </a:r>
-            <a:r>
-              <a:rPr lang="tr-TR" dirty="0" smtClean="0"/>
-              <a:t>. </a:t>
-            </a:r>
-            <a:r>
-              <a:rPr lang="tr-TR" dirty="0" err="1" smtClean="0"/>
-              <a:t>Instead</a:t>
-            </a:r>
-            <a:r>
-              <a:rPr lang="tr-TR" dirty="0" smtClean="0"/>
-              <a:t> </a:t>
-            </a:r>
-            <a:r>
-              <a:rPr lang="tr-TR" dirty="0" err="1" smtClean="0"/>
-              <a:t>attributes</a:t>
-            </a:r>
-            <a:r>
-              <a:rPr lang="tr-TR" dirty="0" smtClean="0"/>
-              <a:t> </a:t>
-            </a:r>
-            <a:r>
-              <a:rPr lang="tr-TR" dirty="0" err="1" smtClean="0"/>
-              <a:t>that</a:t>
-            </a:r>
-            <a:r>
-              <a:rPr lang="tr-TR" dirty="0" smtClean="0"/>
-              <a:t> </a:t>
-            </a:r>
-            <a:r>
-              <a:rPr lang="tr-TR" dirty="0" err="1" smtClean="0"/>
-              <a:t>related</a:t>
-            </a:r>
-            <a:r>
-              <a:rPr lang="tr-TR" dirty="0" smtClean="0"/>
-              <a:t> </a:t>
-            </a:r>
-            <a:r>
-              <a:rPr lang="tr-TR" dirty="0" err="1" smtClean="0"/>
-              <a:t>with</a:t>
-            </a:r>
-            <a:r>
-              <a:rPr lang="tr-TR" dirty="0" smtClean="0"/>
-              <a:t> </a:t>
-            </a:r>
-            <a:r>
-              <a:rPr lang="tr-TR" dirty="0" err="1" smtClean="0"/>
-              <a:t>the</a:t>
-            </a:r>
-            <a:r>
-              <a:rPr lang="tr-TR" dirty="0" smtClean="0"/>
-              <a:t> UI is done </a:t>
-            </a:r>
-            <a:r>
-              <a:rPr lang="tr-TR" dirty="0" err="1" smtClean="0"/>
-              <a:t>with</a:t>
-            </a:r>
-            <a:r>
-              <a:rPr lang="tr-TR" dirty="0" smtClean="0"/>
-              <a:t> </a:t>
-            </a:r>
-            <a:r>
-              <a:rPr lang="tr-TR" dirty="0" err="1" smtClean="0"/>
-              <a:t>observer</a:t>
-            </a:r>
-            <a:r>
-              <a:rPr lang="tr-TR" dirty="0" smtClean="0"/>
-              <a:t> </a:t>
-            </a:r>
-            <a:r>
-              <a:rPr lang="tr-TR" dirty="0" err="1" smtClean="0"/>
-              <a:t>pattern</a:t>
-            </a:r>
-            <a:r>
-              <a:rPr lang="tr-TR" dirty="0" smtClean="0"/>
-              <a:t>.</a:t>
-            </a:r>
-          </a:p>
-          <a:p>
-            <a:r>
-              <a:rPr lang="tr-TR" dirty="0" err="1" smtClean="0"/>
-              <a:t>Level</a:t>
-            </a:r>
-            <a:r>
-              <a:rPr lang="tr-TR" dirty="0" smtClean="0"/>
-              <a:t> </a:t>
-            </a:r>
-            <a:r>
-              <a:rPr lang="tr-TR" dirty="0" err="1" smtClean="0"/>
-              <a:t>generation</a:t>
-            </a:r>
-            <a:r>
-              <a:rPr lang="tr-TR" dirty="0" smtClean="0"/>
-              <a:t> </a:t>
-            </a:r>
-            <a:r>
-              <a:rPr lang="tr-TR" dirty="0" err="1" smtClean="0"/>
-              <a:t>with</a:t>
-            </a:r>
-            <a:r>
-              <a:rPr lang="tr-TR" dirty="0" smtClean="0"/>
-              <a:t>  </a:t>
-            </a:r>
-            <a:r>
-              <a:rPr lang="tr-TR" dirty="0" err="1" smtClean="0"/>
-              <a:t>text</a:t>
-            </a:r>
-            <a:r>
-              <a:rPr lang="tr-TR" dirty="0" smtClean="0"/>
-              <a:t> file </a:t>
-            </a:r>
-            <a:r>
-              <a:rPr lang="tr-TR" dirty="0" err="1" smtClean="0"/>
-              <a:t>specification</a:t>
-            </a:r>
-            <a:r>
-              <a:rPr lang="tr-TR" dirty="0" smtClean="0"/>
-              <a:t> is </a:t>
-            </a:r>
-            <a:r>
-              <a:rPr lang="tr-TR" dirty="0" err="1" smtClean="0"/>
-              <a:t>changed</a:t>
-            </a:r>
-            <a:r>
-              <a:rPr lang="tr-TR" dirty="0" smtClean="0"/>
-              <a:t> </a:t>
-            </a:r>
-            <a:r>
-              <a:rPr lang="tr-TR" dirty="0" err="1" smtClean="0"/>
-              <a:t>with</a:t>
-            </a:r>
-            <a:r>
-              <a:rPr lang="tr-TR" dirty="0" smtClean="0"/>
-              <a:t> </a:t>
-            </a:r>
-            <a:r>
-              <a:rPr lang="tr-TR" dirty="0" err="1" smtClean="0"/>
-              <a:t>complete</a:t>
-            </a:r>
-            <a:r>
-              <a:rPr lang="tr-TR" dirty="0" smtClean="0"/>
-              <a:t> </a:t>
-            </a:r>
-            <a:r>
-              <a:rPr lang="tr-TR" dirty="0" err="1" smtClean="0"/>
-              <a:t>random</a:t>
-            </a:r>
-            <a:r>
-              <a:rPr lang="tr-TR" dirty="0" smtClean="0"/>
-              <a:t> </a:t>
-            </a:r>
-            <a:r>
-              <a:rPr lang="tr-TR" dirty="0" err="1" smtClean="0"/>
-              <a:t>levels</a:t>
-            </a:r>
-            <a:r>
-              <a:rPr lang="tr-TR" dirty="0" smtClean="0"/>
-              <a:t> </a:t>
-            </a:r>
-            <a:r>
-              <a:rPr lang="tr-TR" dirty="0" err="1" smtClean="0"/>
-              <a:t>with</a:t>
-            </a:r>
-            <a:r>
-              <a:rPr lang="tr-TR" dirty="0" smtClean="0"/>
-              <a:t> </a:t>
-            </a:r>
-            <a:r>
-              <a:rPr lang="tr-TR" dirty="0" err="1" smtClean="0"/>
-              <a:t>increasing</a:t>
-            </a:r>
-            <a:r>
-              <a:rPr lang="tr-TR" dirty="0" smtClean="0"/>
-              <a:t> </a:t>
-            </a:r>
-            <a:r>
-              <a:rPr lang="tr-TR" dirty="0" err="1" smtClean="0"/>
-              <a:t>difficulty</a:t>
-            </a:r>
-            <a:r>
-              <a:rPr lang="tr-TR" dirty="0" smtClean="0"/>
-              <a:t>.</a:t>
-            </a:r>
-          </a:p>
-          <a:p>
-            <a:r>
-              <a:rPr lang="tr-TR" dirty="0" err="1" smtClean="0"/>
-              <a:t>GameMaster</a:t>
-            </a:r>
-            <a:r>
-              <a:rPr lang="tr-TR" dirty="0" smtClean="0"/>
-              <a:t> </a:t>
-            </a:r>
-            <a:r>
-              <a:rPr lang="tr-TR" dirty="0" err="1" smtClean="0"/>
-              <a:t>became</a:t>
-            </a:r>
-            <a:r>
-              <a:rPr lang="tr-TR" dirty="0" smtClean="0"/>
-              <a:t> a </a:t>
-            </a:r>
-            <a:r>
-              <a:rPr lang="tr-TR" dirty="0" err="1" smtClean="0"/>
-              <a:t>centralized</a:t>
-            </a:r>
-            <a:r>
-              <a:rPr lang="tr-TR" dirty="0" smtClean="0"/>
-              <a:t> </a:t>
-            </a:r>
-            <a:r>
-              <a:rPr lang="tr-TR" dirty="0" err="1" smtClean="0"/>
-              <a:t>control</a:t>
-            </a:r>
-            <a:r>
-              <a:rPr lang="tr-TR" dirty="0" smtClean="0"/>
-              <a:t> </a:t>
-            </a:r>
-            <a:r>
-              <a:rPr lang="tr-TR" dirty="0" err="1" smtClean="0"/>
-              <a:t>unit</a:t>
-            </a:r>
-            <a:r>
-              <a:rPr lang="tr-TR" dirty="0" smtClean="0"/>
-              <a:t>.</a:t>
-            </a:r>
-          </a:p>
-          <a:p>
-            <a:r>
-              <a:rPr lang="tr-TR" dirty="0" err="1" smtClean="0"/>
-              <a:t>Unused</a:t>
-            </a:r>
-            <a:r>
-              <a:rPr lang="tr-TR" dirty="0" smtClean="0"/>
-              <a:t> </a:t>
-            </a:r>
-            <a:r>
-              <a:rPr lang="tr-TR" dirty="0" err="1" smtClean="0"/>
-              <a:t>methods</a:t>
-            </a:r>
-            <a:r>
-              <a:rPr lang="tr-TR" dirty="0" smtClean="0"/>
-              <a:t> </a:t>
-            </a:r>
-            <a:r>
-              <a:rPr lang="tr-TR" dirty="0" err="1" smtClean="0"/>
-              <a:t>are</a:t>
-            </a:r>
-            <a:r>
-              <a:rPr lang="tr-TR" dirty="0" smtClean="0"/>
-              <a:t> </a:t>
-            </a:r>
-            <a:r>
-              <a:rPr lang="tr-TR" dirty="0" err="1" smtClean="0"/>
-              <a:t>removed</a:t>
-            </a:r>
-            <a:r>
-              <a:rPr lang="tr-TR" dirty="0" smtClean="0"/>
-              <a:t> </a:t>
-            </a:r>
-            <a:r>
-              <a:rPr lang="tr-TR" dirty="0" err="1" smtClean="0"/>
-              <a:t>from</a:t>
-            </a:r>
-            <a:r>
-              <a:rPr lang="tr-TR" dirty="0" smtClean="0"/>
-              <a:t> </a:t>
-            </a:r>
-            <a:r>
-              <a:rPr lang="tr-TR" dirty="0" err="1" smtClean="0"/>
-              <a:t>GameMaster</a:t>
-            </a:r>
-            <a:r>
-              <a:rPr lang="tr-TR" dirty="0" smtClean="0"/>
-              <a:t>.</a:t>
-            </a:r>
-          </a:p>
-        </p:txBody>
-      </p:sp>
+            <a:off x="728133" y="2249488"/>
+            <a:ext cx="7687733" cy="4324350"/>
+          </a:xfrm>
+        </p:spPr>
+      </p:pic>
     </p:spTree>
+    <p:extLst>
+      <p:ext uri="{BB962C8B-B14F-4D97-AF65-F5344CB8AC3E}">
+        <p14:creationId xmlns:p14="http://schemas.microsoft.com/office/powerpoint/2010/main" val="1179281066"/>
+      </p:ext>
+    </p:extLst>
   </p:cSld>
   <p:clrMapOvr>
     <a:masterClrMapping/>
   </p:clrMapOvr>
-  <p:timing>
-    <p:tnLst>
-      <p:par>
-        <p:cTn id="1" dur="indefinite" restart="never" nodeType="tmRoot"/>
-      </p:par>
-    </p:tnLst>
-  </p:timing>
 </p:sld>
 </file>
 
@@ -5075,378 +4835,67 @@
       </p:grpSpPr>
       <p:sp>
         <p:nvSpPr>
-          <p:cNvPr id="3" name="2 İçerik Yer Tutucusu"/>
-          <p:cNvSpPr>
-            <a:spLocks noGrp="1"/>
-          </p:cNvSpPr>
+          <p:cNvPr id="2" name="Başlık 1"/>
+          <p:cNvSpPr>
+            <a:spLocks noGrp="1"/>
+          </p:cNvSpPr>
+          <p:nvPr>
+            <p:ph type="title"/>
+          </p:nvPr>
+        </p:nvSpPr>
+        <p:spPr/>
+        <p:txBody>
+          <a:bodyPr/>
+          <a:lstStyle/>
+          <a:p>
+            <a:pPr algn="ctr"/>
+            <a:r>
+              <a:rPr lang="tr-TR" dirty="0" smtClean="0"/>
+              <a:t>Game </a:t>
+            </a:r>
+            <a:r>
+              <a:rPr lang="tr-TR" dirty="0" err="1" smtClean="0"/>
+              <a:t>Screen</a:t>
+            </a:r>
+            <a:endParaRPr lang="tr-TR" dirty="0"/>
+          </a:p>
+        </p:txBody>
+      </p:sp>
+      <p:pic>
+        <p:nvPicPr>
+          <p:cNvPr id="4" name="İçerik Yer Tutucusu 3"/>
+          <p:cNvPicPr>
+            <a:picLocks noGrp="1" noChangeAspect="1"/>
+          </p:cNvPicPr>
           <p:nvPr>
             <p:ph idx="1"/>
           </p:nvPr>
-        </p:nvSpPr>
+        </p:nvPicPr>
+        <p:blipFill>
+          <a:blip r:embed="rId2" cstate="print">
+            <a:extLst>
+              <a:ext uri="{28A0092B-C50C-407E-A947-70E740481C1C}">
+                <a14:useLocalDpi xmlns:a14="http://schemas.microsoft.com/office/drawing/2010/main" val="0"/>
+              </a:ext>
+            </a:extLst>
+          </a:blip>
+          <a:stretch>
+            <a:fillRect/>
+          </a:stretch>
+        </p:blipFill>
         <p:spPr>
           <a:xfrm>
-            <a:off x="457200" y="928670"/>
-            <a:ext cx="8229600" cy="5243847"/>
-          </a:xfrm>
-        </p:spPr>
-        <p:txBody>
-          <a:bodyPr>
-            <a:normAutofit/>
-          </a:bodyPr>
-          <a:lstStyle/>
-          <a:p>
-            <a:r>
-              <a:rPr lang="tr-TR" dirty="0" err="1" smtClean="0"/>
-              <a:t>GameMaster</a:t>
-            </a:r>
-            <a:r>
-              <a:rPr lang="tr-TR" dirty="0" smtClean="0"/>
-              <a:t> no </a:t>
-            </a:r>
-            <a:r>
-              <a:rPr lang="tr-TR" dirty="0" err="1" smtClean="0"/>
-              <a:t>longer</a:t>
-            </a:r>
-            <a:r>
-              <a:rPr lang="tr-TR" dirty="0" smtClean="0"/>
-              <a:t> </a:t>
-            </a:r>
-            <a:r>
-              <a:rPr lang="tr-TR" dirty="0" err="1" smtClean="0"/>
-              <a:t>extends</a:t>
-            </a:r>
-            <a:r>
-              <a:rPr lang="tr-TR" dirty="0" smtClean="0"/>
-              <a:t> </a:t>
-            </a:r>
-            <a:r>
-              <a:rPr lang="tr-TR" dirty="0" err="1" smtClean="0"/>
-              <a:t>the</a:t>
-            </a:r>
-            <a:r>
-              <a:rPr lang="tr-TR" dirty="0" smtClean="0"/>
-              <a:t> </a:t>
-            </a:r>
-            <a:r>
-              <a:rPr lang="tr-TR" dirty="0" err="1" smtClean="0"/>
-              <a:t>BasicGame</a:t>
-            </a:r>
-            <a:r>
-              <a:rPr lang="tr-TR" dirty="0" smtClean="0"/>
-              <a:t>. </a:t>
-            </a:r>
-            <a:r>
-              <a:rPr lang="tr-TR" dirty="0" err="1" smtClean="0"/>
-              <a:t>It</a:t>
-            </a:r>
-            <a:r>
-              <a:rPr lang="tr-TR" dirty="0" smtClean="0"/>
-              <a:t> </a:t>
-            </a:r>
-            <a:r>
-              <a:rPr lang="tr-TR" dirty="0" err="1" smtClean="0"/>
-              <a:t>implements</a:t>
-            </a:r>
-            <a:r>
-              <a:rPr lang="tr-TR" dirty="0" smtClean="0"/>
-              <a:t> </a:t>
-            </a:r>
-            <a:r>
-              <a:rPr lang="tr-TR" dirty="0" err="1" smtClean="0"/>
-              <a:t>the</a:t>
-            </a:r>
-            <a:r>
-              <a:rPr lang="tr-TR" dirty="0" smtClean="0"/>
-              <a:t> </a:t>
-            </a:r>
-            <a:r>
-              <a:rPr lang="tr-TR" dirty="0" err="1" smtClean="0"/>
-              <a:t>BasicGameState</a:t>
-            </a:r>
-            <a:r>
-              <a:rPr lang="tr-TR" dirty="0" smtClean="0"/>
-              <a:t>.</a:t>
-            </a:r>
-          </a:p>
-          <a:p>
-            <a:r>
-              <a:rPr lang="tr-TR" dirty="0" err="1" smtClean="0"/>
-              <a:t>Sound</a:t>
-            </a:r>
-            <a:r>
-              <a:rPr lang="tr-TR" dirty="0" smtClean="0"/>
-              <a:t> </a:t>
-            </a:r>
-            <a:r>
-              <a:rPr lang="tr-TR" dirty="0" err="1" smtClean="0"/>
-              <a:t>effects</a:t>
-            </a:r>
-            <a:r>
-              <a:rPr lang="tr-TR" dirty="0" smtClean="0"/>
-              <a:t> </a:t>
-            </a:r>
-            <a:r>
-              <a:rPr lang="tr-TR" dirty="0" err="1" smtClean="0"/>
-              <a:t>and</a:t>
-            </a:r>
-            <a:r>
-              <a:rPr lang="tr-TR" dirty="0" smtClean="0"/>
-              <a:t> </a:t>
-            </a:r>
-            <a:r>
-              <a:rPr lang="tr-TR" dirty="0" err="1" smtClean="0"/>
-              <a:t>music</a:t>
-            </a:r>
-            <a:r>
-              <a:rPr lang="tr-TR" dirty="0" smtClean="0"/>
-              <a:t> </a:t>
-            </a:r>
-            <a:r>
-              <a:rPr lang="tr-TR" dirty="0" err="1" smtClean="0"/>
-              <a:t>are</a:t>
-            </a:r>
-            <a:r>
-              <a:rPr lang="tr-TR" dirty="0" smtClean="0"/>
-              <a:t> </a:t>
-            </a:r>
-            <a:r>
-              <a:rPr lang="tr-TR" dirty="0" err="1" smtClean="0"/>
-              <a:t>added</a:t>
-            </a:r>
-            <a:r>
-              <a:rPr lang="tr-TR" dirty="0" smtClean="0"/>
-              <a:t>.</a:t>
-            </a:r>
-          </a:p>
-          <a:p>
-            <a:r>
-              <a:rPr lang="tr-TR" dirty="0" err="1" smtClean="0"/>
-              <a:t>Music</a:t>
-            </a:r>
-            <a:r>
-              <a:rPr lang="tr-TR" dirty="0" smtClean="0"/>
-              <a:t> </a:t>
-            </a:r>
-            <a:r>
-              <a:rPr lang="tr-TR" dirty="0" err="1" smtClean="0"/>
-              <a:t>that</a:t>
-            </a:r>
-            <a:r>
-              <a:rPr lang="tr-TR" dirty="0" smtClean="0"/>
-              <a:t> is </a:t>
-            </a:r>
-            <a:r>
-              <a:rPr lang="tr-TR" dirty="0" err="1" smtClean="0"/>
-              <a:t>played</a:t>
-            </a:r>
-            <a:r>
-              <a:rPr lang="tr-TR" dirty="0" smtClean="0"/>
-              <a:t> in </a:t>
-            </a:r>
-            <a:r>
-              <a:rPr lang="tr-TR" dirty="0" err="1" smtClean="0"/>
-              <a:t>the</a:t>
-            </a:r>
-            <a:r>
-              <a:rPr lang="tr-TR" dirty="0" smtClean="0"/>
-              <a:t> </a:t>
-            </a:r>
-            <a:r>
-              <a:rPr lang="tr-TR" dirty="0" err="1" smtClean="0"/>
-              <a:t>TittleMenu</a:t>
-            </a:r>
-            <a:r>
-              <a:rPr lang="tr-TR" dirty="0" smtClean="0"/>
-              <a:t> </a:t>
-            </a:r>
-            <a:r>
-              <a:rPr lang="tr-TR" dirty="0" err="1" smtClean="0"/>
-              <a:t>and</a:t>
-            </a:r>
-            <a:r>
-              <a:rPr lang="tr-TR" dirty="0" smtClean="0"/>
-              <a:t> </a:t>
-            </a:r>
-            <a:r>
-              <a:rPr lang="tr-TR" dirty="0" err="1" smtClean="0"/>
-              <a:t>game</a:t>
-            </a:r>
-            <a:r>
-              <a:rPr lang="tr-TR" dirty="0" smtClean="0"/>
-              <a:t> </a:t>
-            </a:r>
-            <a:r>
-              <a:rPr lang="tr-TR" dirty="0" err="1" smtClean="0"/>
-              <a:t>are</a:t>
-            </a:r>
-            <a:r>
-              <a:rPr lang="tr-TR" dirty="0" smtClean="0"/>
-              <a:t> </a:t>
-            </a:r>
-            <a:r>
-              <a:rPr lang="tr-TR" dirty="0" err="1" smtClean="0"/>
-              <a:t>different</a:t>
-            </a:r>
-            <a:r>
-              <a:rPr lang="tr-TR" dirty="0" smtClean="0"/>
-              <a:t>.</a:t>
-            </a:r>
-          </a:p>
-          <a:p>
-            <a:r>
-              <a:rPr lang="tr-TR" dirty="0" err="1" smtClean="0"/>
-              <a:t>Some</a:t>
-            </a:r>
-            <a:r>
-              <a:rPr lang="tr-TR" dirty="0" smtClean="0"/>
-              <a:t> </a:t>
-            </a:r>
-            <a:r>
-              <a:rPr lang="tr-TR" dirty="0" err="1" smtClean="0"/>
-              <a:t>enemy’s</a:t>
-            </a:r>
-            <a:r>
-              <a:rPr lang="tr-TR" dirty="0" smtClean="0"/>
-              <a:t> </a:t>
-            </a:r>
-            <a:r>
-              <a:rPr lang="tr-TR" dirty="0" err="1" smtClean="0"/>
-              <a:t>behaviors</a:t>
-            </a:r>
-            <a:r>
-              <a:rPr lang="tr-TR" dirty="0" smtClean="0"/>
-              <a:t> </a:t>
-            </a:r>
-            <a:r>
-              <a:rPr lang="tr-TR" dirty="0" err="1" smtClean="0"/>
-              <a:t>are</a:t>
-            </a:r>
-            <a:r>
-              <a:rPr lang="tr-TR" dirty="0" smtClean="0"/>
-              <a:t> </a:t>
-            </a:r>
-            <a:r>
-              <a:rPr lang="tr-TR" dirty="0" err="1" smtClean="0"/>
-              <a:t>changed</a:t>
-            </a:r>
-            <a:r>
-              <a:rPr lang="tr-TR" dirty="0" smtClean="0"/>
-              <a:t>.</a:t>
-            </a:r>
-          </a:p>
-          <a:p>
-            <a:r>
-              <a:rPr lang="tr-TR" dirty="0" smtClean="0"/>
-              <a:t>Time bar of </a:t>
-            </a:r>
-            <a:r>
-              <a:rPr lang="tr-TR" dirty="0" err="1" smtClean="0"/>
-              <a:t>the</a:t>
-            </a:r>
-            <a:r>
-              <a:rPr lang="tr-TR" dirty="0" smtClean="0"/>
-              <a:t> </a:t>
-            </a:r>
-            <a:r>
-              <a:rPr lang="tr-TR" dirty="0" err="1" smtClean="0"/>
-              <a:t>player</a:t>
-            </a:r>
-            <a:r>
-              <a:rPr lang="tr-TR" dirty="0" smtClean="0"/>
-              <a:t> no </a:t>
-            </a:r>
-            <a:r>
-              <a:rPr lang="tr-TR" dirty="0" err="1" smtClean="0"/>
-              <a:t>longer</a:t>
-            </a:r>
-            <a:r>
-              <a:rPr lang="tr-TR" dirty="0" smtClean="0"/>
-              <a:t>  </a:t>
-            </a:r>
-            <a:r>
-              <a:rPr lang="tr-TR" dirty="0" err="1" smtClean="0"/>
-              <a:t>decreases</a:t>
-            </a:r>
-            <a:r>
-              <a:rPr lang="tr-TR" dirty="0" smtClean="0"/>
-              <a:t> </a:t>
-            </a:r>
-            <a:r>
-              <a:rPr lang="tr-TR" dirty="0" err="1" smtClean="0"/>
-              <a:t>while</a:t>
-            </a:r>
-            <a:r>
-              <a:rPr lang="tr-TR" dirty="0" smtClean="0"/>
-              <a:t> time </a:t>
-            </a:r>
-            <a:r>
-              <a:rPr lang="tr-TR" dirty="0" err="1" smtClean="0"/>
-              <a:t>passes</a:t>
-            </a:r>
-            <a:r>
-              <a:rPr lang="tr-TR" dirty="0" smtClean="0"/>
-              <a:t>. </a:t>
-            </a:r>
-            <a:r>
-              <a:rPr lang="tr-TR" dirty="0" err="1" smtClean="0"/>
-              <a:t>Instead</a:t>
-            </a:r>
-            <a:r>
-              <a:rPr lang="tr-TR" dirty="0" smtClean="0"/>
-              <a:t> it </a:t>
-            </a:r>
-            <a:r>
-              <a:rPr lang="tr-TR" dirty="0" err="1" smtClean="0"/>
-              <a:t>decreases</a:t>
-            </a:r>
-            <a:r>
-              <a:rPr lang="tr-TR" dirty="0" smtClean="0"/>
-              <a:t>  </a:t>
-            </a:r>
-            <a:r>
-              <a:rPr lang="tr-TR" dirty="0" err="1" smtClean="0"/>
-              <a:t>when</a:t>
-            </a:r>
-            <a:r>
-              <a:rPr lang="tr-TR" dirty="0" smtClean="0"/>
-              <a:t> </a:t>
-            </a:r>
-            <a:r>
-              <a:rPr lang="tr-TR" dirty="0" err="1" smtClean="0"/>
-              <a:t>player</a:t>
-            </a:r>
-            <a:r>
-              <a:rPr lang="tr-TR" dirty="0" smtClean="0"/>
-              <a:t> </a:t>
-            </a:r>
-            <a:r>
-              <a:rPr lang="tr-TR" dirty="0" err="1" smtClean="0"/>
-              <a:t>takes</a:t>
-            </a:r>
-            <a:r>
-              <a:rPr lang="tr-TR" dirty="0" smtClean="0"/>
-              <a:t> </a:t>
-            </a:r>
-            <a:r>
-              <a:rPr lang="tr-TR" dirty="0" err="1" smtClean="0"/>
-              <a:t>damage</a:t>
-            </a:r>
-            <a:r>
-              <a:rPr lang="tr-TR" dirty="0" smtClean="0"/>
-              <a:t> </a:t>
-            </a:r>
-            <a:r>
-              <a:rPr lang="tr-TR" dirty="0" err="1" smtClean="0"/>
-              <a:t>only</a:t>
-            </a:r>
-            <a:r>
-              <a:rPr lang="tr-TR" dirty="0" smtClean="0"/>
-              <a:t>.</a:t>
-            </a:r>
-          </a:p>
-        </p:txBody>
-      </p:sp>
+            <a:off x="728133" y="2249488"/>
+            <a:ext cx="7687733" cy="4324350"/>
+          </a:xfrm>
+        </p:spPr>
+      </p:pic>
     </p:spTree>
+    <p:extLst>
+      <p:ext uri="{BB962C8B-B14F-4D97-AF65-F5344CB8AC3E}">
+        <p14:creationId xmlns:p14="http://schemas.microsoft.com/office/powerpoint/2010/main" val="3391080206"/>
+      </p:ext>
+    </p:extLst>
   </p:cSld>
   <p:clrMapOvr>
     <a:masterClrMapping/>
@@ -5473,31 +4922,285 @@
       </p:grpSpPr>
       <p:sp>
         <p:nvSpPr>
+          <p:cNvPr id="2" name="Başlık 1"/>
+          <p:cNvSpPr>
+            <a:spLocks noGrp="1"/>
+          </p:cNvSpPr>
+          <p:nvPr>
+            <p:ph type="title"/>
+          </p:nvPr>
+        </p:nvSpPr>
+        <p:spPr/>
+        <p:txBody>
+          <a:bodyPr/>
+          <a:lstStyle/>
+          <a:p>
+            <a:pPr algn="ctr"/>
+            <a:r>
+              <a:rPr lang="tr-TR" dirty="0" smtClean="0"/>
+              <a:t>Upgrade </a:t>
+            </a:r>
+            <a:r>
+              <a:rPr lang="tr-TR" dirty="0" err="1" smtClean="0"/>
+              <a:t>Screen</a:t>
+            </a:r>
+            <a:endParaRPr lang="tr-TR" dirty="0"/>
+          </a:p>
+        </p:txBody>
+      </p:sp>
+      <p:pic>
+        <p:nvPicPr>
+          <p:cNvPr id="4" name="İçerik Yer Tutucusu 3"/>
+          <p:cNvPicPr>
+            <a:picLocks noGrp="1" noChangeAspect="1"/>
+          </p:cNvPicPr>
+          <p:nvPr>
+            <p:ph idx="1"/>
+          </p:nvPr>
+        </p:nvPicPr>
+        <p:blipFill>
+          <a:blip r:embed="rId2" cstate="print">
+            <a:extLst>
+              <a:ext uri="{28A0092B-C50C-407E-A947-70E740481C1C}">
+                <a14:useLocalDpi xmlns:a14="http://schemas.microsoft.com/office/drawing/2010/main" val="0"/>
+              </a:ext>
+            </a:extLst>
+          </a:blip>
+          <a:stretch>
+            <a:fillRect/>
+          </a:stretch>
+        </p:blipFill>
+        <p:spPr>
+          <a:xfrm>
+            <a:off x="728133" y="2249488"/>
+            <a:ext cx="7687733" cy="4324350"/>
+          </a:xfrm>
+        </p:spPr>
+      </p:pic>
+    </p:spTree>
+    <p:extLst>
+      <p:ext uri="{BB962C8B-B14F-4D97-AF65-F5344CB8AC3E}">
+        <p14:creationId xmlns:p14="http://schemas.microsoft.com/office/powerpoint/2010/main" val="2973612737"/>
+      </p:ext>
+    </p:extLst>
+  </p:cSld>
+  <p:clrMapOvr>
+    <a:masterClrMapping/>
+  </p:clrMapOvr>
+</p:sld>
+</file>
+
+<file path=ppt/slides/slide6.xml><?xml version="1.0" encoding="utf-8"?>
+<p:sld xmlns:a="http://schemas.openxmlformats.org/drawingml/2006/main" xmlns:r="http://schemas.openxmlformats.org/officeDocument/2006/relationships" xmlns:p="http://schemas.openxmlformats.org/presentationml/2006/main">
+  <p:cSld>
+    <p:spTree>
+      <p:nvGrpSpPr>
+        <p:cNvPr id="1" name=""/>
+        <p:cNvGrpSpPr/>
+        <p:nvPr/>
+      </p:nvGrpSpPr>
+      <p:grpSpPr>
+        <a:xfrm>
+          <a:off x="0" y="0"/>
+          <a:ext cx="0" cy="0"/>
+          <a:chOff x="0" y="0"/>
+          <a:chExt cx="0" cy="0"/>
+        </a:xfrm>
+      </p:grpSpPr>
+      <p:sp>
+        <p:nvSpPr>
+          <p:cNvPr id="2" name="Başlık 1"/>
+          <p:cNvSpPr>
+            <a:spLocks noGrp="1"/>
+          </p:cNvSpPr>
+          <p:nvPr>
+            <p:ph type="title"/>
+          </p:nvPr>
+        </p:nvSpPr>
+        <p:spPr/>
+        <p:txBody>
+          <a:bodyPr/>
+          <a:lstStyle/>
+          <a:p>
+            <a:pPr algn="ctr"/>
+            <a:r>
+              <a:rPr lang="tr-TR" dirty="0" err="1" smtClean="0"/>
+              <a:t>Pause</a:t>
+            </a:r>
+            <a:r>
+              <a:rPr lang="tr-TR" dirty="0" smtClean="0"/>
+              <a:t> </a:t>
+            </a:r>
+            <a:r>
+              <a:rPr lang="tr-TR" dirty="0" err="1" smtClean="0"/>
+              <a:t>Screen</a:t>
+            </a:r>
+            <a:endParaRPr lang="tr-TR" dirty="0"/>
+          </a:p>
+        </p:txBody>
+      </p:sp>
+      <p:pic>
+        <p:nvPicPr>
+          <p:cNvPr id="4" name="İçerik Yer Tutucusu 3"/>
+          <p:cNvPicPr>
+            <a:picLocks noGrp="1" noChangeAspect="1"/>
+          </p:cNvPicPr>
+          <p:nvPr>
+            <p:ph idx="1"/>
+          </p:nvPr>
+        </p:nvPicPr>
+        <p:blipFill>
+          <a:blip r:embed="rId2" cstate="print">
+            <a:extLst>
+              <a:ext uri="{28A0092B-C50C-407E-A947-70E740481C1C}">
+                <a14:useLocalDpi xmlns:a14="http://schemas.microsoft.com/office/drawing/2010/main" val="0"/>
+              </a:ext>
+            </a:extLst>
+          </a:blip>
+          <a:stretch>
+            <a:fillRect/>
+          </a:stretch>
+        </p:blipFill>
+        <p:spPr>
+          <a:xfrm>
+            <a:off x="728133" y="2249488"/>
+            <a:ext cx="7687733" cy="4324350"/>
+          </a:xfrm>
+        </p:spPr>
+      </p:pic>
+    </p:spTree>
+    <p:extLst>
+      <p:ext uri="{BB962C8B-B14F-4D97-AF65-F5344CB8AC3E}">
+        <p14:creationId xmlns:p14="http://schemas.microsoft.com/office/powerpoint/2010/main" val="1583015578"/>
+      </p:ext>
+    </p:extLst>
+  </p:cSld>
+  <p:clrMapOvr>
+    <a:masterClrMapping/>
+  </p:clrMapOvr>
+</p:sld>
+</file>
+
+<file path=ppt/slides/slide7.xml><?xml version="1.0" encoding="utf-8"?>
+<p:sld xmlns:a="http://schemas.openxmlformats.org/drawingml/2006/main" xmlns:r="http://schemas.openxmlformats.org/officeDocument/2006/relationships" xmlns:p="http://schemas.openxmlformats.org/presentationml/2006/main">
+  <p:cSld>
+    <p:spTree>
+      <p:nvGrpSpPr>
+        <p:cNvPr id="1" name=""/>
+        <p:cNvGrpSpPr/>
+        <p:nvPr/>
+      </p:nvGrpSpPr>
+      <p:grpSpPr>
+        <a:xfrm>
+          <a:off x="0" y="0"/>
+          <a:ext cx="0" cy="0"/>
+          <a:chOff x="0" y="0"/>
+          <a:chExt cx="0" cy="0"/>
+        </a:xfrm>
+      </p:grpSpPr>
+      <p:sp>
+        <p:nvSpPr>
+          <p:cNvPr id="2" name="Başlık 1"/>
+          <p:cNvSpPr>
+            <a:spLocks noGrp="1"/>
+          </p:cNvSpPr>
+          <p:nvPr>
+            <p:ph type="title"/>
+          </p:nvPr>
+        </p:nvSpPr>
+        <p:spPr/>
+        <p:txBody>
+          <a:bodyPr/>
+          <a:lstStyle/>
+          <a:p>
+            <a:pPr algn="ctr"/>
+            <a:r>
+              <a:rPr lang="tr-TR" dirty="0" smtClean="0"/>
+              <a:t>Game </a:t>
+            </a:r>
+            <a:r>
+              <a:rPr lang="tr-TR" dirty="0" err="1" smtClean="0"/>
+              <a:t>Over</a:t>
+            </a:r>
+            <a:r>
+              <a:rPr lang="tr-TR" dirty="0" smtClean="0"/>
+              <a:t> </a:t>
+            </a:r>
+            <a:r>
+              <a:rPr lang="tr-TR" dirty="0" err="1" smtClean="0"/>
+              <a:t>Screen</a:t>
+            </a:r>
+            <a:endParaRPr lang="tr-TR" dirty="0"/>
+          </a:p>
+        </p:txBody>
+      </p:sp>
+      <p:pic>
+        <p:nvPicPr>
+          <p:cNvPr id="4" name="İçerik Yer Tutucusu 3"/>
+          <p:cNvPicPr>
+            <a:picLocks noGrp="1" noChangeAspect="1"/>
+          </p:cNvPicPr>
+          <p:nvPr>
+            <p:ph idx="1"/>
+          </p:nvPr>
+        </p:nvPicPr>
+        <p:blipFill>
+          <a:blip r:embed="rId2" cstate="print">
+            <a:extLst>
+              <a:ext uri="{28A0092B-C50C-407E-A947-70E740481C1C}">
+                <a14:useLocalDpi xmlns:a14="http://schemas.microsoft.com/office/drawing/2010/main" val="0"/>
+              </a:ext>
+            </a:extLst>
+          </a:blip>
+          <a:stretch>
+            <a:fillRect/>
+          </a:stretch>
+        </p:blipFill>
+        <p:spPr>
+          <a:xfrm>
+            <a:off x="728133" y="2249488"/>
+            <a:ext cx="7687733" cy="4324350"/>
+          </a:xfrm>
+        </p:spPr>
+      </p:pic>
+    </p:spTree>
+    <p:extLst>
+      <p:ext uri="{BB962C8B-B14F-4D97-AF65-F5344CB8AC3E}">
+        <p14:creationId xmlns:p14="http://schemas.microsoft.com/office/powerpoint/2010/main" val="516529045"/>
+      </p:ext>
+    </p:extLst>
+  </p:cSld>
+  <p:clrMapOvr>
+    <a:masterClrMapping/>
+  </p:clrMapOvr>
+</p:sld>
+</file>
+
+<file path=ppt/slides/slide8.xml><?xml version="1.0" encoding="utf-8"?>
+<p:sld xmlns:a="http://schemas.openxmlformats.org/drawingml/2006/main" xmlns:r="http://schemas.openxmlformats.org/officeDocument/2006/relationships" xmlns:p="http://schemas.openxmlformats.org/presentationml/2006/main">
+  <p:cSld>
+    <p:spTree>
+      <p:nvGrpSpPr>
+        <p:cNvPr id="1" name=""/>
+        <p:cNvGrpSpPr/>
+        <p:nvPr/>
+      </p:nvGrpSpPr>
+      <p:grpSpPr>
+        <a:xfrm>
+          <a:off x="0" y="0"/>
+          <a:ext cx="0" cy="0"/>
+          <a:chOff x="0" y="0"/>
+          <a:chExt cx="0" cy="0"/>
+        </a:xfrm>
+      </p:grpSpPr>
+      <p:sp>
+        <p:nvSpPr>
           <p:cNvPr id="2" name="1 Başlık"/>
           <p:cNvSpPr>
             <a:spLocks noGrp="1"/>
           </p:cNvSpPr>
           <p:nvPr>
             <p:ph type="title"/>
-          </p:nvPr>
-        </p:nvSpPr>
-        <p:spPr/>
-        <p:txBody>
-          <a:bodyPr/>
-          <a:lstStyle/>
-          <a:p>
-            <a:endParaRPr lang="tr-TR"/>
-          </a:p>
-        </p:txBody>
-      </p:sp>
-      <p:sp>
-        <p:nvSpPr>
-          <p:cNvPr id="3" name="2 İçerik Yer Tutucusu"/>
-          <p:cNvSpPr>
-            <a:spLocks noGrp="1"/>
-          </p:cNvSpPr>
-          <p:nvPr>
-            <p:ph idx="1"/>
           </p:nvPr>
         </p:nvSpPr>
         <p:spPr/>
@@ -5507,26 +5210,896 @@
           </a:bodyPr>
           <a:lstStyle/>
           <a:p>
-            <a:pPr algn="ctr">
-              <a:buNone/>
-            </a:pPr>
-            <a:r>
-              <a:rPr lang="tr-TR" sz="5400" b="1" dirty="0" err="1" smtClean="0"/>
-              <a:t>Thank</a:t>
-            </a:r>
-            <a:r>
-              <a:rPr lang="tr-TR" sz="5400" b="1" dirty="0" smtClean="0"/>
-              <a:t> </a:t>
-            </a:r>
-            <a:r>
-              <a:rPr lang="tr-TR" sz="5400" b="1" dirty="0" err="1" smtClean="0"/>
-              <a:t>you</a:t>
-            </a:r>
-            <a:r>
-              <a:rPr lang="tr-TR" sz="5400" b="1" dirty="0" smtClean="0"/>
-              <a:t>!</a:t>
-            </a:r>
-            <a:endParaRPr lang="tr-TR" sz="5400" b="1" dirty="0"/>
+            <a:pPr algn="ctr"/>
+            <a:r>
+              <a:rPr lang="tr-TR" sz="3600" b="1" dirty="0" err="1" smtClean="0">
+                <a:solidFill>
+                  <a:schemeClr val="tx1"/>
+                </a:solidFill>
+              </a:rPr>
+              <a:t>What</a:t>
+            </a:r>
+            <a:r>
+              <a:rPr lang="tr-TR" sz="3600" b="1" dirty="0" smtClean="0">
+                <a:solidFill>
+                  <a:schemeClr val="tx1"/>
+                </a:solidFill>
+              </a:rPr>
+              <a:t> is </a:t>
+            </a:r>
+            <a:r>
+              <a:rPr lang="tr-TR" sz="3600" b="1" dirty="0" err="1" smtClean="0">
+                <a:solidFill>
+                  <a:schemeClr val="tx1"/>
+                </a:solidFill>
+              </a:rPr>
+              <a:t>different</a:t>
+            </a:r>
+            <a:r>
+              <a:rPr lang="tr-TR" sz="3600" b="1" dirty="0" smtClean="0">
+                <a:solidFill>
+                  <a:schemeClr val="tx1"/>
+                </a:solidFill>
+              </a:rPr>
+              <a:t>?</a:t>
+            </a:r>
+            <a:endParaRPr lang="tr-TR" sz="3600" b="1" dirty="0">
+              <a:solidFill>
+                <a:schemeClr val="bg1"/>
+              </a:solidFill>
+            </a:endParaRPr>
+          </a:p>
+        </p:txBody>
+      </p:sp>
+      <p:sp>
+        <p:nvSpPr>
+          <p:cNvPr id="3" name="2 İçerik Yer Tutucusu"/>
+          <p:cNvSpPr>
+            <a:spLocks noGrp="1"/>
+          </p:cNvSpPr>
+          <p:nvPr>
+            <p:ph idx="1"/>
+          </p:nvPr>
+        </p:nvSpPr>
+        <p:spPr>
+          <a:xfrm>
+            <a:off x="457200" y="2500306"/>
+            <a:ext cx="8229600" cy="3672211"/>
+          </a:xfrm>
+        </p:spPr>
+        <p:txBody>
+          <a:bodyPr>
+            <a:noAutofit/>
+          </a:bodyPr>
+          <a:lstStyle/>
+          <a:p>
+            <a:r>
+              <a:rPr lang="en-US" sz="2400" dirty="0" smtClean="0"/>
+              <a:t>Player </a:t>
+            </a:r>
+            <a:r>
+              <a:rPr lang="tr-TR" sz="2400" dirty="0" err="1" smtClean="0"/>
+              <a:t>and</a:t>
+            </a:r>
+            <a:r>
+              <a:rPr lang="tr-TR" sz="2400" dirty="0" smtClean="0"/>
+              <a:t> </a:t>
+            </a:r>
+            <a:r>
+              <a:rPr lang="tr-TR" sz="2400" dirty="0" err="1" smtClean="0"/>
+              <a:t>GameMaster</a:t>
+            </a:r>
+            <a:r>
+              <a:rPr lang="tr-TR" sz="2400" dirty="0" smtClean="0"/>
+              <a:t> </a:t>
+            </a:r>
+            <a:r>
+              <a:rPr lang="tr-TR" sz="2400" dirty="0" err="1" smtClean="0"/>
+              <a:t>objects</a:t>
+            </a:r>
+            <a:r>
+              <a:rPr lang="tr-TR" sz="2400" dirty="0" smtClean="0"/>
+              <a:t> </a:t>
+            </a:r>
+            <a:r>
+              <a:rPr lang="tr-TR" sz="2400" dirty="0" err="1" smtClean="0"/>
+              <a:t>are</a:t>
+            </a:r>
+            <a:r>
+              <a:rPr lang="tr-TR" sz="2400" dirty="0" smtClean="0"/>
+              <a:t> </a:t>
+            </a:r>
+            <a:r>
+              <a:rPr lang="en-US" sz="2400" dirty="0" smtClean="0"/>
+              <a:t>now using the Singleton Pattern</a:t>
+            </a:r>
+            <a:r>
+              <a:rPr lang="tr-TR" sz="2400" dirty="0" smtClean="0"/>
+              <a:t>.</a:t>
+            </a:r>
+          </a:p>
+          <a:p>
+            <a:r>
+              <a:rPr lang="tr-TR" sz="2400" dirty="0" err="1" smtClean="0"/>
+              <a:t>Item</a:t>
+            </a:r>
+            <a:r>
+              <a:rPr lang="tr-TR" sz="2400" dirty="0" smtClean="0"/>
+              <a:t> </a:t>
+            </a:r>
+            <a:r>
+              <a:rPr lang="tr-TR" sz="2400" dirty="0" err="1" smtClean="0"/>
+              <a:t>hierarchy</a:t>
+            </a:r>
+            <a:r>
+              <a:rPr lang="tr-TR" sz="2400" dirty="0" smtClean="0"/>
+              <a:t>(standart, </a:t>
+            </a:r>
+            <a:r>
+              <a:rPr lang="tr-TR" sz="2400" dirty="0" err="1" smtClean="0"/>
+              <a:t>rare</a:t>
+            </a:r>
+            <a:r>
+              <a:rPr lang="tr-TR" sz="2400" dirty="0" smtClean="0"/>
+              <a:t>, ultra-</a:t>
+            </a:r>
+            <a:r>
+              <a:rPr lang="tr-TR" sz="2400" dirty="0" err="1" smtClean="0"/>
+              <a:t>rare</a:t>
+            </a:r>
+            <a:r>
+              <a:rPr lang="tr-TR" sz="2400" dirty="0" smtClean="0"/>
+              <a:t>…) is </a:t>
+            </a:r>
+            <a:r>
+              <a:rPr lang="tr-TR" sz="2400" dirty="0" err="1" smtClean="0"/>
+              <a:t>changed</a:t>
+            </a:r>
+            <a:r>
+              <a:rPr lang="tr-TR" sz="2400" dirty="0" smtClean="0"/>
+              <a:t>. </a:t>
+            </a:r>
+            <a:r>
+              <a:rPr lang="tr-TR" sz="2400" dirty="0" err="1" smtClean="0"/>
+              <a:t>Instead</a:t>
+            </a:r>
+            <a:r>
+              <a:rPr lang="tr-TR" sz="2400" dirty="0" smtClean="0"/>
+              <a:t>, </a:t>
+            </a:r>
+            <a:r>
+              <a:rPr lang="tr-TR" sz="2400" dirty="0" err="1" smtClean="0"/>
+              <a:t>integers</a:t>
+            </a:r>
+            <a:r>
+              <a:rPr lang="tr-TR" sz="2400" dirty="0" smtClean="0"/>
+              <a:t> </a:t>
+            </a:r>
+            <a:r>
+              <a:rPr lang="tr-TR" sz="2400" dirty="0" err="1" smtClean="0"/>
+              <a:t>indicate</a:t>
+            </a:r>
+            <a:r>
+              <a:rPr lang="tr-TR" sz="2400" dirty="0" smtClean="0"/>
+              <a:t> </a:t>
+            </a:r>
+            <a:r>
+              <a:rPr lang="tr-TR" sz="2400" dirty="0" err="1" smtClean="0"/>
+              <a:t>their</a:t>
+            </a:r>
+            <a:r>
+              <a:rPr lang="tr-TR" sz="2400" dirty="0" smtClean="0"/>
+              <a:t>  </a:t>
+            </a:r>
+            <a:r>
+              <a:rPr lang="tr-TR" sz="2400" dirty="0" err="1" smtClean="0"/>
+              <a:t>distribution</a:t>
+            </a:r>
+            <a:r>
+              <a:rPr lang="tr-TR" sz="2400" dirty="0" smtClean="0"/>
+              <a:t> </a:t>
+            </a:r>
+            <a:r>
+              <a:rPr lang="tr-TR" sz="2400" dirty="0" err="1" smtClean="0"/>
+              <a:t>rates</a:t>
+            </a:r>
+            <a:r>
+              <a:rPr lang="tr-TR" sz="2400" dirty="0" smtClean="0"/>
+              <a:t>.</a:t>
+            </a:r>
+          </a:p>
+          <a:p>
+            <a:r>
+              <a:rPr lang="tr-TR" sz="2400" dirty="0" err="1" smtClean="0"/>
+              <a:t>GameUIMaster</a:t>
+            </a:r>
+            <a:r>
+              <a:rPr lang="tr-TR" sz="2400" dirty="0" smtClean="0"/>
+              <a:t> is  </a:t>
+            </a:r>
+            <a:r>
+              <a:rPr lang="tr-TR" sz="2400" dirty="0" err="1" smtClean="0"/>
+              <a:t>removed</a:t>
+            </a:r>
+            <a:r>
+              <a:rPr lang="tr-TR" sz="2400" dirty="0" smtClean="0"/>
+              <a:t>. </a:t>
+            </a:r>
+            <a:r>
+              <a:rPr lang="tr-TR" sz="2400" dirty="0" err="1" smtClean="0"/>
+              <a:t>Instead</a:t>
+            </a:r>
+            <a:r>
+              <a:rPr lang="tr-TR" sz="2400" dirty="0" smtClean="0"/>
+              <a:t> </a:t>
+            </a:r>
+            <a:r>
+              <a:rPr lang="tr-TR" sz="2400" dirty="0" err="1" smtClean="0"/>
+              <a:t>attributes</a:t>
+            </a:r>
+            <a:r>
+              <a:rPr lang="tr-TR" sz="2400" dirty="0" smtClean="0"/>
+              <a:t> </a:t>
+            </a:r>
+            <a:r>
+              <a:rPr lang="tr-TR" sz="2400" dirty="0" err="1" smtClean="0"/>
+              <a:t>that</a:t>
+            </a:r>
+            <a:r>
+              <a:rPr lang="tr-TR" sz="2400" dirty="0" smtClean="0"/>
+              <a:t> </a:t>
+            </a:r>
+            <a:r>
+              <a:rPr lang="tr-TR" sz="2400" dirty="0" err="1" smtClean="0"/>
+              <a:t>related</a:t>
+            </a:r>
+            <a:r>
+              <a:rPr lang="tr-TR" sz="2400" dirty="0" smtClean="0"/>
+              <a:t> </a:t>
+            </a:r>
+            <a:r>
+              <a:rPr lang="tr-TR" sz="2400" dirty="0" err="1" smtClean="0"/>
+              <a:t>with</a:t>
+            </a:r>
+            <a:r>
+              <a:rPr lang="tr-TR" sz="2400" dirty="0" smtClean="0"/>
+              <a:t> </a:t>
+            </a:r>
+            <a:r>
+              <a:rPr lang="tr-TR" sz="2400" dirty="0" err="1" smtClean="0"/>
+              <a:t>the</a:t>
+            </a:r>
+            <a:r>
+              <a:rPr lang="tr-TR" sz="2400" dirty="0" smtClean="0"/>
+              <a:t> UI is done </a:t>
+            </a:r>
+            <a:r>
+              <a:rPr lang="tr-TR" sz="2400" dirty="0" err="1" smtClean="0"/>
+              <a:t>with</a:t>
+            </a:r>
+            <a:r>
+              <a:rPr lang="tr-TR" sz="2400" dirty="0" smtClean="0"/>
+              <a:t> </a:t>
+            </a:r>
+            <a:r>
+              <a:rPr lang="tr-TR" sz="2400" dirty="0" err="1" smtClean="0"/>
+              <a:t>observer</a:t>
+            </a:r>
+            <a:r>
+              <a:rPr lang="tr-TR" sz="2400" dirty="0" smtClean="0"/>
+              <a:t> </a:t>
+            </a:r>
+            <a:r>
+              <a:rPr lang="tr-TR" sz="2400" dirty="0" err="1" smtClean="0"/>
+              <a:t>pattern</a:t>
+            </a:r>
+            <a:r>
+              <a:rPr lang="tr-TR" sz="2400" dirty="0" smtClean="0"/>
+              <a:t>.</a:t>
+            </a:r>
+          </a:p>
+          <a:p>
+            <a:r>
+              <a:rPr lang="tr-TR" sz="2400" dirty="0" err="1" smtClean="0"/>
+              <a:t>Level</a:t>
+            </a:r>
+            <a:r>
+              <a:rPr lang="tr-TR" sz="2400" dirty="0" smtClean="0"/>
+              <a:t> </a:t>
+            </a:r>
+            <a:r>
+              <a:rPr lang="tr-TR" sz="2400" dirty="0" err="1" smtClean="0"/>
+              <a:t>generation</a:t>
+            </a:r>
+            <a:r>
+              <a:rPr lang="tr-TR" sz="2400" dirty="0" smtClean="0"/>
+              <a:t> </a:t>
+            </a:r>
+            <a:r>
+              <a:rPr lang="tr-TR" sz="2400" dirty="0" err="1" smtClean="0"/>
+              <a:t>with</a:t>
+            </a:r>
+            <a:r>
+              <a:rPr lang="tr-TR" sz="2400" dirty="0" smtClean="0"/>
+              <a:t>  </a:t>
+            </a:r>
+            <a:r>
+              <a:rPr lang="tr-TR" sz="2400" dirty="0" err="1" smtClean="0"/>
+              <a:t>text</a:t>
+            </a:r>
+            <a:r>
+              <a:rPr lang="tr-TR" sz="2400" dirty="0" smtClean="0"/>
+              <a:t> file </a:t>
+            </a:r>
+            <a:r>
+              <a:rPr lang="tr-TR" sz="2400" dirty="0" err="1" smtClean="0"/>
+              <a:t>specification</a:t>
+            </a:r>
+            <a:r>
+              <a:rPr lang="tr-TR" sz="2400" dirty="0" smtClean="0"/>
+              <a:t> is </a:t>
+            </a:r>
+            <a:r>
+              <a:rPr lang="tr-TR" sz="2400" dirty="0" err="1" smtClean="0"/>
+              <a:t>changed</a:t>
+            </a:r>
+            <a:r>
+              <a:rPr lang="tr-TR" sz="2400" dirty="0" smtClean="0"/>
+              <a:t> </a:t>
+            </a:r>
+            <a:r>
+              <a:rPr lang="tr-TR" sz="2400" dirty="0" err="1" smtClean="0"/>
+              <a:t>with</a:t>
+            </a:r>
+            <a:r>
+              <a:rPr lang="tr-TR" sz="2400" dirty="0" smtClean="0"/>
+              <a:t> </a:t>
+            </a:r>
+            <a:r>
+              <a:rPr lang="tr-TR" sz="2400" dirty="0" err="1" smtClean="0"/>
+              <a:t>complete</a:t>
+            </a:r>
+            <a:r>
+              <a:rPr lang="tr-TR" sz="2400" dirty="0" smtClean="0"/>
+              <a:t> </a:t>
+            </a:r>
+            <a:r>
+              <a:rPr lang="tr-TR" sz="2400" dirty="0" err="1" smtClean="0"/>
+              <a:t>random</a:t>
+            </a:r>
+            <a:r>
+              <a:rPr lang="tr-TR" sz="2400" dirty="0" smtClean="0"/>
+              <a:t> </a:t>
+            </a:r>
+            <a:r>
+              <a:rPr lang="tr-TR" sz="2400" dirty="0" err="1" smtClean="0"/>
+              <a:t>levels</a:t>
+            </a:r>
+            <a:r>
+              <a:rPr lang="tr-TR" sz="2400" dirty="0" smtClean="0"/>
+              <a:t> </a:t>
+            </a:r>
+            <a:r>
+              <a:rPr lang="tr-TR" sz="2400" dirty="0" err="1" smtClean="0"/>
+              <a:t>with</a:t>
+            </a:r>
+            <a:r>
+              <a:rPr lang="tr-TR" sz="2400" dirty="0" smtClean="0"/>
+              <a:t> </a:t>
+            </a:r>
+            <a:r>
+              <a:rPr lang="tr-TR" sz="2400" dirty="0" err="1" smtClean="0"/>
+              <a:t>increasing</a:t>
+            </a:r>
+            <a:r>
+              <a:rPr lang="tr-TR" sz="2400" dirty="0" smtClean="0"/>
+              <a:t> </a:t>
+            </a:r>
+            <a:r>
+              <a:rPr lang="tr-TR" sz="2400" dirty="0" err="1" smtClean="0"/>
+              <a:t>difficulty</a:t>
+            </a:r>
+            <a:r>
+              <a:rPr lang="tr-TR" sz="2400" dirty="0" smtClean="0"/>
+              <a:t>.</a:t>
+            </a:r>
+          </a:p>
+          <a:p>
+            <a:r>
+              <a:rPr lang="tr-TR" sz="2400" dirty="0" err="1" smtClean="0"/>
+              <a:t>GameMaster</a:t>
+            </a:r>
+            <a:r>
+              <a:rPr lang="tr-TR" sz="2400" dirty="0" smtClean="0"/>
+              <a:t> </a:t>
+            </a:r>
+            <a:r>
+              <a:rPr lang="tr-TR" sz="2400" dirty="0" err="1" smtClean="0"/>
+              <a:t>became</a:t>
+            </a:r>
+            <a:r>
+              <a:rPr lang="tr-TR" sz="2400" dirty="0" smtClean="0"/>
+              <a:t> a </a:t>
+            </a:r>
+            <a:r>
+              <a:rPr lang="tr-TR" sz="2400" dirty="0" err="1" smtClean="0"/>
+              <a:t>centralized</a:t>
+            </a:r>
+            <a:r>
+              <a:rPr lang="tr-TR" sz="2400" dirty="0" smtClean="0"/>
+              <a:t> </a:t>
+            </a:r>
+            <a:r>
+              <a:rPr lang="tr-TR" sz="2400" dirty="0" err="1" smtClean="0"/>
+              <a:t>control</a:t>
+            </a:r>
+            <a:r>
+              <a:rPr lang="tr-TR" sz="2400" dirty="0" smtClean="0"/>
+              <a:t> </a:t>
+            </a:r>
+            <a:r>
+              <a:rPr lang="tr-TR" sz="2400" dirty="0" err="1" smtClean="0"/>
+              <a:t>unit</a:t>
+            </a:r>
+            <a:r>
+              <a:rPr lang="tr-TR" sz="2400" dirty="0" smtClean="0"/>
+              <a:t>.</a:t>
+            </a:r>
+          </a:p>
+          <a:p>
+            <a:r>
+              <a:rPr lang="tr-TR" sz="2400" dirty="0" err="1" smtClean="0"/>
+              <a:t>Unused</a:t>
+            </a:r>
+            <a:r>
+              <a:rPr lang="tr-TR" sz="2400" dirty="0" smtClean="0"/>
+              <a:t> </a:t>
+            </a:r>
+            <a:r>
+              <a:rPr lang="tr-TR" sz="2400" dirty="0" err="1" smtClean="0"/>
+              <a:t>methods</a:t>
+            </a:r>
+            <a:r>
+              <a:rPr lang="tr-TR" sz="2400" dirty="0" smtClean="0"/>
+              <a:t> </a:t>
+            </a:r>
+            <a:r>
+              <a:rPr lang="tr-TR" sz="2400" dirty="0" err="1" smtClean="0"/>
+              <a:t>are</a:t>
+            </a:r>
+            <a:r>
+              <a:rPr lang="tr-TR" sz="2400" dirty="0" smtClean="0"/>
+              <a:t> </a:t>
+            </a:r>
+            <a:r>
+              <a:rPr lang="tr-TR" sz="2400" dirty="0" err="1" smtClean="0"/>
+              <a:t>removed</a:t>
+            </a:r>
+            <a:r>
+              <a:rPr lang="tr-TR" sz="2400" dirty="0" smtClean="0"/>
+              <a:t> </a:t>
+            </a:r>
+            <a:r>
+              <a:rPr lang="tr-TR" sz="2400" dirty="0" err="1" smtClean="0"/>
+              <a:t>from</a:t>
+            </a:r>
+            <a:r>
+              <a:rPr lang="tr-TR" sz="2400" dirty="0" smtClean="0"/>
+              <a:t> </a:t>
+            </a:r>
+            <a:r>
+              <a:rPr lang="tr-TR" sz="2400" dirty="0" err="1" smtClean="0"/>
+              <a:t>GameMaster</a:t>
+            </a:r>
+            <a:r>
+              <a:rPr lang="tr-TR" sz="2400" dirty="0" smtClean="0"/>
+              <a:t>.</a:t>
+            </a:r>
+          </a:p>
+        </p:txBody>
+      </p:sp>
+    </p:spTree>
+  </p:cSld>
+  <p:clrMapOvr>
+    <a:masterClrMapping/>
+  </p:clrMapOvr>
+  <p:timing>
+    <p:tnLst>
+      <p:par>
+        <p:cTn id="1" dur="indefinite" restart="never" nodeType="tmRoot"/>
+      </p:par>
+    </p:tnLst>
+  </p:timing>
+</p:sld>
+</file>
+
+<file path=ppt/slides/slide9.xml><?xml version="1.0" encoding="utf-8"?>
+<p:sld xmlns:a="http://schemas.openxmlformats.org/drawingml/2006/main" xmlns:r="http://schemas.openxmlformats.org/officeDocument/2006/relationships" xmlns:p="http://schemas.openxmlformats.org/presentationml/2006/main">
+  <p:cSld>
+    <p:spTree>
+      <p:nvGrpSpPr>
+        <p:cNvPr id="1" name=""/>
+        <p:cNvGrpSpPr/>
+        <p:nvPr/>
+      </p:nvGrpSpPr>
+      <p:grpSpPr>
+        <a:xfrm>
+          <a:off x="0" y="0"/>
+          <a:ext cx="0" cy="0"/>
+          <a:chOff x="0" y="0"/>
+          <a:chExt cx="0" cy="0"/>
+        </a:xfrm>
+      </p:grpSpPr>
+      <p:sp>
+        <p:nvSpPr>
+          <p:cNvPr id="3" name="2 İçerik Yer Tutucusu"/>
+          <p:cNvSpPr>
+            <a:spLocks noGrp="1"/>
+          </p:cNvSpPr>
+          <p:nvPr>
+            <p:ph idx="1"/>
+          </p:nvPr>
+        </p:nvSpPr>
+        <p:spPr>
+          <a:xfrm>
+            <a:off x="457200" y="1614153"/>
+            <a:ext cx="8229600" cy="4119103"/>
+          </a:xfrm>
+        </p:spPr>
+        <p:txBody>
+          <a:bodyPr>
+            <a:normAutofit/>
+          </a:bodyPr>
+          <a:lstStyle/>
+          <a:p>
+            <a:r>
+              <a:rPr lang="tr-TR" dirty="0" err="1" smtClean="0"/>
+              <a:t>GameMaster</a:t>
+            </a:r>
+            <a:r>
+              <a:rPr lang="tr-TR" dirty="0" smtClean="0"/>
+              <a:t> no </a:t>
+            </a:r>
+            <a:r>
+              <a:rPr lang="tr-TR" dirty="0" err="1" smtClean="0"/>
+              <a:t>longer</a:t>
+            </a:r>
+            <a:r>
+              <a:rPr lang="tr-TR" dirty="0" smtClean="0"/>
+              <a:t> </a:t>
+            </a:r>
+            <a:r>
+              <a:rPr lang="tr-TR" dirty="0" err="1" smtClean="0"/>
+              <a:t>extends</a:t>
+            </a:r>
+            <a:r>
+              <a:rPr lang="tr-TR" dirty="0" smtClean="0"/>
+              <a:t> </a:t>
+            </a:r>
+            <a:r>
+              <a:rPr lang="tr-TR" dirty="0" err="1" smtClean="0"/>
+              <a:t>the</a:t>
+            </a:r>
+            <a:r>
+              <a:rPr lang="tr-TR" dirty="0" smtClean="0"/>
+              <a:t> </a:t>
+            </a:r>
+            <a:r>
+              <a:rPr lang="tr-TR" dirty="0" err="1" smtClean="0"/>
+              <a:t>BasicGame</a:t>
+            </a:r>
+            <a:r>
+              <a:rPr lang="tr-TR" dirty="0" smtClean="0"/>
+              <a:t>. </a:t>
+            </a:r>
+            <a:r>
+              <a:rPr lang="tr-TR" dirty="0" err="1" smtClean="0"/>
+              <a:t>It</a:t>
+            </a:r>
+            <a:r>
+              <a:rPr lang="tr-TR" dirty="0" smtClean="0"/>
+              <a:t> </a:t>
+            </a:r>
+            <a:r>
+              <a:rPr lang="tr-TR" dirty="0" err="1" smtClean="0"/>
+              <a:t>implements</a:t>
+            </a:r>
+            <a:r>
+              <a:rPr lang="tr-TR" dirty="0" smtClean="0"/>
+              <a:t> </a:t>
+            </a:r>
+            <a:r>
+              <a:rPr lang="tr-TR" dirty="0" err="1" smtClean="0"/>
+              <a:t>the</a:t>
+            </a:r>
+            <a:r>
+              <a:rPr lang="tr-TR" dirty="0" smtClean="0"/>
+              <a:t> </a:t>
+            </a:r>
+            <a:r>
+              <a:rPr lang="tr-TR" dirty="0" err="1" smtClean="0"/>
+              <a:t>BasicGameState</a:t>
+            </a:r>
+            <a:r>
+              <a:rPr lang="tr-TR" dirty="0" smtClean="0"/>
+              <a:t>.</a:t>
+            </a:r>
+          </a:p>
+          <a:p>
+            <a:r>
+              <a:rPr lang="tr-TR" dirty="0" err="1" smtClean="0"/>
+              <a:t>Sound</a:t>
+            </a:r>
+            <a:r>
+              <a:rPr lang="tr-TR" dirty="0" smtClean="0"/>
+              <a:t> </a:t>
+            </a:r>
+            <a:r>
+              <a:rPr lang="tr-TR" dirty="0" err="1" smtClean="0"/>
+              <a:t>effects</a:t>
+            </a:r>
+            <a:r>
+              <a:rPr lang="tr-TR" dirty="0" smtClean="0"/>
+              <a:t> </a:t>
+            </a:r>
+            <a:r>
+              <a:rPr lang="tr-TR" dirty="0" err="1" smtClean="0"/>
+              <a:t>and</a:t>
+            </a:r>
+            <a:r>
+              <a:rPr lang="tr-TR" dirty="0" smtClean="0"/>
+              <a:t> </a:t>
+            </a:r>
+            <a:r>
+              <a:rPr lang="tr-TR" dirty="0" err="1" smtClean="0"/>
+              <a:t>music</a:t>
+            </a:r>
+            <a:r>
+              <a:rPr lang="tr-TR" dirty="0" smtClean="0"/>
+              <a:t> </a:t>
+            </a:r>
+            <a:r>
+              <a:rPr lang="tr-TR" dirty="0" err="1" smtClean="0"/>
+              <a:t>are</a:t>
+            </a:r>
+            <a:r>
+              <a:rPr lang="tr-TR" dirty="0" smtClean="0"/>
+              <a:t> </a:t>
+            </a:r>
+            <a:r>
+              <a:rPr lang="tr-TR" dirty="0" err="1" smtClean="0"/>
+              <a:t>added</a:t>
+            </a:r>
+            <a:r>
+              <a:rPr lang="tr-TR" dirty="0" smtClean="0"/>
+              <a:t>.</a:t>
+            </a:r>
+          </a:p>
+          <a:p>
+            <a:r>
+              <a:rPr lang="tr-TR" dirty="0" err="1" smtClean="0"/>
+              <a:t>Music</a:t>
+            </a:r>
+            <a:r>
+              <a:rPr lang="tr-TR" dirty="0" smtClean="0"/>
+              <a:t> </a:t>
+            </a:r>
+            <a:r>
+              <a:rPr lang="tr-TR" dirty="0" err="1" smtClean="0"/>
+              <a:t>that</a:t>
+            </a:r>
+            <a:r>
+              <a:rPr lang="tr-TR" dirty="0" smtClean="0"/>
+              <a:t> is </a:t>
+            </a:r>
+            <a:r>
+              <a:rPr lang="tr-TR" dirty="0" err="1" smtClean="0"/>
+              <a:t>played</a:t>
+            </a:r>
+            <a:r>
+              <a:rPr lang="tr-TR" dirty="0" smtClean="0"/>
+              <a:t> in </a:t>
+            </a:r>
+            <a:r>
+              <a:rPr lang="tr-TR" dirty="0" err="1" smtClean="0"/>
+              <a:t>the</a:t>
+            </a:r>
+            <a:r>
+              <a:rPr lang="tr-TR" dirty="0" smtClean="0"/>
+              <a:t> </a:t>
+            </a:r>
+            <a:r>
+              <a:rPr lang="tr-TR" dirty="0" err="1" smtClean="0"/>
+              <a:t>TittleMenu</a:t>
+            </a:r>
+            <a:r>
+              <a:rPr lang="tr-TR" dirty="0" smtClean="0"/>
+              <a:t> </a:t>
+            </a:r>
+            <a:r>
+              <a:rPr lang="tr-TR" dirty="0" err="1" smtClean="0"/>
+              <a:t>and</a:t>
+            </a:r>
+            <a:r>
+              <a:rPr lang="tr-TR" dirty="0" smtClean="0"/>
+              <a:t> </a:t>
+            </a:r>
+            <a:r>
+              <a:rPr lang="tr-TR" dirty="0" err="1" smtClean="0"/>
+              <a:t>game</a:t>
+            </a:r>
+            <a:r>
+              <a:rPr lang="tr-TR" dirty="0" smtClean="0"/>
+              <a:t> </a:t>
+            </a:r>
+            <a:r>
+              <a:rPr lang="tr-TR" dirty="0" err="1" smtClean="0"/>
+              <a:t>are</a:t>
+            </a:r>
+            <a:r>
+              <a:rPr lang="tr-TR" dirty="0" smtClean="0"/>
+              <a:t> </a:t>
+            </a:r>
+            <a:r>
+              <a:rPr lang="tr-TR" dirty="0" err="1" smtClean="0"/>
+              <a:t>different</a:t>
+            </a:r>
+            <a:r>
+              <a:rPr lang="tr-TR" dirty="0" smtClean="0"/>
+              <a:t>.</a:t>
+            </a:r>
+          </a:p>
+          <a:p>
+            <a:r>
+              <a:rPr lang="tr-TR" dirty="0" err="1" smtClean="0"/>
+              <a:t>Some</a:t>
+            </a:r>
+            <a:r>
+              <a:rPr lang="tr-TR" dirty="0" smtClean="0"/>
+              <a:t> </a:t>
+            </a:r>
+            <a:r>
+              <a:rPr lang="tr-TR" dirty="0" err="1" smtClean="0"/>
+              <a:t>enemy’s</a:t>
+            </a:r>
+            <a:r>
+              <a:rPr lang="tr-TR" dirty="0" smtClean="0"/>
+              <a:t> </a:t>
+            </a:r>
+            <a:r>
+              <a:rPr lang="tr-TR" dirty="0" err="1" smtClean="0"/>
+              <a:t>behaviors</a:t>
+            </a:r>
+            <a:r>
+              <a:rPr lang="tr-TR" dirty="0" smtClean="0"/>
+              <a:t> </a:t>
+            </a:r>
+            <a:r>
+              <a:rPr lang="tr-TR" dirty="0" err="1" smtClean="0"/>
+              <a:t>are</a:t>
+            </a:r>
+            <a:r>
+              <a:rPr lang="tr-TR" dirty="0" smtClean="0"/>
+              <a:t> </a:t>
+            </a:r>
+            <a:r>
+              <a:rPr lang="tr-TR" dirty="0" err="1" smtClean="0"/>
+              <a:t>changed</a:t>
+            </a:r>
+            <a:r>
+              <a:rPr lang="tr-TR" dirty="0" smtClean="0"/>
+              <a:t>.</a:t>
+            </a:r>
+          </a:p>
+          <a:p>
+            <a:r>
+              <a:rPr lang="tr-TR" dirty="0" smtClean="0"/>
+              <a:t>Time bar of </a:t>
+            </a:r>
+            <a:r>
+              <a:rPr lang="tr-TR" dirty="0" err="1" smtClean="0"/>
+              <a:t>the</a:t>
+            </a:r>
+            <a:r>
+              <a:rPr lang="tr-TR" dirty="0" smtClean="0"/>
+              <a:t> </a:t>
+            </a:r>
+            <a:r>
+              <a:rPr lang="tr-TR" dirty="0" err="1" smtClean="0"/>
+              <a:t>player</a:t>
+            </a:r>
+            <a:r>
+              <a:rPr lang="tr-TR" dirty="0" smtClean="0"/>
+              <a:t> no </a:t>
+            </a:r>
+            <a:r>
+              <a:rPr lang="tr-TR" dirty="0" err="1" smtClean="0"/>
+              <a:t>longer</a:t>
+            </a:r>
+            <a:r>
+              <a:rPr lang="tr-TR" dirty="0" smtClean="0"/>
+              <a:t>  </a:t>
+            </a:r>
+            <a:r>
+              <a:rPr lang="tr-TR" dirty="0" err="1" smtClean="0"/>
+              <a:t>decreases</a:t>
+            </a:r>
+            <a:r>
+              <a:rPr lang="tr-TR" dirty="0" smtClean="0"/>
+              <a:t> </a:t>
+            </a:r>
+            <a:r>
+              <a:rPr lang="tr-TR" dirty="0" err="1" smtClean="0"/>
+              <a:t>while</a:t>
+            </a:r>
+            <a:r>
+              <a:rPr lang="tr-TR" dirty="0" smtClean="0"/>
+              <a:t> time </a:t>
+            </a:r>
+            <a:r>
+              <a:rPr lang="tr-TR" dirty="0" err="1" smtClean="0"/>
+              <a:t>passes</a:t>
+            </a:r>
+            <a:r>
+              <a:rPr lang="tr-TR" dirty="0" smtClean="0"/>
+              <a:t>. </a:t>
+            </a:r>
+            <a:r>
+              <a:rPr lang="tr-TR" dirty="0" err="1" smtClean="0"/>
+              <a:t>Instead</a:t>
+            </a:r>
+            <a:r>
+              <a:rPr lang="tr-TR" dirty="0" smtClean="0"/>
+              <a:t> it </a:t>
+            </a:r>
+            <a:r>
+              <a:rPr lang="tr-TR" dirty="0" err="1" smtClean="0"/>
+              <a:t>decreases</a:t>
+            </a:r>
+            <a:r>
+              <a:rPr lang="tr-TR" dirty="0" smtClean="0"/>
+              <a:t>  </a:t>
+            </a:r>
+            <a:r>
+              <a:rPr lang="tr-TR" dirty="0" err="1" smtClean="0"/>
+              <a:t>when</a:t>
+            </a:r>
+            <a:r>
+              <a:rPr lang="tr-TR" dirty="0" smtClean="0"/>
+              <a:t> </a:t>
+            </a:r>
+            <a:r>
+              <a:rPr lang="tr-TR" dirty="0" err="1" smtClean="0"/>
+              <a:t>player</a:t>
+            </a:r>
+            <a:r>
+              <a:rPr lang="tr-TR" dirty="0" smtClean="0"/>
+              <a:t> </a:t>
+            </a:r>
+            <a:r>
+              <a:rPr lang="tr-TR" dirty="0" err="1" smtClean="0"/>
+              <a:t>takes</a:t>
+            </a:r>
+            <a:r>
+              <a:rPr lang="tr-TR" dirty="0" smtClean="0"/>
+              <a:t> </a:t>
+            </a:r>
+            <a:r>
+              <a:rPr lang="tr-TR" dirty="0" err="1" smtClean="0"/>
+              <a:t>damage</a:t>
+            </a:r>
+            <a:r>
+              <a:rPr lang="tr-TR" dirty="0" smtClean="0"/>
+              <a:t> </a:t>
+            </a:r>
+            <a:r>
+              <a:rPr lang="tr-TR" dirty="0" err="1" smtClean="0"/>
+              <a:t>only</a:t>
+            </a:r>
+            <a:r>
+              <a:rPr lang="tr-TR" dirty="0" smtClean="0"/>
+              <a:t>.</a:t>
+            </a:r>
           </a:p>
         </p:txBody>
       </p:sp>

--- a/CS319 Final Presentation.pptx
+++ b/CS319 Final Presentation.pptx
@@ -9,13 +9,11 @@
     <p:sldId id="260" r:id="rId3"/>
     <p:sldId id="267" r:id="rId4"/>
     <p:sldId id="268" r:id="rId5"/>
-    <p:sldId id="269" r:id="rId6"/>
-    <p:sldId id="270" r:id="rId7"/>
-    <p:sldId id="271" r:id="rId8"/>
-    <p:sldId id="261" r:id="rId9"/>
-    <p:sldId id="263" r:id="rId10"/>
-    <p:sldId id="266" r:id="rId11"/>
-    <p:sldId id="265" r:id="rId12"/>
+    <p:sldId id="270" r:id="rId6"/>
+    <p:sldId id="271" r:id="rId7"/>
+    <p:sldId id="261" r:id="rId8"/>
+    <p:sldId id="263" r:id="rId9"/>
+    <p:sldId id="265" r:id="rId10"/>
   </p:sldIdLst>
   <p:sldSz cx="9144000" cy="6858000" type="screen4x3"/>
   <p:notesSz cx="6858000" cy="9144000"/>
@@ -114,6 +112,22 @@
       </a:defRPr>
     </a:lvl9pPr>
   </p:defaultTextStyle>
+  <p:extLst>
+    <p:ext uri="{EFAFB233-063F-42B5-8137-9DF3F51BA10A}">
+      <p15:sldGuideLst xmlns:p15="http://schemas.microsoft.com/office/powerpoint/2012/main">
+        <p15:guide id="1" orient="horz" pos="2160">
+          <p15:clr>
+            <a:srgbClr val="A4A3A4"/>
+          </p15:clr>
+        </p15:guide>
+        <p15:guide id="2" pos="2880">
+          <p15:clr>
+            <a:srgbClr val="A4A3A4"/>
+          </p15:clr>
+        </p15:guide>
+      </p15:sldGuideLst>
+    </p:ext>
+  </p:extLst>
 </p:presentation>
 </file>
 
@@ -685,7 +699,7 @@
           </a:lstStyle>
           <a:p>
             <a:r>
-              <a:rPr kumimoji="0" lang="tr-TR" smtClean="0"/>
+              <a:rPr kumimoji="0" lang="tr-TR"/>
               <a:t>Asıl başlık stili için tıklatın</a:t>
             </a:r>
             <a:endParaRPr kumimoji="0" lang="en-US"/>
@@ -746,7 +760,7 @@
           </a:lstStyle>
           <a:p>
             <a:r>
-              <a:rPr kumimoji="0" lang="tr-TR" smtClean="0"/>
+              <a:rPr kumimoji="0" lang="tr-TR"/>
               <a:t>Asıl alt başlık stilini düzenlemek için tıklatın</a:t>
             </a:r>
             <a:endParaRPr kumimoji="0" lang="en-US"/>
@@ -884,7 +898,7 @@
           <a:lstStyle/>
           <a:p>
             <a:r>
-              <a:rPr kumimoji="0" lang="tr-TR" smtClean="0"/>
+              <a:rPr kumimoji="0" lang="tr-TR"/>
               <a:t>Asıl başlık stili için tıklatın</a:t>
             </a:r>
             <a:endParaRPr kumimoji="0" lang="en-US"/>
@@ -908,35 +922,35 @@
           <a:p>
             <a:pPr lvl="0" eaLnBrk="1" latinLnBrk="0" hangingPunct="1"/>
             <a:r>
-              <a:rPr lang="tr-TR" smtClean="0"/>
+              <a:rPr lang="tr-TR"/>
               <a:t>Asıl metin stillerini düzenlemek için tıklatın</a:t>
             </a:r>
           </a:p>
           <a:p>
             <a:pPr lvl="1" eaLnBrk="1" latinLnBrk="0" hangingPunct="1"/>
             <a:r>
-              <a:rPr lang="tr-TR" smtClean="0"/>
+              <a:rPr lang="tr-TR"/>
               <a:t>İkinci düzey</a:t>
             </a:r>
           </a:p>
           <a:p>
             <a:pPr lvl="2" eaLnBrk="1" latinLnBrk="0" hangingPunct="1"/>
             <a:r>
-              <a:rPr lang="tr-TR" smtClean="0"/>
+              <a:rPr lang="tr-TR"/>
               <a:t>Üçüncü düzey</a:t>
             </a:r>
           </a:p>
           <a:p>
             <a:pPr lvl="3" eaLnBrk="1" latinLnBrk="0" hangingPunct="1"/>
             <a:r>
-              <a:rPr lang="tr-TR" smtClean="0"/>
+              <a:rPr lang="tr-TR"/>
               <a:t>Dördüncü düzey</a:t>
             </a:r>
           </a:p>
           <a:p>
             <a:pPr lvl="4" eaLnBrk="1" latinLnBrk="0" hangingPunct="1"/>
             <a:r>
-              <a:rPr lang="tr-TR" smtClean="0"/>
+              <a:rPr lang="tr-TR"/>
               <a:t>Beşinci düzey</a:t>
             </a:r>
             <a:endParaRPr kumimoji="0" lang="en-US"/>
@@ -1056,7 +1070,7 @@
           <a:lstStyle/>
           <a:p>
             <a:r>
-              <a:rPr kumimoji="0" lang="tr-TR" smtClean="0"/>
+              <a:rPr kumimoji="0" lang="tr-TR"/>
               <a:t>Asıl başlık stili için tıklatın</a:t>
             </a:r>
             <a:endParaRPr kumimoji="0" lang="en-US"/>
@@ -1085,35 +1099,35 @@
           <a:p>
             <a:pPr lvl="0" eaLnBrk="1" latinLnBrk="0" hangingPunct="1"/>
             <a:r>
-              <a:rPr lang="tr-TR" smtClean="0"/>
+              <a:rPr lang="tr-TR"/>
               <a:t>Asıl metin stillerini düzenlemek için tıklatın</a:t>
             </a:r>
           </a:p>
           <a:p>
             <a:pPr lvl="1" eaLnBrk="1" latinLnBrk="0" hangingPunct="1"/>
             <a:r>
-              <a:rPr lang="tr-TR" smtClean="0"/>
+              <a:rPr lang="tr-TR"/>
               <a:t>İkinci düzey</a:t>
             </a:r>
           </a:p>
           <a:p>
             <a:pPr lvl="2" eaLnBrk="1" latinLnBrk="0" hangingPunct="1"/>
             <a:r>
-              <a:rPr lang="tr-TR" smtClean="0"/>
+              <a:rPr lang="tr-TR"/>
               <a:t>Üçüncü düzey</a:t>
             </a:r>
           </a:p>
           <a:p>
             <a:pPr lvl="3" eaLnBrk="1" latinLnBrk="0" hangingPunct="1"/>
             <a:r>
-              <a:rPr lang="tr-TR" smtClean="0"/>
+              <a:rPr lang="tr-TR"/>
               <a:t>Dördüncü düzey</a:t>
             </a:r>
           </a:p>
           <a:p>
             <a:pPr lvl="4" eaLnBrk="1" latinLnBrk="0" hangingPunct="1"/>
             <a:r>
-              <a:rPr lang="tr-TR" smtClean="0"/>
+              <a:rPr lang="tr-TR"/>
               <a:t>Beşinci düzey</a:t>
             </a:r>
             <a:endParaRPr kumimoji="0" lang="en-US"/>
@@ -1228,7 +1242,7 @@
           <a:lstStyle/>
           <a:p>
             <a:r>
-              <a:rPr kumimoji="0" lang="tr-TR" smtClean="0"/>
+              <a:rPr kumimoji="0" lang="tr-TR"/>
               <a:t>Asıl başlık stili için tıklatın</a:t>
             </a:r>
             <a:endParaRPr kumimoji="0" lang="en-US"/>
@@ -1252,35 +1266,35 @@
           <a:p>
             <a:pPr lvl="0" eaLnBrk="1" latinLnBrk="0" hangingPunct="1"/>
             <a:r>
-              <a:rPr lang="tr-TR" smtClean="0"/>
+              <a:rPr lang="tr-TR"/>
               <a:t>Asıl metin stillerini düzenlemek için tıklatın</a:t>
             </a:r>
           </a:p>
           <a:p>
             <a:pPr lvl="1" eaLnBrk="1" latinLnBrk="0" hangingPunct="1"/>
             <a:r>
-              <a:rPr lang="tr-TR" smtClean="0"/>
+              <a:rPr lang="tr-TR"/>
               <a:t>İkinci düzey</a:t>
             </a:r>
           </a:p>
           <a:p>
             <a:pPr lvl="2" eaLnBrk="1" latinLnBrk="0" hangingPunct="1"/>
             <a:r>
-              <a:rPr lang="tr-TR" smtClean="0"/>
+              <a:rPr lang="tr-TR"/>
               <a:t>Üçüncü düzey</a:t>
             </a:r>
           </a:p>
           <a:p>
             <a:pPr lvl="3" eaLnBrk="1" latinLnBrk="0" hangingPunct="1"/>
             <a:r>
-              <a:rPr lang="tr-TR" smtClean="0"/>
+              <a:rPr lang="tr-TR"/>
               <a:t>Dördüncü düzey</a:t>
             </a:r>
           </a:p>
           <a:p>
             <a:pPr lvl="4" eaLnBrk="1" latinLnBrk="0" hangingPunct="1"/>
             <a:r>
-              <a:rPr lang="tr-TR" smtClean="0"/>
+              <a:rPr lang="tr-TR"/>
               <a:t>Beşinci düzey</a:t>
             </a:r>
             <a:endParaRPr kumimoji="0" lang="en-US"/>
@@ -1426,7 +1440,7 @@
           </a:lstStyle>
           <a:p>
             <a:r>
-              <a:rPr kumimoji="0" lang="tr-TR" smtClean="0"/>
+              <a:rPr kumimoji="0" lang="tr-TR"/>
               <a:t>Asıl başlık stili için tıklatın</a:t>
             </a:r>
             <a:endParaRPr kumimoji="0" lang="en-US"/>
@@ -1504,7 +1518,7 @@
           <a:p>
             <a:pPr lvl="0" eaLnBrk="1" latinLnBrk="0" hangingPunct="1"/>
             <a:r>
-              <a:rPr kumimoji="0" lang="tr-TR" smtClean="0"/>
+              <a:rPr kumimoji="0" lang="tr-TR"/>
               <a:t>Asıl metin stillerini düzenlemek için tıklatın</a:t>
             </a:r>
           </a:p>
@@ -1618,7 +1632,7 @@
           <a:lstStyle/>
           <a:p>
             <a:r>
-              <a:rPr kumimoji="0" lang="tr-TR" smtClean="0"/>
+              <a:rPr kumimoji="0" lang="tr-TR"/>
               <a:t>Asıl başlık stili için tıklatın</a:t>
             </a:r>
             <a:endParaRPr kumimoji="0" lang="en-US"/>
@@ -1663,35 +1677,35 @@
           <a:p>
             <a:pPr lvl="0" eaLnBrk="1" latinLnBrk="0" hangingPunct="1"/>
             <a:r>
-              <a:rPr lang="tr-TR" smtClean="0"/>
+              <a:rPr lang="tr-TR"/>
               <a:t>Asıl metin stillerini düzenlemek için tıklatın</a:t>
             </a:r>
           </a:p>
           <a:p>
             <a:pPr lvl="1" eaLnBrk="1" latinLnBrk="0" hangingPunct="1"/>
             <a:r>
-              <a:rPr lang="tr-TR" smtClean="0"/>
+              <a:rPr lang="tr-TR"/>
               <a:t>İkinci düzey</a:t>
             </a:r>
           </a:p>
           <a:p>
             <a:pPr lvl="2" eaLnBrk="1" latinLnBrk="0" hangingPunct="1"/>
             <a:r>
-              <a:rPr lang="tr-TR" smtClean="0"/>
+              <a:rPr lang="tr-TR"/>
               <a:t>Üçüncü düzey</a:t>
             </a:r>
           </a:p>
           <a:p>
             <a:pPr lvl="3" eaLnBrk="1" latinLnBrk="0" hangingPunct="1"/>
             <a:r>
-              <a:rPr lang="tr-TR" smtClean="0"/>
+              <a:rPr lang="tr-TR"/>
               <a:t>Dördüncü düzey</a:t>
             </a:r>
           </a:p>
           <a:p>
             <a:pPr lvl="4" eaLnBrk="1" latinLnBrk="0" hangingPunct="1"/>
             <a:r>
-              <a:rPr lang="tr-TR" smtClean="0"/>
+              <a:rPr lang="tr-TR"/>
               <a:t>Beşinci düzey</a:t>
             </a:r>
             <a:endParaRPr kumimoji="0" lang="en-US"/>
@@ -1736,35 +1750,35 @@
           <a:p>
             <a:pPr lvl="0" eaLnBrk="1" latinLnBrk="0" hangingPunct="1"/>
             <a:r>
-              <a:rPr lang="tr-TR" smtClean="0"/>
+              <a:rPr lang="tr-TR"/>
               <a:t>Asıl metin stillerini düzenlemek için tıklatın</a:t>
             </a:r>
           </a:p>
           <a:p>
             <a:pPr lvl="1" eaLnBrk="1" latinLnBrk="0" hangingPunct="1"/>
             <a:r>
-              <a:rPr lang="tr-TR" smtClean="0"/>
+              <a:rPr lang="tr-TR"/>
               <a:t>İkinci düzey</a:t>
             </a:r>
           </a:p>
           <a:p>
             <a:pPr lvl="2" eaLnBrk="1" latinLnBrk="0" hangingPunct="1"/>
             <a:r>
-              <a:rPr lang="tr-TR" smtClean="0"/>
+              <a:rPr lang="tr-TR"/>
               <a:t>Üçüncü düzey</a:t>
             </a:r>
           </a:p>
           <a:p>
             <a:pPr lvl="3" eaLnBrk="1" latinLnBrk="0" hangingPunct="1"/>
             <a:r>
-              <a:rPr lang="tr-TR" smtClean="0"/>
+              <a:rPr lang="tr-TR"/>
               <a:t>Dördüncü düzey</a:t>
             </a:r>
           </a:p>
           <a:p>
             <a:pPr lvl="4" eaLnBrk="1" latinLnBrk="0" hangingPunct="1"/>
             <a:r>
-              <a:rPr lang="tr-TR" smtClean="0"/>
+              <a:rPr lang="tr-TR"/>
               <a:t>Beşinci düzey</a:t>
             </a:r>
             <a:endParaRPr kumimoji="0" lang="en-US"/>
@@ -1888,7 +1902,7 @@
           </a:lstStyle>
           <a:p>
             <a:r>
-              <a:rPr kumimoji="0" lang="tr-TR" smtClean="0"/>
+              <a:rPr kumimoji="0" lang="tr-TR"/>
               <a:t>Asıl başlık stili için tıklatın</a:t>
             </a:r>
             <a:endParaRPr kumimoji="0" lang="en-US"/>
@@ -1957,7 +1971,7 @@
           <a:p>
             <a:pPr lvl="0" eaLnBrk="1" latinLnBrk="0" hangingPunct="1"/>
             <a:r>
-              <a:rPr kumimoji="0" lang="tr-TR" smtClean="0"/>
+              <a:rPr kumimoji="0" lang="tr-TR"/>
               <a:t>Asıl metin stillerini düzenlemek için tıklatın</a:t>
             </a:r>
           </a:p>
@@ -2025,7 +2039,7 @@
           <a:p>
             <a:pPr lvl="0" eaLnBrk="1" latinLnBrk="0" hangingPunct="1"/>
             <a:r>
-              <a:rPr kumimoji="0" lang="tr-TR" smtClean="0"/>
+              <a:rPr kumimoji="0" lang="tr-TR"/>
               <a:t>Asıl metin stillerini düzenlemek için tıklatın</a:t>
             </a:r>
           </a:p>
@@ -2069,35 +2083,35 @@
           <a:p>
             <a:pPr lvl="0" eaLnBrk="1" latinLnBrk="0" hangingPunct="1"/>
             <a:r>
-              <a:rPr lang="tr-TR" smtClean="0"/>
+              <a:rPr lang="tr-TR"/>
               <a:t>Asıl metin stillerini düzenlemek için tıklatın</a:t>
             </a:r>
           </a:p>
           <a:p>
             <a:pPr lvl="1" eaLnBrk="1" latinLnBrk="0" hangingPunct="1"/>
             <a:r>
-              <a:rPr lang="tr-TR" smtClean="0"/>
+              <a:rPr lang="tr-TR"/>
               <a:t>İkinci düzey</a:t>
             </a:r>
           </a:p>
           <a:p>
             <a:pPr lvl="2" eaLnBrk="1" latinLnBrk="0" hangingPunct="1"/>
             <a:r>
-              <a:rPr lang="tr-TR" smtClean="0"/>
+              <a:rPr lang="tr-TR"/>
               <a:t>Üçüncü düzey</a:t>
             </a:r>
           </a:p>
           <a:p>
             <a:pPr lvl="3" eaLnBrk="1" latinLnBrk="0" hangingPunct="1"/>
             <a:r>
-              <a:rPr lang="tr-TR" smtClean="0"/>
+              <a:rPr lang="tr-TR"/>
               <a:t>Dördüncü düzey</a:t>
             </a:r>
           </a:p>
           <a:p>
             <a:pPr lvl="4" eaLnBrk="1" latinLnBrk="0" hangingPunct="1"/>
             <a:r>
-              <a:rPr lang="tr-TR" smtClean="0"/>
+              <a:rPr lang="tr-TR"/>
               <a:t>Beşinci düzey</a:t>
             </a:r>
             <a:endParaRPr kumimoji="0" lang="en-US"/>
@@ -2142,35 +2156,35 @@
           <a:p>
             <a:pPr lvl="0" eaLnBrk="1" latinLnBrk="0" hangingPunct="1"/>
             <a:r>
-              <a:rPr lang="tr-TR" smtClean="0"/>
+              <a:rPr lang="tr-TR"/>
               <a:t>Asıl metin stillerini düzenlemek için tıklatın</a:t>
             </a:r>
           </a:p>
           <a:p>
             <a:pPr lvl="1" eaLnBrk="1" latinLnBrk="0" hangingPunct="1"/>
             <a:r>
-              <a:rPr lang="tr-TR" smtClean="0"/>
+              <a:rPr lang="tr-TR"/>
               <a:t>İkinci düzey</a:t>
             </a:r>
           </a:p>
           <a:p>
             <a:pPr lvl="2" eaLnBrk="1" latinLnBrk="0" hangingPunct="1"/>
             <a:r>
-              <a:rPr lang="tr-TR" smtClean="0"/>
+              <a:rPr lang="tr-TR"/>
               <a:t>Üçüncü düzey</a:t>
             </a:r>
           </a:p>
           <a:p>
             <a:pPr lvl="3" eaLnBrk="1" latinLnBrk="0" hangingPunct="1"/>
             <a:r>
-              <a:rPr lang="tr-TR" smtClean="0"/>
+              <a:rPr lang="tr-TR"/>
               <a:t>Dördüncü düzey</a:t>
             </a:r>
           </a:p>
           <a:p>
             <a:pPr lvl="4" eaLnBrk="1" latinLnBrk="0" hangingPunct="1"/>
             <a:r>
-              <a:rPr lang="tr-TR" smtClean="0"/>
+              <a:rPr lang="tr-TR"/>
               <a:t>Beşinci düzey</a:t>
             </a:r>
             <a:endParaRPr kumimoji="0" lang="en-US"/>
@@ -2298,7 +2312,7 @@
           </a:lstStyle>
           <a:p>
             <a:r>
-              <a:rPr kumimoji="0" lang="tr-TR" smtClean="0"/>
+              <a:rPr kumimoji="0" lang="tr-TR"/>
               <a:t>Asıl başlık stili için tıklatın</a:t>
             </a:r>
             <a:endParaRPr kumimoji="0" lang="en-US"/>
@@ -2530,7 +2544,7 @@
           </a:lstStyle>
           <a:p>
             <a:r>
-              <a:rPr kumimoji="0" lang="tr-TR" smtClean="0"/>
+              <a:rPr kumimoji="0" lang="tr-TR"/>
               <a:t>Asıl başlık stili için tıklatın</a:t>
             </a:r>
             <a:endParaRPr kumimoji="0" lang="en-US"/>
@@ -2580,7 +2594,7 @@
           <a:p>
             <a:pPr lvl="0" eaLnBrk="1" latinLnBrk="0" hangingPunct="1"/>
             <a:r>
-              <a:rPr kumimoji="0" lang="tr-TR" smtClean="0"/>
+              <a:rPr kumimoji="0" lang="tr-TR"/>
               <a:t>Asıl metin stillerini düzenlemek için tıklatın</a:t>
             </a:r>
           </a:p>
@@ -2624,35 +2638,35 @@
           <a:p>
             <a:pPr lvl="0" eaLnBrk="1" latinLnBrk="0" hangingPunct="1"/>
             <a:r>
-              <a:rPr lang="tr-TR" smtClean="0"/>
+              <a:rPr lang="tr-TR"/>
               <a:t>Asıl metin stillerini düzenlemek için tıklatın</a:t>
             </a:r>
           </a:p>
           <a:p>
             <a:pPr lvl="1" eaLnBrk="1" latinLnBrk="0" hangingPunct="1"/>
             <a:r>
-              <a:rPr lang="tr-TR" smtClean="0"/>
+              <a:rPr lang="tr-TR"/>
               <a:t>İkinci düzey</a:t>
             </a:r>
           </a:p>
           <a:p>
             <a:pPr lvl="2" eaLnBrk="1" latinLnBrk="0" hangingPunct="1"/>
             <a:r>
-              <a:rPr lang="tr-TR" smtClean="0"/>
+              <a:rPr lang="tr-TR"/>
               <a:t>Üçüncü düzey</a:t>
             </a:r>
           </a:p>
           <a:p>
             <a:pPr lvl="3" eaLnBrk="1" latinLnBrk="0" hangingPunct="1"/>
             <a:r>
-              <a:rPr lang="tr-TR" smtClean="0"/>
+              <a:rPr lang="tr-TR"/>
               <a:t>Dördüncü düzey</a:t>
             </a:r>
           </a:p>
           <a:p>
             <a:pPr lvl="4" eaLnBrk="1" latinLnBrk="0" hangingPunct="1"/>
             <a:r>
-              <a:rPr lang="tr-TR" smtClean="0"/>
+              <a:rPr lang="tr-TR"/>
               <a:t>Beşinci düzey</a:t>
             </a:r>
             <a:endParaRPr kumimoji="0" lang="en-US"/>
@@ -2777,7 +2791,7 @@
           </a:lstStyle>
           <a:p>
             <a:r>
-              <a:rPr kumimoji="0" lang="tr-TR" smtClean="0"/>
+              <a:rPr kumimoji="0" lang="tr-TR"/>
               <a:t>Asıl başlık stili için tıklatın</a:t>
             </a:r>
             <a:endParaRPr kumimoji="0" lang="en-US"/>
@@ -2838,7 +2852,7 @@
           </a:lstStyle>
           <a:p>
             <a:r>
-              <a:rPr kumimoji="0" lang="tr-TR" smtClean="0"/>
+              <a:rPr kumimoji="0" lang="tr-TR"/>
               <a:t>Resim eklemek için simgeyi tıklatın</a:t>
             </a:r>
             <a:endParaRPr kumimoji="0" lang="en-US" dirty="0"/>
@@ -2899,7 +2913,7 @@
           <a:p>
             <a:pPr lvl="0" eaLnBrk="1" latinLnBrk="0" hangingPunct="1"/>
             <a:r>
-              <a:rPr kumimoji="0" lang="tr-TR" smtClean="0"/>
+              <a:rPr kumimoji="0" lang="tr-TR"/>
               <a:t>Asıl metin stillerini düzenlemek için tıklatın</a:t>
             </a:r>
           </a:p>
@@ -3646,7 +3660,7 @@
           <a:lstStyle/>
           <a:p>
             <a:r>
-              <a:rPr kumimoji="0" lang="tr-TR" smtClean="0"/>
+              <a:rPr kumimoji="0" lang="tr-TR"/>
               <a:t>Asıl başlık stili için tıklatın</a:t>
             </a:r>
             <a:endParaRPr kumimoji="0" lang="en-US"/>
@@ -3680,35 +3694,35 @@
           <a:p>
             <a:pPr lvl="0" eaLnBrk="1" latinLnBrk="0" hangingPunct="1"/>
             <a:r>
-              <a:rPr kumimoji="0" lang="tr-TR" smtClean="0"/>
+              <a:rPr kumimoji="0" lang="tr-TR"/>
               <a:t>Asıl metin stillerini düzenlemek için tıklatın</a:t>
             </a:r>
           </a:p>
           <a:p>
             <a:pPr lvl="1" eaLnBrk="1" latinLnBrk="0" hangingPunct="1"/>
             <a:r>
-              <a:rPr kumimoji="0" lang="tr-TR" smtClean="0"/>
+              <a:rPr kumimoji="0" lang="tr-TR"/>
               <a:t>İkinci düzey</a:t>
             </a:r>
           </a:p>
           <a:p>
             <a:pPr lvl="2" eaLnBrk="1" latinLnBrk="0" hangingPunct="1"/>
             <a:r>
-              <a:rPr kumimoji="0" lang="tr-TR" smtClean="0"/>
+              <a:rPr kumimoji="0" lang="tr-TR"/>
               <a:t>Üçüncü düzey</a:t>
             </a:r>
           </a:p>
           <a:p>
             <a:pPr lvl="3" eaLnBrk="1" latinLnBrk="0" hangingPunct="1"/>
             <a:r>
-              <a:rPr kumimoji="0" lang="tr-TR" smtClean="0"/>
+              <a:rPr kumimoji="0" lang="tr-TR"/>
               <a:t>Dördüncü düzey</a:t>
             </a:r>
           </a:p>
           <a:p>
             <a:pPr lvl="4" eaLnBrk="1" latinLnBrk="0" hangingPunct="1"/>
             <a:r>
-              <a:rPr kumimoji="0" lang="tr-TR" smtClean="0"/>
+              <a:rPr kumimoji="0" lang="tr-TR"/>
               <a:t>Beşinci düzey</a:t>
             </a:r>
             <a:endParaRPr kumimoji="0" lang="en-US"/>
@@ -4161,14 +4175,13 @@
           <a:lstStyle/>
           <a:p>
             <a:r>
-              <a:rPr lang="tr-TR" dirty="0" err="1" smtClean="0"/>
+              <a:rPr lang="tr-TR" dirty="0" err="1"/>
               <a:t>Survival</a:t>
             </a:r>
             <a:r>
-              <a:rPr lang="tr-TR" dirty="0" smtClean="0"/>
+              <a:rPr lang="tr-TR" dirty="0"/>
               <a:t> in Bilkent</a:t>
             </a:r>
-            <a:endParaRPr lang="tr-TR" dirty="0"/>
           </a:p>
         </p:txBody>
       </p:sp>
@@ -4184,363 +4197,156 @@
         </p:nvSpPr>
         <p:spPr>
           <a:xfrm>
-            <a:off x="2123728" y="2636912"/>
-            <a:ext cx="6560234" cy="4143404"/>
+            <a:off x="2123728" y="2996952"/>
+            <a:ext cx="6560234" cy="3783364"/>
           </a:xfrm>
         </p:spPr>
         <p:txBody>
           <a:bodyPr>
-            <a:normAutofit fontScale="92500" lnSpcReduction="10000"/>
+            <a:normAutofit fontScale="92500" lnSpcReduction="20000"/>
           </a:bodyPr>
           <a:lstStyle/>
           <a:p>
-            <a:endParaRPr lang="tr-TR" dirty="0" smtClean="0"/>
-          </a:p>
-          <a:p>
-            <a:endParaRPr lang="tr-TR" dirty="0" smtClean="0"/>
-          </a:p>
-          <a:p>
-            <a:endParaRPr lang="tr-TR" dirty="0" smtClean="0"/>
-          </a:p>
-          <a:p>
-            <a:r>
-              <a:rPr lang="en-US" dirty="0" smtClean="0"/>
+            <a:endParaRPr lang="tr-TR" dirty="0"/>
+          </a:p>
+          <a:p>
+            <a:endParaRPr lang="tr-TR" dirty="0"/>
+          </a:p>
+          <a:p>
+            <a:endParaRPr lang="tr-TR" dirty="0"/>
+          </a:p>
+          <a:p>
+            <a:r>
+              <a:rPr lang="en-US" dirty="0"/>
               <a:t>Group 2-M</a:t>
             </a:r>
-            <a:endParaRPr lang="tr-TR" dirty="0" smtClean="0"/>
-          </a:p>
-          <a:p>
-            <a:endParaRPr lang="tr-TR" dirty="0" smtClean="0"/>
-          </a:p>
-          <a:p>
-            <a:r>
-              <a:rPr lang="en-US" dirty="0" err="1" smtClean="0"/>
+            <a:endParaRPr lang="tr-TR" dirty="0"/>
+          </a:p>
+          <a:p>
+            <a:endParaRPr lang="tr-TR" dirty="0"/>
+          </a:p>
+          <a:p>
+            <a:r>
+              <a:rPr lang="en-US" dirty="0" err="1"/>
               <a:t>Pelin</a:t>
             </a:r>
             <a:r>
-              <a:rPr lang="en-US" dirty="0" smtClean="0"/>
-              <a:t> </a:t>
-            </a:r>
-            <a:r>
-              <a:rPr lang="en-US" dirty="0" err="1" smtClean="0"/>
+              <a:rPr lang="en-US" dirty="0"/>
+              <a:t> </a:t>
+            </a:r>
+            <a:r>
+              <a:rPr lang="en-US" dirty="0" err="1"/>
               <a:t>Elbin</a:t>
             </a:r>
             <a:r>
-              <a:rPr lang="en-US" dirty="0" smtClean="0"/>
-              <a:t> </a:t>
-            </a:r>
-            <a:r>
-              <a:rPr lang="en-US" dirty="0" err="1" smtClean="0"/>
+              <a:rPr lang="en-US" dirty="0"/>
+              <a:t> </a:t>
+            </a:r>
+            <a:r>
+              <a:rPr lang="en-US" dirty="0" err="1"/>
               <a:t>Günay</a:t>
             </a:r>
             <a:r>
-              <a:rPr lang="en-US" dirty="0" smtClean="0"/>
+              <a:rPr lang="en-US" dirty="0"/>
               <a:t> - 21402149</a:t>
             </a:r>
-            <a:endParaRPr lang="tr-TR" dirty="0" smtClean="0"/>
-          </a:p>
-          <a:p>
-            <a:r>
-              <a:rPr lang="en-US" dirty="0" smtClean="0"/>
+            <a:endParaRPr lang="tr-TR" dirty="0"/>
+          </a:p>
+          <a:p>
+            <a:r>
+              <a:rPr lang="en-US" dirty="0"/>
               <a:t> </a:t>
             </a:r>
-            <a:endParaRPr lang="tr-TR" dirty="0" smtClean="0"/>
-          </a:p>
-          <a:p>
-            <a:r>
-              <a:rPr lang="en-US" dirty="0" err="1" smtClean="0"/>
+            <a:endParaRPr lang="tr-TR" dirty="0"/>
+          </a:p>
+          <a:p>
+            <a:r>
+              <a:rPr lang="en-US" dirty="0" err="1"/>
               <a:t>Kübra</a:t>
             </a:r>
             <a:r>
-              <a:rPr lang="en-US" dirty="0" smtClean="0"/>
-              <a:t> </a:t>
-            </a:r>
-            <a:r>
-              <a:rPr lang="en-US" dirty="0" err="1" smtClean="0"/>
+              <a:rPr lang="en-US" dirty="0"/>
+              <a:t> </a:t>
+            </a:r>
+            <a:r>
+              <a:rPr lang="en-US" dirty="0" err="1"/>
               <a:t>Nur</a:t>
             </a:r>
             <a:r>
-              <a:rPr lang="en-US" dirty="0" smtClean="0"/>
-              <a:t> </a:t>
-            </a:r>
-            <a:r>
-              <a:rPr lang="en-US" dirty="0" err="1" smtClean="0"/>
+              <a:rPr lang="en-US" dirty="0"/>
+              <a:t> </a:t>
+            </a:r>
+            <a:r>
+              <a:rPr lang="en-US" dirty="0" err="1"/>
               <a:t>Güzel</a:t>
             </a:r>
             <a:r>
-              <a:rPr lang="en-US" dirty="0" smtClean="0"/>
+              <a:rPr lang="en-US" dirty="0"/>
               <a:t> - 21400946</a:t>
             </a:r>
-            <a:endParaRPr lang="tr-TR" dirty="0" smtClean="0"/>
-          </a:p>
-          <a:p>
-            <a:r>
-              <a:rPr lang="en-US" dirty="0" smtClean="0"/>
+            <a:endParaRPr lang="tr-TR" dirty="0"/>
+          </a:p>
+          <a:p>
+            <a:r>
+              <a:rPr lang="en-US" dirty="0"/>
               <a:t> </a:t>
             </a:r>
-            <a:endParaRPr lang="tr-TR" dirty="0" smtClean="0"/>
-          </a:p>
-          <a:p>
-            <a:r>
-              <a:rPr lang="en-US" dirty="0" err="1" smtClean="0"/>
+            <a:endParaRPr lang="tr-TR" dirty="0"/>
+          </a:p>
+          <a:p>
+            <a:r>
+              <a:rPr lang="en-US" dirty="0" err="1"/>
               <a:t>Alper</a:t>
             </a:r>
             <a:r>
-              <a:rPr lang="en-US" dirty="0" smtClean="0"/>
-              <a:t> </a:t>
-            </a:r>
-            <a:r>
-              <a:rPr lang="en-US" dirty="0" err="1" smtClean="0"/>
+              <a:rPr lang="en-US" dirty="0"/>
+              <a:t> </a:t>
+            </a:r>
+            <a:r>
+              <a:rPr lang="en-US" dirty="0" err="1"/>
               <a:t>Şahıstan</a:t>
             </a:r>
             <a:r>
-              <a:rPr lang="en-US" dirty="0" smtClean="0"/>
+              <a:rPr lang="en-US" dirty="0"/>
               <a:t> - 21501207</a:t>
             </a:r>
-            <a:endParaRPr lang="tr-TR" dirty="0" smtClean="0"/>
-          </a:p>
-          <a:p>
-            <a:r>
-              <a:rPr lang="en-US" dirty="0" smtClean="0"/>
+            <a:endParaRPr lang="tr-TR" dirty="0"/>
+          </a:p>
+          <a:p>
+            <a:r>
+              <a:rPr lang="en-US" dirty="0"/>
               <a:t> </a:t>
             </a:r>
-            <a:endParaRPr lang="tr-TR" dirty="0" smtClean="0"/>
-          </a:p>
-          <a:p>
-            <a:r>
-              <a:rPr lang="en-US" dirty="0" err="1" smtClean="0"/>
+            <a:endParaRPr lang="tr-TR" dirty="0"/>
+          </a:p>
+          <a:p>
+            <a:r>
+              <a:rPr lang="en-US" dirty="0" err="1"/>
               <a:t>Semih</a:t>
             </a:r>
             <a:r>
-              <a:rPr lang="en-US" dirty="0" smtClean="0"/>
-              <a:t> </a:t>
-            </a:r>
-            <a:r>
-              <a:rPr lang="en-US" dirty="0" err="1" smtClean="0"/>
+              <a:rPr lang="en-US" dirty="0"/>
+              <a:t> </a:t>
+            </a:r>
+            <a:r>
+              <a:rPr lang="en-US" dirty="0" err="1"/>
               <a:t>Teker</a:t>
             </a:r>
             <a:r>
-              <a:rPr lang="en-US" dirty="0" smtClean="0"/>
+              <a:rPr lang="en-US" dirty="0"/>
               <a:t> – 21300964</a:t>
             </a:r>
-            <a:endParaRPr lang="tr-TR" dirty="0" smtClean="0"/>
-          </a:p>
-          <a:p>
-            <a:endParaRPr lang="tr-TR" dirty="0" smtClean="0"/>
-          </a:p>
-          <a:p>
             <a:endParaRPr lang="tr-TR" dirty="0"/>
           </a:p>
+          <a:p>
+            <a:endParaRPr lang="tr-TR" dirty="0"/>
+          </a:p>
+          <a:p>
+            <a:endParaRPr lang="tr-TR" dirty="0"/>
+          </a:p>
         </p:txBody>
       </p:sp>
     </p:spTree>
-  </p:cSld>
-  <p:clrMapOvr>
-    <a:masterClrMapping/>
-  </p:clrMapOvr>
-  <p:timing>
-    <p:tnLst>
-      <p:par>
-        <p:cTn id="1" dur="indefinite" restart="never" nodeType="tmRoot"/>
-      </p:par>
-    </p:tnLst>
-  </p:timing>
-</p:sld>
-</file>
-
-<file path=ppt/slides/slide10.xml><?xml version="1.0" encoding="utf-8"?>
-<p:sld xmlns:a="http://schemas.openxmlformats.org/drawingml/2006/main" xmlns:r="http://schemas.openxmlformats.org/officeDocument/2006/relationships" xmlns:p="http://schemas.openxmlformats.org/presentationml/2006/main">
-  <p:cSld>
-    <p:spTree>
-      <p:nvGrpSpPr>
-        <p:cNvPr id="1" name=""/>
-        <p:cNvGrpSpPr/>
-        <p:nvPr/>
-      </p:nvGrpSpPr>
-      <p:grpSpPr>
-        <a:xfrm>
-          <a:off x="0" y="0"/>
-          <a:ext cx="0" cy="0"/>
-          <a:chOff x="0" y="0"/>
-          <a:chExt cx="0" cy="0"/>
-        </a:xfrm>
-      </p:grpSpPr>
-      <p:sp>
-        <p:nvSpPr>
-          <p:cNvPr id="2" name="Başlık 1"/>
-          <p:cNvSpPr>
-            <a:spLocks noGrp="1"/>
-          </p:cNvSpPr>
-          <p:nvPr>
-            <p:ph type="title"/>
-          </p:nvPr>
-        </p:nvSpPr>
-        <p:spPr/>
-        <p:txBody>
-          <a:bodyPr/>
-          <a:lstStyle/>
-          <a:p>
-            <a:endParaRPr lang="tr-TR"/>
-          </a:p>
-        </p:txBody>
-      </p:sp>
-      <p:sp>
-        <p:nvSpPr>
-          <p:cNvPr id="3" name="İçerik Yer Tutucusu 2"/>
-          <p:cNvSpPr>
-            <a:spLocks noGrp="1"/>
-          </p:cNvSpPr>
-          <p:nvPr>
-            <p:ph idx="1"/>
-          </p:nvPr>
-        </p:nvSpPr>
-        <p:spPr/>
-        <p:txBody>
-          <a:bodyPr/>
-          <a:lstStyle/>
-          <a:p>
-            <a:endParaRPr lang="tr-TR"/>
-          </a:p>
-        </p:txBody>
-      </p:sp>
-    </p:spTree>
-    <p:extLst>
-      <p:ext uri="{BB962C8B-B14F-4D97-AF65-F5344CB8AC3E}">
-        <p14:creationId xmlns:p14="http://schemas.microsoft.com/office/powerpoint/2010/main" val="93622986"/>
-      </p:ext>
-    </p:extLst>
-  </p:cSld>
-  <p:clrMapOvr>
-    <a:masterClrMapping/>
-  </p:clrMapOvr>
-</p:sld>
-</file>
-
-<file path=ppt/slides/slide11.xml><?xml version="1.0" encoding="utf-8"?>
-<p:sld xmlns:a="http://schemas.openxmlformats.org/drawingml/2006/main" xmlns:r="http://schemas.openxmlformats.org/officeDocument/2006/relationships" xmlns:p="http://schemas.openxmlformats.org/presentationml/2006/main">
-  <p:cSld>
-    <p:spTree>
-      <p:nvGrpSpPr>
-        <p:cNvPr id="1" name=""/>
-        <p:cNvGrpSpPr/>
-        <p:nvPr/>
-      </p:nvGrpSpPr>
-      <p:grpSpPr>
-        <a:xfrm>
-          <a:off x="0" y="0"/>
-          <a:ext cx="0" cy="0"/>
-          <a:chOff x="0" y="0"/>
-          <a:chExt cx="0" cy="0"/>
-        </a:xfrm>
-      </p:grpSpPr>
-      <p:sp>
-        <p:nvSpPr>
-          <p:cNvPr id="2" name="Başlık 1"/>
-          <p:cNvSpPr>
-            <a:spLocks noGrp="1"/>
-          </p:cNvSpPr>
-          <p:nvPr>
-            <p:ph type="title"/>
-          </p:nvPr>
-        </p:nvSpPr>
-        <p:spPr/>
-        <p:txBody>
-          <a:bodyPr/>
-          <a:lstStyle/>
-          <a:p>
-            <a:pPr algn="ctr"/>
-            <a:r>
-              <a:rPr lang="tr-TR" dirty="0" err="1" smtClean="0"/>
-              <a:t>What</a:t>
-            </a:r>
-            <a:r>
-              <a:rPr lang="tr-TR" dirty="0" smtClean="0"/>
-              <a:t> is </a:t>
-            </a:r>
-            <a:r>
-              <a:rPr lang="tr-TR" dirty="0" err="1" smtClean="0"/>
-              <a:t>left</a:t>
-            </a:r>
-            <a:r>
-              <a:rPr lang="tr-TR" dirty="0" smtClean="0"/>
-              <a:t>?</a:t>
-            </a:r>
-            <a:endParaRPr lang="tr-TR" dirty="0"/>
-          </a:p>
-        </p:txBody>
-      </p:sp>
-      <p:sp>
-        <p:nvSpPr>
-          <p:cNvPr id="3" name="İçerik Yer Tutucusu 2"/>
-          <p:cNvSpPr>
-            <a:spLocks noGrp="1"/>
-          </p:cNvSpPr>
-          <p:nvPr>
-            <p:ph idx="1"/>
-          </p:nvPr>
-        </p:nvSpPr>
-        <p:spPr>
-          <a:xfrm>
-            <a:off x="457200" y="2249424"/>
-            <a:ext cx="8229600" cy="1035560"/>
-          </a:xfrm>
-        </p:spPr>
-        <p:txBody>
-          <a:bodyPr/>
-          <a:lstStyle/>
-          <a:p>
-            <a:r>
-              <a:rPr lang="tr-TR" dirty="0" err="1" smtClean="0"/>
-              <a:t>Power-ups</a:t>
-            </a:r>
-            <a:r>
-              <a:rPr lang="tr-TR" dirty="0" smtClean="0"/>
-              <a:t> on </a:t>
-            </a:r>
-            <a:r>
-              <a:rPr lang="tr-TR" dirty="0" err="1" smtClean="0"/>
-              <a:t>the</a:t>
-            </a:r>
-            <a:r>
-              <a:rPr lang="tr-TR" dirty="0" smtClean="0"/>
-              <a:t> Game </a:t>
-            </a:r>
-            <a:r>
-              <a:rPr lang="tr-TR" dirty="0" err="1" smtClean="0"/>
-              <a:t>Screen</a:t>
-            </a:r>
-            <a:endParaRPr lang="tr-TR" dirty="0" smtClean="0"/>
-          </a:p>
-          <a:p>
-            <a:r>
-              <a:rPr lang="tr-TR" dirty="0" smtClean="0"/>
-              <a:t>Shop on </a:t>
-            </a:r>
-            <a:r>
-              <a:rPr lang="tr-TR" dirty="0" err="1" smtClean="0"/>
-              <a:t>the</a:t>
-            </a:r>
-            <a:r>
-              <a:rPr lang="tr-TR" dirty="0" smtClean="0"/>
-              <a:t> Upgrade </a:t>
-            </a:r>
-            <a:r>
-              <a:rPr lang="tr-TR" dirty="0" err="1" smtClean="0"/>
-              <a:t>Screen</a:t>
-            </a:r>
-            <a:endParaRPr lang="tr-TR" dirty="0" smtClean="0"/>
-          </a:p>
-          <a:p>
-            <a:endParaRPr lang="tr-TR" dirty="0"/>
-          </a:p>
-        </p:txBody>
-      </p:sp>
-    </p:spTree>
-    <p:extLst>
-      <p:ext uri="{BB962C8B-B14F-4D97-AF65-F5344CB8AC3E}">
-        <p14:creationId xmlns:p14="http://schemas.microsoft.com/office/powerpoint/2010/main" val="1088406347"/>
-      </p:ext>
-    </p:extLst>
   </p:cSld>
   <p:clrMapOvr>
     <a:masterClrMapping/>
@@ -4575,7 +4381,12 @@
             <p:ph type="title"/>
           </p:nvPr>
         </p:nvSpPr>
-        <p:spPr/>
+        <p:spPr>
+          <a:xfrm>
+            <a:off x="457200" y="836712"/>
+            <a:ext cx="8229600" cy="1066800"/>
+          </a:xfrm>
+        </p:spPr>
         <p:txBody>
           <a:bodyPr>
             <a:normAutofit/>
@@ -4588,15 +4399,11 @@
               </a:spcBef>
             </a:pPr>
             <a:r>
-              <a:rPr lang="en-US" sz="3600" b="1" dirty="0" smtClean="0"/>
+              <a:rPr lang="en-US" sz="3600" b="1" dirty="0"/>
               <a:t>Controls</a:t>
             </a:r>
-            <a:r>
-              <a:rPr lang="tr-TR" b="1" dirty="0" smtClean="0"/>
-              <a:t/>
-            </a:r>
             <a:br>
-              <a:rPr lang="tr-TR" b="1" dirty="0" smtClean="0"/>
+              <a:rPr lang="tr-TR" b="1" dirty="0"/>
             </a:br>
             <a:endParaRPr lang="tr-TR" dirty="0"/>
           </a:p>
@@ -4620,12 +4427,8 @@
           <a:lstStyle/>
           <a:p>
             <a:r>
-              <a:rPr lang="en-US" b="1" dirty="0" smtClean="0"/>
-              <a:t>W</a:t>
-            </a:r>
-            <a:r>
               <a:rPr lang="en-US" b="1" dirty="0"/>
-              <a:t>: </a:t>
+              <a:t>W: </a:t>
             </a:r>
             <a:r>
               <a:rPr lang="en-US" dirty="0"/>
@@ -4715,13 +4518,6 @@
   <p:clrMapOvr>
     <a:masterClrMapping/>
   </p:clrMapOvr>
-  <p:timing>
-    <p:tnLst>
-      <p:par>
-        <p:cTn id="1" dur="indefinite" restart="never" nodeType="tmRoot"/>
-      </p:par>
-    </p:tnLst>
-  </p:timing>
 </p:sld>
 </file>
 
@@ -4752,25 +4548,30 @@
             <p:ph type="title"/>
           </p:nvPr>
         </p:nvSpPr>
-        <p:spPr/>
+        <p:spPr>
+          <a:xfrm>
+            <a:off x="457199" y="908720"/>
+            <a:ext cx="8229600" cy="1066800"/>
+          </a:xfrm>
+        </p:spPr>
         <p:txBody>
           <a:bodyPr/>
           <a:lstStyle/>
           <a:p>
             <a:pPr algn="ctr"/>
             <a:r>
-              <a:rPr lang="tr-TR" dirty="0" err="1" smtClean="0"/>
+              <a:rPr lang="tr-TR" b="1" dirty="0" err="1"/>
               <a:t>Title</a:t>
             </a:r>
             <a:r>
-              <a:rPr lang="tr-TR" dirty="0" smtClean="0"/>
-              <a:t> </a:t>
-            </a:r>
-            <a:r>
-              <a:rPr lang="tr-TR" dirty="0" err="1" smtClean="0"/>
+              <a:rPr lang="tr-TR" b="1" dirty="0"/>
+              <a:t> </a:t>
+            </a:r>
+            <a:r>
+              <a:rPr lang="tr-TR" b="1" dirty="0" err="1"/>
               <a:t>Screen</a:t>
             </a:r>
-            <a:endParaRPr lang="tr-TR" dirty="0"/>
+            <a:endParaRPr lang="tr-TR" b="1" dirty="0"/>
           </a:p>
         </p:txBody>
       </p:sp>
@@ -4843,21 +4644,26 @@
             <p:ph type="title"/>
           </p:nvPr>
         </p:nvSpPr>
-        <p:spPr/>
+        <p:spPr>
+          <a:xfrm>
+            <a:off x="457199" y="836712"/>
+            <a:ext cx="8229600" cy="1066800"/>
+          </a:xfrm>
+        </p:spPr>
         <p:txBody>
           <a:bodyPr/>
           <a:lstStyle/>
           <a:p>
             <a:pPr algn="ctr"/>
             <a:r>
-              <a:rPr lang="tr-TR" dirty="0" smtClean="0"/>
+              <a:rPr lang="tr-TR" b="1" dirty="0"/>
               <a:t>Game </a:t>
             </a:r>
             <a:r>
-              <a:rPr lang="tr-TR" dirty="0" err="1" smtClean="0"/>
+              <a:rPr lang="tr-TR" b="1" dirty="0" err="1"/>
               <a:t>Screen</a:t>
             </a:r>
-            <a:endParaRPr lang="tr-TR" dirty="0"/>
+            <a:endParaRPr lang="tr-TR" b="1" dirty="0"/>
           </a:p>
         </p:txBody>
       </p:sp>
@@ -4930,21 +4736,30 @@
             <p:ph type="title"/>
           </p:nvPr>
         </p:nvSpPr>
-        <p:spPr/>
+        <p:spPr>
+          <a:xfrm>
+            <a:off x="457199" y="764704"/>
+            <a:ext cx="8229600" cy="1066800"/>
+          </a:xfrm>
+        </p:spPr>
         <p:txBody>
           <a:bodyPr/>
           <a:lstStyle/>
           <a:p>
             <a:pPr algn="ctr"/>
             <a:r>
-              <a:rPr lang="tr-TR" dirty="0" smtClean="0"/>
-              <a:t>Upgrade </a:t>
-            </a:r>
-            <a:r>
-              <a:rPr lang="tr-TR" dirty="0" err="1" smtClean="0"/>
+              <a:rPr lang="tr-TR" b="1" dirty="0" err="1"/>
+              <a:t>Pause</a:t>
+            </a:r>
+            <a:r>
+              <a:rPr lang="tr-TR" b="1" dirty="0"/>
+              <a:t> </a:t>
+            </a:r>
+            <a:r>
+              <a:rPr lang="tr-TR" b="1" dirty="0" err="1"/>
               <a:t>Screen</a:t>
             </a:r>
-            <a:endParaRPr lang="tr-TR" dirty="0"/>
+            <a:endParaRPr lang="tr-TR" b="1" dirty="0"/>
           </a:p>
         </p:txBody>
       </p:sp>
@@ -4980,7 +4795,7 @@
     </p:spTree>
     <p:extLst>
       <p:ext uri="{BB962C8B-B14F-4D97-AF65-F5344CB8AC3E}">
-        <p14:creationId xmlns:p14="http://schemas.microsoft.com/office/powerpoint/2010/main" val="2973612737"/>
+        <p14:creationId xmlns:p14="http://schemas.microsoft.com/office/powerpoint/2010/main" val="1583015578"/>
       </p:ext>
     </p:extLst>
   </p:cSld>
@@ -5017,25 +4832,34 @@
             <p:ph type="title"/>
           </p:nvPr>
         </p:nvSpPr>
-        <p:spPr/>
+        <p:spPr>
+          <a:xfrm>
+            <a:off x="457199" y="836712"/>
+            <a:ext cx="8229600" cy="1066800"/>
+          </a:xfrm>
+        </p:spPr>
         <p:txBody>
           <a:bodyPr/>
           <a:lstStyle/>
           <a:p>
             <a:pPr algn="ctr"/>
             <a:r>
-              <a:rPr lang="tr-TR" dirty="0" err="1" smtClean="0"/>
-              <a:t>Pause</a:t>
-            </a:r>
-            <a:r>
-              <a:rPr lang="tr-TR" dirty="0" smtClean="0"/>
-              <a:t> </a:t>
-            </a:r>
-            <a:r>
-              <a:rPr lang="tr-TR" dirty="0" err="1" smtClean="0"/>
+              <a:rPr lang="tr-TR" b="1" dirty="0"/>
+              <a:t>Game </a:t>
+            </a:r>
+            <a:r>
+              <a:rPr lang="tr-TR" b="1" dirty="0" err="1"/>
+              <a:t>Over</a:t>
+            </a:r>
+            <a:r>
+              <a:rPr lang="tr-TR" b="1" dirty="0"/>
+              <a:t> </a:t>
+            </a:r>
+            <a:r>
+              <a:rPr lang="tr-TR" b="1" dirty="0" err="1"/>
               <a:t>Screen</a:t>
             </a:r>
-            <a:endParaRPr lang="tr-TR" dirty="0"/>
+            <a:endParaRPr lang="tr-TR" b="1" dirty="0"/>
           </a:p>
         </p:txBody>
       </p:sp>
@@ -5071,7 +4895,7 @@
     </p:spTree>
     <p:extLst>
       <p:ext uri="{BB962C8B-B14F-4D97-AF65-F5344CB8AC3E}">
-        <p14:creationId xmlns:p14="http://schemas.microsoft.com/office/powerpoint/2010/main" val="1583015578"/>
+        <p14:creationId xmlns:p14="http://schemas.microsoft.com/office/powerpoint/2010/main" val="516529045"/>
       </p:ext>
     </p:extLst>
   </p:cSld>
@@ -5100,7 +4924,7 @@
       </p:grpSpPr>
       <p:sp>
         <p:nvSpPr>
-          <p:cNvPr id="2" name="Başlık 1"/>
+          <p:cNvPr id="2" name="1 Başlık"/>
           <p:cNvSpPr>
             <a:spLocks noGrp="1"/>
           </p:cNvSpPr>
@@ -5110,65 +4934,500 @@
         </p:nvSpPr>
         <p:spPr/>
         <p:txBody>
-          <a:bodyPr/>
+          <a:bodyPr>
+            <a:normAutofit/>
+          </a:bodyPr>
           <a:lstStyle/>
           <a:p>
             <a:pPr algn="ctr"/>
             <a:r>
-              <a:rPr lang="tr-TR" dirty="0" smtClean="0"/>
-              <a:t>Game </a:t>
-            </a:r>
-            <a:r>
-              <a:rPr lang="tr-TR" dirty="0" err="1" smtClean="0"/>
-              <a:t>Over</a:t>
-            </a:r>
-            <a:r>
-              <a:rPr lang="tr-TR" dirty="0" smtClean="0"/>
-              <a:t> </a:t>
-            </a:r>
-            <a:r>
-              <a:rPr lang="tr-TR" dirty="0" err="1" smtClean="0"/>
-              <a:t>Screen</a:t>
-            </a:r>
-            <a:endParaRPr lang="tr-TR" dirty="0"/>
-          </a:p>
-        </p:txBody>
-      </p:sp>
-      <p:pic>
-        <p:nvPicPr>
-          <p:cNvPr id="4" name="İçerik Yer Tutucusu 3"/>
-          <p:cNvPicPr>
-            <a:picLocks noGrp="1" noChangeAspect="1"/>
-          </p:cNvPicPr>
+              <a:rPr lang="tr-TR" sz="3600" b="1" dirty="0" err="1">
+                <a:solidFill>
+                  <a:schemeClr val="tx1"/>
+                </a:solidFill>
+              </a:rPr>
+              <a:t>What</a:t>
+            </a:r>
+            <a:r>
+              <a:rPr lang="tr-TR" sz="3600" b="1" dirty="0">
+                <a:solidFill>
+                  <a:schemeClr val="tx1"/>
+                </a:solidFill>
+              </a:rPr>
+              <a:t> is </a:t>
+            </a:r>
+            <a:r>
+              <a:rPr lang="tr-TR" sz="3600" b="1" dirty="0" err="1">
+                <a:solidFill>
+                  <a:schemeClr val="tx1"/>
+                </a:solidFill>
+              </a:rPr>
+              <a:t>different</a:t>
+            </a:r>
+            <a:r>
+              <a:rPr lang="tr-TR" sz="3600" b="1" dirty="0">
+                <a:solidFill>
+                  <a:schemeClr val="tx1"/>
+                </a:solidFill>
+              </a:rPr>
+              <a:t>?</a:t>
+            </a:r>
+            <a:endParaRPr lang="tr-TR" sz="3600" b="1" dirty="0">
+              <a:solidFill>
+                <a:schemeClr val="bg1"/>
+              </a:solidFill>
+            </a:endParaRPr>
+          </a:p>
+        </p:txBody>
+      </p:sp>
+      <p:sp>
+        <p:nvSpPr>
+          <p:cNvPr id="3" name="2 İçerik Yer Tutucusu"/>
+          <p:cNvSpPr>
+            <a:spLocks noGrp="1"/>
+          </p:cNvSpPr>
           <p:nvPr>
             <p:ph idx="1"/>
           </p:nvPr>
-        </p:nvPicPr>
-        <p:blipFill>
-          <a:blip r:embed="rId2" cstate="print">
-            <a:extLst>
-              <a:ext uri="{28A0092B-C50C-407E-A947-70E740481C1C}">
-                <a14:useLocalDpi xmlns:a14="http://schemas.microsoft.com/office/drawing/2010/main" val="0"/>
-              </a:ext>
-            </a:extLst>
-          </a:blip>
-          <a:stretch>
-            <a:fillRect/>
-          </a:stretch>
-        </p:blipFill>
+        </p:nvSpPr>
         <p:spPr>
           <a:xfrm>
-            <a:off x="728133" y="2249488"/>
-            <a:ext cx="7687733" cy="4324350"/>
-          </a:xfrm>
-        </p:spPr>
-      </p:pic>
+            <a:off x="457200" y="2500306"/>
+            <a:ext cx="8229600" cy="3672211"/>
+          </a:xfrm>
+        </p:spPr>
+        <p:txBody>
+          <a:bodyPr>
+            <a:noAutofit/>
+          </a:bodyPr>
+          <a:lstStyle/>
+          <a:p>
+            <a:r>
+              <a:rPr lang="en-US" sz="2400" dirty="0"/>
+              <a:t>Player </a:t>
+            </a:r>
+            <a:r>
+              <a:rPr lang="tr-TR" sz="2400" dirty="0" err="1"/>
+              <a:t>and</a:t>
+            </a:r>
+            <a:r>
+              <a:rPr lang="tr-TR" sz="2400" dirty="0"/>
+              <a:t> </a:t>
+            </a:r>
+            <a:r>
+              <a:rPr lang="tr-TR" sz="2400" dirty="0" err="1"/>
+              <a:t>GameMaster</a:t>
+            </a:r>
+            <a:r>
+              <a:rPr lang="tr-TR" sz="2400" dirty="0"/>
+              <a:t> </a:t>
+            </a:r>
+            <a:r>
+              <a:rPr lang="tr-TR" sz="2400" dirty="0" err="1"/>
+              <a:t>objects</a:t>
+            </a:r>
+            <a:r>
+              <a:rPr lang="tr-TR" sz="2400" dirty="0"/>
+              <a:t> </a:t>
+            </a:r>
+            <a:r>
+              <a:rPr lang="tr-TR" sz="2400" dirty="0" err="1"/>
+              <a:t>are</a:t>
+            </a:r>
+            <a:r>
+              <a:rPr lang="tr-TR" sz="2400" dirty="0"/>
+              <a:t> </a:t>
+            </a:r>
+            <a:r>
+              <a:rPr lang="en-US" sz="2400" dirty="0"/>
+              <a:t>now using the Singleton Pattern</a:t>
+            </a:r>
+            <a:r>
+              <a:rPr lang="tr-TR" sz="2400" dirty="0"/>
+              <a:t>.</a:t>
+            </a:r>
+          </a:p>
+          <a:p>
+            <a:r>
+              <a:rPr lang="tr-TR" sz="2400" dirty="0" err="1"/>
+              <a:t>Item</a:t>
+            </a:r>
+            <a:r>
+              <a:rPr lang="tr-TR" sz="2400" dirty="0"/>
+              <a:t> </a:t>
+            </a:r>
+            <a:r>
+              <a:rPr lang="tr-TR" sz="2400" dirty="0" err="1"/>
+              <a:t>hierarchy</a:t>
+            </a:r>
+            <a:r>
+              <a:rPr lang="tr-TR" sz="2400" dirty="0"/>
+              <a:t>(standart, </a:t>
+            </a:r>
+            <a:r>
+              <a:rPr lang="tr-TR" sz="2400" dirty="0" err="1"/>
+              <a:t>rare</a:t>
+            </a:r>
+            <a:r>
+              <a:rPr lang="tr-TR" sz="2400" dirty="0"/>
+              <a:t>, ultra-</a:t>
+            </a:r>
+            <a:r>
+              <a:rPr lang="tr-TR" sz="2400" dirty="0" err="1"/>
+              <a:t>rare</a:t>
+            </a:r>
+            <a:r>
+              <a:rPr lang="tr-TR" sz="2400" dirty="0"/>
+              <a:t>…) is </a:t>
+            </a:r>
+            <a:r>
+              <a:rPr lang="tr-TR" sz="2400" dirty="0" err="1"/>
+              <a:t>changed</a:t>
+            </a:r>
+            <a:r>
+              <a:rPr lang="tr-TR" sz="2400" dirty="0"/>
+              <a:t>. </a:t>
+            </a:r>
+            <a:r>
+              <a:rPr lang="tr-TR" sz="2400" dirty="0" err="1"/>
+              <a:t>Instead</a:t>
+            </a:r>
+            <a:r>
+              <a:rPr lang="tr-TR" sz="2400" dirty="0"/>
+              <a:t>, </a:t>
+            </a:r>
+            <a:r>
+              <a:rPr lang="tr-TR" sz="2400" dirty="0" err="1"/>
+              <a:t>integers</a:t>
+            </a:r>
+            <a:r>
+              <a:rPr lang="tr-TR" sz="2400" dirty="0"/>
+              <a:t> </a:t>
+            </a:r>
+            <a:r>
+              <a:rPr lang="tr-TR" sz="2400" dirty="0" err="1"/>
+              <a:t>indicate</a:t>
+            </a:r>
+            <a:r>
+              <a:rPr lang="tr-TR" sz="2400" dirty="0"/>
+              <a:t> </a:t>
+            </a:r>
+            <a:r>
+              <a:rPr lang="tr-TR" sz="2400" dirty="0" err="1"/>
+              <a:t>their</a:t>
+            </a:r>
+            <a:r>
+              <a:rPr lang="tr-TR" sz="2400" dirty="0"/>
+              <a:t>  </a:t>
+            </a:r>
+            <a:r>
+              <a:rPr lang="tr-TR" sz="2400" dirty="0" err="1"/>
+              <a:t>distribution</a:t>
+            </a:r>
+            <a:r>
+              <a:rPr lang="tr-TR" sz="2400" dirty="0"/>
+              <a:t> </a:t>
+            </a:r>
+            <a:r>
+              <a:rPr lang="tr-TR" sz="2400" dirty="0" err="1"/>
+              <a:t>rates</a:t>
+            </a:r>
+            <a:r>
+              <a:rPr lang="tr-TR" sz="2400" dirty="0"/>
+              <a:t>.</a:t>
+            </a:r>
+          </a:p>
+          <a:p>
+            <a:r>
+              <a:rPr lang="tr-TR" sz="2400" dirty="0" err="1"/>
+              <a:t>GameUIMaster</a:t>
+            </a:r>
+            <a:r>
+              <a:rPr lang="tr-TR" sz="2400" dirty="0"/>
+              <a:t> is  </a:t>
+            </a:r>
+            <a:r>
+              <a:rPr lang="tr-TR" sz="2400" dirty="0" err="1"/>
+              <a:t>removed</a:t>
+            </a:r>
+            <a:r>
+              <a:rPr lang="tr-TR" sz="2400" dirty="0"/>
+              <a:t>. </a:t>
+            </a:r>
+            <a:r>
+              <a:rPr lang="tr-TR" sz="2400" dirty="0" err="1"/>
+              <a:t>Instead</a:t>
+            </a:r>
+            <a:r>
+              <a:rPr lang="tr-TR" sz="2400" dirty="0"/>
+              <a:t> </a:t>
+            </a:r>
+            <a:r>
+              <a:rPr lang="tr-TR" sz="2400" dirty="0" err="1"/>
+              <a:t>attributes</a:t>
+            </a:r>
+            <a:r>
+              <a:rPr lang="tr-TR" sz="2400" dirty="0"/>
+              <a:t> </a:t>
+            </a:r>
+            <a:r>
+              <a:rPr lang="tr-TR" sz="2400" dirty="0" err="1"/>
+              <a:t>that</a:t>
+            </a:r>
+            <a:r>
+              <a:rPr lang="tr-TR" sz="2400" dirty="0"/>
+              <a:t> </a:t>
+            </a:r>
+            <a:r>
+              <a:rPr lang="tr-TR" sz="2400" dirty="0" err="1"/>
+              <a:t>related</a:t>
+            </a:r>
+            <a:r>
+              <a:rPr lang="tr-TR" sz="2400" dirty="0"/>
+              <a:t> </a:t>
+            </a:r>
+            <a:r>
+              <a:rPr lang="tr-TR" sz="2400" dirty="0" err="1"/>
+              <a:t>with</a:t>
+            </a:r>
+            <a:r>
+              <a:rPr lang="tr-TR" sz="2400" dirty="0"/>
+              <a:t> </a:t>
+            </a:r>
+            <a:r>
+              <a:rPr lang="tr-TR" sz="2400" dirty="0" err="1"/>
+              <a:t>the</a:t>
+            </a:r>
+            <a:r>
+              <a:rPr lang="tr-TR" sz="2400" dirty="0"/>
+              <a:t> UI is done </a:t>
+            </a:r>
+            <a:r>
+              <a:rPr lang="tr-TR" sz="2400" dirty="0" err="1"/>
+              <a:t>with</a:t>
+            </a:r>
+            <a:r>
+              <a:rPr lang="tr-TR" sz="2400" dirty="0"/>
+              <a:t> </a:t>
+            </a:r>
+            <a:r>
+              <a:rPr lang="tr-TR" sz="2400" dirty="0" err="1"/>
+              <a:t>observer</a:t>
+            </a:r>
+            <a:r>
+              <a:rPr lang="tr-TR" sz="2400" dirty="0"/>
+              <a:t> </a:t>
+            </a:r>
+            <a:r>
+              <a:rPr lang="tr-TR" sz="2400" dirty="0" err="1"/>
+              <a:t>pattern</a:t>
+            </a:r>
+            <a:r>
+              <a:rPr lang="tr-TR" sz="2400" dirty="0"/>
+              <a:t>.</a:t>
+            </a:r>
+          </a:p>
+          <a:p>
+            <a:r>
+              <a:rPr lang="tr-TR" sz="2400" dirty="0" err="1"/>
+              <a:t>Level</a:t>
+            </a:r>
+            <a:r>
+              <a:rPr lang="tr-TR" sz="2400" dirty="0"/>
+              <a:t> </a:t>
+            </a:r>
+            <a:r>
+              <a:rPr lang="tr-TR" sz="2400" dirty="0" err="1"/>
+              <a:t>generation</a:t>
+            </a:r>
+            <a:r>
+              <a:rPr lang="tr-TR" sz="2400" dirty="0"/>
+              <a:t> </a:t>
+            </a:r>
+            <a:r>
+              <a:rPr lang="tr-TR" sz="2400" dirty="0" err="1"/>
+              <a:t>with</a:t>
+            </a:r>
+            <a:r>
+              <a:rPr lang="tr-TR" sz="2400" dirty="0"/>
+              <a:t>  </a:t>
+            </a:r>
+            <a:r>
+              <a:rPr lang="tr-TR" sz="2400" dirty="0" err="1"/>
+              <a:t>text</a:t>
+            </a:r>
+            <a:r>
+              <a:rPr lang="tr-TR" sz="2400" dirty="0"/>
+              <a:t> file </a:t>
+            </a:r>
+            <a:r>
+              <a:rPr lang="tr-TR" sz="2400" dirty="0" err="1"/>
+              <a:t>specification</a:t>
+            </a:r>
+            <a:r>
+              <a:rPr lang="tr-TR" sz="2400" dirty="0"/>
+              <a:t> is </a:t>
+            </a:r>
+            <a:r>
+              <a:rPr lang="tr-TR" sz="2400" dirty="0" err="1"/>
+              <a:t>changed</a:t>
+            </a:r>
+            <a:r>
+              <a:rPr lang="tr-TR" sz="2400" dirty="0"/>
+              <a:t> </a:t>
+            </a:r>
+            <a:r>
+              <a:rPr lang="tr-TR" sz="2400" dirty="0" err="1"/>
+              <a:t>with</a:t>
+            </a:r>
+            <a:r>
+              <a:rPr lang="tr-TR" sz="2400" dirty="0"/>
+              <a:t> </a:t>
+            </a:r>
+            <a:r>
+              <a:rPr lang="tr-TR" sz="2400" dirty="0" err="1"/>
+              <a:t>complete</a:t>
+            </a:r>
+            <a:r>
+              <a:rPr lang="tr-TR" sz="2400" dirty="0"/>
+              <a:t> </a:t>
+            </a:r>
+            <a:r>
+              <a:rPr lang="tr-TR" sz="2400" dirty="0" err="1"/>
+              <a:t>random</a:t>
+            </a:r>
+            <a:r>
+              <a:rPr lang="tr-TR" sz="2400" dirty="0"/>
+              <a:t> </a:t>
+            </a:r>
+            <a:r>
+              <a:rPr lang="tr-TR" sz="2400" dirty="0" err="1"/>
+              <a:t>levels</a:t>
+            </a:r>
+            <a:r>
+              <a:rPr lang="tr-TR" sz="2400" dirty="0"/>
+              <a:t> </a:t>
+            </a:r>
+            <a:r>
+              <a:rPr lang="tr-TR" sz="2400" dirty="0" err="1"/>
+              <a:t>with</a:t>
+            </a:r>
+            <a:r>
+              <a:rPr lang="tr-TR" sz="2400" dirty="0"/>
+              <a:t> </a:t>
+            </a:r>
+            <a:r>
+              <a:rPr lang="tr-TR" sz="2400" dirty="0" err="1"/>
+              <a:t>increasing</a:t>
+            </a:r>
+            <a:r>
+              <a:rPr lang="tr-TR" sz="2400" dirty="0"/>
+              <a:t> </a:t>
+            </a:r>
+            <a:r>
+              <a:rPr lang="tr-TR" sz="2400" dirty="0" err="1"/>
+              <a:t>difficulty</a:t>
+            </a:r>
+            <a:r>
+              <a:rPr lang="tr-TR" sz="2400" dirty="0"/>
+              <a:t>.</a:t>
+            </a:r>
+          </a:p>
+          <a:p>
+            <a:r>
+              <a:rPr lang="tr-TR" sz="2400" dirty="0" err="1"/>
+              <a:t>GameMaster</a:t>
+            </a:r>
+            <a:r>
+              <a:rPr lang="tr-TR" sz="2400" dirty="0"/>
+              <a:t> </a:t>
+            </a:r>
+            <a:r>
+              <a:rPr lang="tr-TR" sz="2400" dirty="0" err="1"/>
+              <a:t>became</a:t>
+            </a:r>
+            <a:r>
+              <a:rPr lang="tr-TR" sz="2400" dirty="0"/>
+              <a:t> a </a:t>
+            </a:r>
+            <a:r>
+              <a:rPr lang="tr-TR" sz="2400" dirty="0" err="1"/>
+              <a:t>centralized</a:t>
+            </a:r>
+            <a:r>
+              <a:rPr lang="tr-TR" sz="2400" dirty="0"/>
+              <a:t> </a:t>
+            </a:r>
+            <a:r>
+              <a:rPr lang="tr-TR" sz="2400" dirty="0" err="1"/>
+              <a:t>control</a:t>
+            </a:r>
+            <a:r>
+              <a:rPr lang="tr-TR" sz="2400" dirty="0"/>
+              <a:t> </a:t>
+            </a:r>
+            <a:r>
+              <a:rPr lang="tr-TR" sz="2400" dirty="0" err="1"/>
+              <a:t>unit</a:t>
+            </a:r>
+            <a:r>
+              <a:rPr lang="tr-TR" sz="2400" dirty="0"/>
+              <a:t>.</a:t>
+            </a:r>
+          </a:p>
+          <a:p>
+            <a:r>
+              <a:rPr lang="tr-TR" sz="2400" dirty="0" err="1"/>
+              <a:t>Unused</a:t>
+            </a:r>
+            <a:r>
+              <a:rPr lang="tr-TR" sz="2400" dirty="0"/>
+              <a:t> </a:t>
+            </a:r>
+            <a:r>
+              <a:rPr lang="tr-TR" sz="2400" dirty="0" err="1"/>
+              <a:t>methods</a:t>
+            </a:r>
+            <a:r>
+              <a:rPr lang="tr-TR" sz="2400" dirty="0"/>
+              <a:t> </a:t>
+            </a:r>
+            <a:r>
+              <a:rPr lang="tr-TR" sz="2400" dirty="0" err="1"/>
+              <a:t>are</a:t>
+            </a:r>
+            <a:r>
+              <a:rPr lang="tr-TR" sz="2400" dirty="0"/>
+              <a:t> </a:t>
+            </a:r>
+            <a:r>
+              <a:rPr lang="tr-TR" sz="2400" dirty="0" err="1"/>
+              <a:t>removed</a:t>
+            </a:r>
+            <a:r>
+              <a:rPr lang="tr-TR" sz="2400" dirty="0"/>
+              <a:t> </a:t>
+            </a:r>
+            <a:r>
+              <a:rPr lang="tr-TR" sz="2400" dirty="0" err="1"/>
+              <a:t>from</a:t>
+            </a:r>
+            <a:r>
+              <a:rPr lang="tr-TR" sz="2400" dirty="0"/>
+              <a:t> </a:t>
+            </a:r>
+            <a:r>
+              <a:rPr lang="tr-TR" sz="2400" dirty="0" err="1"/>
+              <a:t>GameMaster</a:t>
+            </a:r>
+            <a:r>
+              <a:rPr lang="tr-TR" sz="2400" dirty="0"/>
+              <a:t>.</a:t>
+            </a:r>
+          </a:p>
+        </p:txBody>
+      </p:sp>
     </p:spTree>
-    <p:extLst>
-      <p:ext uri="{BB962C8B-B14F-4D97-AF65-F5344CB8AC3E}">
-        <p14:creationId xmlns:p14="http://schemas.microsoft.com/office/powerpoint/2010/main" val="516529045"/>
-      </p:ext>
-    </p:extLst>
   </p:cSld>
   <p:clrMapOvr>
     <a:masterClrMapping/>
@@ -5195,504 +5454,372 @@
       </p:grpSpPr>
       <p:sp>
         <p:nvSpPr>
-          <p:cNvPr id="2" name="1 Başlık"/>
-          <p:cNvSpPr>
-            <a:spLocks noGrp="1"/>
-          </p:cNvSpPr>
-          <p:nvPr>
-            <p:ph type="title"/>
-          </p:nvPr>
-        </p:nvSpPr>
-        <p:spPr/>
+          <p:cNvPr id="3" name="2 İçerik Yer Tutucusu"/>
+          <p:cNvSpPr>
+            <a:spLocks noGrp="1"/>
+          </p:cNvSpPr>
+          <p:nvPr>
+            <p:ph idx="1"/>
+          </p:nvPr>
+        </p:nvSpPr>
+        <p:spPr>
+          <a:xfrm>
+            <a:off x="457200" y="1614153"/>
+            <a:ext cx="8229600" cy="4119103"/>
+          </a:xfrm>
+        </p:spPr>
         <p:txBody>
           <a:bodyPr>
             <a:normAutofit/>
           </a:bodyPr>
           <a:lstStyle/>
           <a:p>
-            <a:pPr algn="ctr"/>
-            <a:r>
-              <a:rPr lang="tr-TR" sz="3600" b="1" dirty="0" err="1" smtClean="0">
-                <a:solidFill>
-                  <a:schemeClr val="tx1"/>
-                </a:solidFill>
-              </a:rPr>
-              <a:t>What</a:t>
-            </a:r>
-            <a:r>
-              <a:rPr lang="tr-TR" sz="3600" b="1" dirty="0" smtClean="0">
-                <a:solidFill>
-                  <a:schemeClr val="tx1"/>
-                </a:solidFill>
-              </a:rPr>
+            <a:r>
+              <a:rPr lang="tr-TR" dirty="0" err="1"/>
+              <a:t>GameMaster</a:t>
+            </a:r>
+            <a:r>
+              <a:rPr lang="tr-TR" dirty="0"/>
+              <a:t> no </a:t>
+            </a:r>
+            <a:r>
+              <a:rPr lang="tr-TR" dirty="0" err="1"/>
+              <a:t>longer</a:t>
+            </a:r>
+            <a:r>
+              <a:rPr lang="tr-TR" dirty="0"/>
+              <a:t> </a:t>
+            </a:r>
+            <a:r>
+              <a:rPr lang="tr-TR" dirty="0" err="1"/>
+              <a:t>extends</a:t>
+            </a:r>
+            <a:r>
+              <a:rPr lang="tr-TR" dirty="0"/>
+              <a:t> </a:t>
+            </a:r>
+            <a:r>
+              <a:rPr lang="tr-TR" dirty="0" err="1"/>
+              <a:t>the</a:t>
+            </a:r>
+            <a:r>
+              <a:rPr lang="tr-TR" dirty="0"/>
+              <a:t> </a:t>
+            </a:r>
+            <a:r>
+              <a:rPr lang="tr-TR" dirty="0" err="1"/>
+              <a:t>BasicGame</a:t>
+            </a:r>
+            <a:r>
+              <a:rPr lang="tr-TR" dirty="0"/>
+              <a:t>. </a:t>
+            </a:r>
+            <a:r>
+              <a:rPr lang="tr-TR" dirty="0" err="1"/>
+              <a:t>It</a:t>
+            </a:r>
+            <a:r>
+              <a:rPr lang="tr-TR" dirty="0"/>
+              <a:t> </a:t>
+            </a:r>
+            <a:r>
+              <a:rPr lang="tr-TR" dirty="0" err="1"/>
+              <a:t>implements</a:t>
+            </a:r>
+            <a:r>
+              <a:rPr lang="tr-TR" dirty="0"/>
+              <a:t> </a:t>
+            </a:r>
+            <a:r>
+              <a:rPr lang="tr-TR" dirty="0" err="1"/>
+              <a:t>the</a:t>
+            </a:r>
+            <a:r>
+              <a:rPr lang="tr-TR" dirty="0"/>
+              <a:t> </a:t>
+            </a:r>
+            <a:r>
+              <a:rPr lang="tr-TR" dirty="0" err="1"/>
+              <a:t>BasicGameState</a:t>
+            </a:r>
+            <a:r>
+              <a:rPr lang="tr-TR" dirty="0"/>
+              <a:t>.</a:t>
+            </a:r>
+          </a:p>
+          <a:p>
+            <a:r>
+              <a:rPr lang="tr-TR" dirty="0" err="1"/>
+              <a:t>Sound</a:t>
+            </a:r>
+            <a:r>
+              <a:rPr lang="tr-TR" dirty="0"/>
+              <a:t> </a:t>
+            </a:r>
+            <a:r>
+              <a:rPr lang="tr-TR" dirty="0" err="1"/>
+              <a:t>effects</a:t>
+            </a:r>
+            <a:r>
+              <a:rPr lang="tr-TR" dirty="0"/>
+              <a:t> </a:t>
+            </a:r>
+            <a:r>
+              <a:rPr lang="tr-TR" dirty="0" err="1"/>
+              <a:t>and</a:t>
+            </a:r>
+            <a:r>
+              <a:rPr lang="tr-TR" dirty="0"/>
+              <a:t> </a:t>
+            </a:r>
+            <a:r>
+              <a:rPr lang="tr-TR" dirty="0" err="1"/>
+              <a:t>music</a:t>
+            </a:r>
+            <a:r>
+              <a:rPr lang="tr-TR" dirty="0"/>
+              <a:t> </a:t>
+            </a:r>
+            <a:r>
+              <a:rPr lang="tr-TR" dirty="0" err="1"/>
+              <a:t>are</a:t>
+            </a:r>
+            <a:r>
+              <a:rPr lang="tr-TR" dirty="0"/>
+              <a:t> </a:t>
+            </a:r>
+            <a:r>
+              <a:rPr lang="tr-TR" dirty="0" err="1"/>
+              <a:t>added</a:t>
+            </a:r>
+            <a:r>
+              <a:rPr lang="tr-TR" dirty="0"/>
+              <a:t>.</a:t>
+            </a:r>
+          </a:p>
+          <a:p>
+            <a:r>
+              <a:rPr lang="tr-TR" dirty="0" err="1"/>
+              <a:t>Music</a:t>
+            </a:r>
+            <a:r>
+              <a:rPr lang="tr-TR" dirty="0"/>
+              <a:t> </a:t>
+            </a:r>
+            <a:r>
+              <a:rPr lang="tr-TR" dirty="0" err="1"/>
+              <a:t>that</a:t>
+            </a:r>
+            <a:r>
+              <a:rPr lang="tr-TR" dirty="0"/>
               <a:t> is </a:t>
             </a:r>
             <a:r>
-              <a:rPr lang="tr-TR" sz="3600" b="1" dirty="0" err="1" smtClean="0">
-                <a:solidFill>
-                  <a:schemeClr val="tx1"/>
-                </a:solidFill>
-              </a:rPr>
+              <a:rPr lang="tr-TR" dirty="0" err="1"/>
+              <a:t>played</a:t>
+            </a:r>
+            <a:r>
+              <a:rPr lang="tr-TR" dirty="0"/>
+              <a:t> in </a:t>
+            </a:r>
+            <a:r>
+              <a:rPr lang="tr-TR" dirty="0" err="1"/>
+              <a:t>the</a:t>
+            </a:r>
+            <a:r>
+              <a:rPr lang="tr-TR" dirty="0"/>
+              <a:t> </a:t>
+            </a:r>
+            <a:r>
+              <a:rPr lang="tr-TR" dirty="0" err="1"/>
+              <a:t>TittleMenu</a:t>
+            </a:r>
+            <a:r>
+              <a:rPr lang="tr-TR" dirty="0"/>
+              <a:t> </a:t>
+            </a:r>
+            <a:r>
+              <a:rPr lang="tr-TR" dirty="0" err="1"/>
+              <a:t>and</a:t>
+            </a:r>
+            <a:r>
+              <a:rPr lang="tr-TR" dirty="0"/>
+              <a:t> </a:t>
+            </a:r>
+            <a:r>
+              <a:rPr lang="tr-TR" dirty="0" err="1"/>
+              <a:t>game</a:t>
+            </a:r>
+            <a:r>
+              <a:rPr lang="tr-TR" dirty="0"/>
+              <a:t> </a:t>
+            </a:r>
+            <a:r>
+              <a:rPr lang="tr-TR" dirty="0" err="1"/>
+              <a:t>are</a:t>
+            </a:r>
+            <a:r>
+              <a:rPr lang="tr-TR" dirty="0"/>
+              <a:t> </a:t>
+            </a:r>
+            <a:r>
+              <a:rPr lang="tr-TR" dirty="0" err="1"/>
               <a:t>different</a:t>
             </a:r>
             <a:r>
-              <a:rPr lang="tr-TR" sz="3600" b="1" dirty="0" smtClean="0">
-                <a:solidFill>
-                  <a:schemeClr val="tx1"/>
-                </a:solidFill>
-              </a:rPr>
-              <a:t>?</a:t>
-            </a:r>
-            <a:endParaRPr lang="tr-TR" sz="3600" b="1" dirty="0">
-              <a:solidFill>
-                <a:schemeClr val="bg1"/>
-              </a:solidFill>
-            </a:endParaRPr>
-          </a:p>
-        </p:txBody>
-      </p:sp>
-      <p:sp>
-        <p:nvSpPr>
-          <p:cNvPr id="3" name="2 İçerik Yer Tutucusu"/>
-          <p:cNvSpPr>
-            <a:spLocks noGrp="1"/>
-          </p:cNvSpPr>
-          <p:nvPr>
-            <p:ph idx="1"/>
-          </p:nvPr>
-        </p:nvSpPr>
-        <p:spPr>
-          <a:xfrm>
-            <a:off x="457200" y="2500306"/>
-            <a:ext cx="8229600" cy="3672211"/>
-          </a:xfrm>
-        </p:spPr>
-        <p:txBody>
-          <a:bodyPr>
-            <a:noAutofit/>
-          </a:bodyPr>
-          <a:lstStyle/>
-          <a:p>
-            <a:r>
-              <a:rPr lang="en-US" sz="2400" dirty="0" smtClean="0"/>
-              <a:t>Player </a:t>
-            </a:r>
-            <a:r>
-              <a:rPr lang="tr-TR" sz="2400" dirty="0" err="1" smtClean="0"/>
-              <a:t>and</a:t>
-            </a:r>
-            <a:r>
-              <a:rPr lang="tr-TR" sz="2400" dirty="0" smtClean="0"/>
-              <a:t> </a:t>
-            </a:r>
-            <a:r>
-              <a:rPr lang="tr-TR" sz="2400" dirty="0" err="1" smtClean="0"/>
-              <a:t>GameMaster</a:t>
-            </a:r>
-            <a:r>
-              <a:rPr lang="tr-TR" sz="2400" dirty="0" smtClean="0"/>
-              <a:t> </a:t>
-            </a:r>
-            <a:r>
-              <a:rPr lang="tr-TR" sz="2400" dirty="0" err="1" smtClean="0"/>
-              <a:t>objects</a:t>
-            </a:r>
-            <a:r>
-              <a:rPr lang="tr-TR" sz="2400" dirty="0" smtClean="0"/>
-              <a:t> </a:t>
-            </a:r>
-            <a:r>
-              <a:rPr lang="tr-TR" sz="2400" dirty="0" err="1" smtClean="0"/>
+              <a:rPr lang="tr-TR" dirty="0"/>
+              <a:t>.</a:t>
+            </a:r>
+          </a:p>
+          <a:p>
+            <a:r>
+              <a:rPr lang="tr-TR" dirty="0" err="1"/>
+              <a:t>Some</a:t>
+            </a:r>
+            <a:r>
+              <a:rPr lang="tr-TR" dirty="0"/>
+              <a:t> </a:t>
+            </a:r>
+            <a:r>
+              <a:rPr lang="tr-TR" dirty="0" err="1"/>
+              <a:t>enemy’s</a:t>
+            </a:r>
+            <a:r>
+              <a:rPr lang="tr-TR" dirty="0"/>
+              <a:t> </a:t>
+            </a:r>
+            <a:r>
+              <a:rPr lang="tr-TR" dirty="0" err="1"/>
+              <a:t>behaviors</a:t>
+            </a:r>
+            <a:r>
+              <a:rPr lang="tr-TR" dirty="0"/>
+              <a:t> </a:t>
+            </a:r>
+            <a:r>
+              <a:rPr lang="tr-TR" dirty="0" err="1"/>
               <a:t>are</a:t>
             </a:r>
             <a:r>
-              <a:rPr lang="tr-TR" sz="2400" dirty="0" smtClean="0"/>
-              <a:t> </a:t>
-            </a:r>
-            <a:r>
-              <a:rPr lang="en-US" sz="2400" dirty="0" smtClean="0"/>
-              <a:t>now using the Singleton Pattern</a:t>
-            </a:r>
-            <a:r>
-              <a:rPr lang="tr-TR" sz="2400" dirty="0" smtClean="0"/>
+              <a:rPr lang="tr-TR" dirty="0"/>
+              <a:t> </a:t>
+            </a:r>
+            <a:r>
+              <a:rPr lang="tr-TR" dirty="0" err="1"/>
+              <a:t>changed</a:t>
+            </a:r>
+            <a:r>
+              <a:rPr lang="tr-TR" dirty="0"/>
               <a:t>.</a:t>
             </a:r>
           </a:p>
           <a:p>
             <a:r>
-              <a:rPr lang="tr-TR" sz="2400" dirty="0" err="1" smtClean="0"/>
-              <a:t>Item</a:t>
-            </a:r>
-            <a:r>
-              <a:rPr lang="tr-TR" sz="2400" dirty="0" smtClean="0"/>
-              <a:t> </a:t>
-            </a:r>
-            <a:r>
-              <a:rPr lang="tr-TR" sz="2400" dirty="0" err="1" smtClean="0"/>
-              <a:t>hierarchy</a:t>
-            </a:r>
-            <a:r>
-              <a:rPr lang="tr-TR" sz="2400" dirty="0" smtClean="0"/>
-              <a:t>(standart, </a:t>
-            </a:r>
-            <a:r>
-              <a:rPr lang="tr-TR" sz="2400" dirty="0" err="1" smtClean="0"/>
-              <a:t>rare</a:t>
-            </a:r>
-            <a:r>
-              <a:rPr lang="tr-TR" sz="2400" dirty="0" smtClean="0"/>
-              <a:t>, ultra-</a:t>
-            </a:r>
-            <a:r>
-              <a:rPr lang="tr-TR" sz="2400" dirty="0" err="1" smtClean="0"/>
-              <a:t>rare</a:t>
-            </a:r>
-            <a:r>
-              <a:rPr lang="tr-TR" sz="2400" dirty="0" smtClean="0"/>
-              <a:t>…) is </a:t>
-            </a:r>
-            <a:r>
-              <a:rPr lang="tr-TR" sz="2400" dirty="0" err="1" smtClean="0"/>
-              <a:t>changed</a:t>
-            </a:r>
-            <a:r>
-              <a:rPr lang="tr-TR" sz="2400" dirty="0" smtClean="0"/>
+              <a:rPr lang="tr-TR" dirty="0"/>
+              <a:t>Time bar of </a:t>
+            </a:r>
+            <a:r>
+              <a:rPr lang="tr-TR" dirty="0" err="1"/>
+              <a:t>the</a:t>
+            </a:r>
+            <a:r>
+              <a:rPr lang="tr-TR" dirty="0"/>
+              <a:t> </a:t>
+            </a:r>
+            <a:r>
+              <a:rPr lang="tr-TR" dirty="0" err="1"/>
+              <a:t>player</a:t>
+            </a:r>
+            <a:r>
+              <a:rPr lang="tr-TR" dirty="0"/>
+              <a:t> no </a:t>
+            </a:r>
+            <a:r>
+              <a:rPr lang="tr-TR" dirty="0" err="1"/>
+              <a:t>longer</a:t>
+            </a:r>
+            <a:r>
+              <a:rPr lang="tr-TR" dirty="0"/>
+              <a:t>  </a:t>
+            </a:r>
+            <a:r>
+              <a:rPr lang="tr-TR" dirty="0" err="1"/>
+              <a:t>decreases</a:t>
+            </a:r>
+            <a:r>
+              <a:rPr lang="tr-TR" dirty="0"/>
+              <a:t> </a:t>
+            </a:r>
+            <a:r>
+              <a:rPr lang="tr-TR" dirty="0" err="1"/>
+              <a:t>while</a:t>
+            </a:r>
+            <a:r>
+              <a:rPr lang="tr-TR" dirty="0"/>
+              <a:t> time </a:t>
+            </a:r>
+            <a:r>
+              <a:rPr lang="tr-TR" dirty="0" err="1"/>
+              <a:t>passes</a:t>
+            </a:r>
+            <a:r>
+              <a:rPr lang="tr-TR" dirty="0"/>
               <a:t>. </a:t>
             </a:r>
             <a:r>
-              <a:rPr lang="tr-TR" sz="2400" dirty="0" err="1" smtClean="0"/>
+              <a:rPr lang="tr-TR" dirty="0" err="1"/>
               <a:t>Instead</a:t>
             </a:r>
             <a:r>
-              <a:rPr lang="tr-TR" sz="2400" dirty="0" smtClean="0"/>
-              <a:t>, </a:t>
-            </a:r>
-            <a:r>
-              <a:rPr lang="tr-TR" sz="2400" dirty="0" err="1" smtClean="0"/>
-              <a:t>integers</a:t>
-            </a:r>
-            <a:r>
-              <a:rPr lang="tr-TR" sz="2400" dirty="0" smtClean="0"/>
-              <a:t> </a:t>
-            </a:r>
-            <a:r>
-              <a:rPr lang="tr-TR" sz="2400" dirty="0" err="1" smtClean="0"/>
-              <a:t>indicate</a:t>
-            </a:r>
-            <a:r>
-              <a:rPr lang="tr-TR" sz="2400" dirty="0" smtClean="0"/>
-              <a:t> </a:t>
-            </a:r>
-            <a:r>
-              <a:rPr lang="tr-TR" sz="2400" dirty="0" err="1" smtClean="0"/>
-              <a:t>their</a:t>
-            </a:r>
-            <a:r>
-              <a:rPr lang="tr-TR" sz="2400" dirty="0" smtClean="0"/>
+              <a:rPr lang="tr-TR" dirty="0"/>
+              <a:t> it </a:t>
+            </a:r>
+            <a:r>
+              <a:rPr lang="tr-TR" dirty="0" err="1"/>
+              <a:t>decreases</a:t>
+            </a:r>
+            <a:r>
+              <a:rPr lang="tr-TR" dirty="0"/>
               <a:t>  </a:t>
             </a:r>
             <a:r>
-              <a:rPr lang="tr-TR" sz="2400" dirty="0" err="1" smtClean="0"/>
-              <a:t>distribution</a:t>
-            </a:r>
-            <a:r>
-              <a:rPr lang="tr-TR" sz="2400" dirty="0" smtClean="0"/>
-              <a:t> </a:t>
-            </a:r>
-            <a:r>
-              <a:rPr lang="tr-TR" sz="2400" dirty="0" err="1" smtClean="0"/>
-              <a:t>rates</a:t>
-            </a:r>
-            <a:r>
-              <a:rPr lang="tr-TR" sz="2400" dirty="0" smtClean="0"/>
-              <a:t>.</a:t>
-            </a:r>
-          </a:p>
-          <a:p>
-            <a:r>
-              <a:rPr lang="tr-TR" sz="2400" dirty="0" err="1" smtClean="0"/>
-              <a:t>GameUIMaster</a:t>
-            </a:r>
-            <a:r>
-              <a:rPr lang="tr-TR" sz="2400" dirty="0" smtClean="0"/>
-              <a:t> is  </a:t>
-            </a:r>
-            <a:r>
-              <a:rPr lang="tr-TR" sz="2400" dirty="0" err="1" smtClean="0"/>
-              <a:t>removed</a:t>
-            </a:r>
-            <a:r>
-              <a:rPr lang="tr-TR" sz="2400" dirty="0" smtClean="0"/>
-              <a:t>. </a:t>
-            </a:r>
-            <a:r>
-              <a:rPr lang="tr-TR" sz="2400" dirty="0" err="1" smtClean="0"/>
-              <a:t>Instead</a:t>
-            </a:r>
-            <a:r>
-              <a:rPr lang="tr-TR" sz="2400" dirty="0" smtClean="0"/>
-              <a:t> </a:t>
-            </a:r>
-            <a:r>
-              <a:rPr lang="tr-TR" sz="2400" dirty="0" err="1" smtClean="0"/>
-              <a:t>attributes</a:t>
-            </a:r>
-            <a:r>
-              <a:rPr lang="tr-TR" sz="2400" dirty="0" smtClean="0"/>
-              <a:t> </a:t>
-            </a:r>
-            <a:r>
-              <a:rPr lang="tr-TR" sz="2400" dirty="0" err="1" smtClean="0"/>
-              <a:t>that</a:t>
-            </a:r>
-            <a:r>
-              <a:rPr lang="tr-TR" sz="2400" dirty="0" smtClean="0"/>
-              <a:t> </a:t>
-            </a:r>
-            <a:r>
-              <a:rPr lang="tr-TR" sz="2400" dirty="0" err="1" smtClean="0"/>
-              <a:t>related</a:t>
-            </a:r>
-            <a:r>
-              <a:rPr lang="tr-TR" sz="2400" dirty="0" smtClean="0"/>
-              <a:t> </a:t>
-            </a:r>
-            <a:r>
-              <a:rPr lang="tr-TR" sz="2400" dirty="0" err="1" smtClean="0"/>
-              <a:t>with</a:t>
-            </a:r>
-            <a:r>
-              <a:rPr lang="tr-TR" sz="2400" dirty="0" smtClean="0"/>
-              <a:t> </a:t>
-            </a:r>
-            <a:r>
-              <a:rPr lang="tr-TR" sz="2400" dirty="0" err="1" smtClean="0"/>
-              <a:t>the</a:t>
-            </a:r>
-            <a:r>
-              <a:rPr lang="tr-TR" sz="2400" dirty="0" smtClean="0"/>
-              <a:t> UI is done </a:t>
-            </a:r>
-            <a:r>
-              <a:rPr lang="tr-TR" sz="2400" dirty="0" err="1" smtClean="0"/>
-              <a:t>with</a:t>
-            </a:r>
-            <a:r>
-              <a:rPr lang="tr-TR" sz="2400" dirty="0" smtClean="0"/>
-              <a:t> </a:t>
-            </a:r>
-            <a:r>
-              <a:rPr lang="tr-TR" sz="2400" dirty="0" err="1" smtClean="0"/>
-              <a:t>observer</a:t>
-            </a:r>
-            <a:r>
-              <a:rPr lang="tr-TR" sz="2400" dirty="0" smtClean="0"/>
-              <a:t> </a:t>
-            </a:r>
-            <a:r>
-              <a:rPr lang="tr-TR" sz="2400" dirty="0" err="1" smtClean="0"/>
-              <a:t>pattern</a:t>
-            </a:r>
-            <a:r>
-              <a:rPr lang="tr-TR" sz="2400" dirty="0" smtClean="0"/>
-              <a:t>.</a:t>
-            </a:r>
-          </a:p>
-          <a:p>
-            <a:r>
-              <a:rPr lang="tr-TR" sz="2400" dirty="0" err="1" smtClean="0"/>
-              <a:t>Level</a:t>
-            </a:r>
-            <a:r>
-              <a:rPr lang="tr-TR" sz="2400" dirty="0" smtClean="0"/>
-              <a:t> </a:t>
-            </a:r>
-            <a:r>
-              <a:rPr lang="tr-TR" sz="2400" dirty="0" err="1" smtClean="0"/>
-              <a:t>generation</a:t>
-            </a:r>
-            <a:r>
-              <a:rPr lang="tr-TR" sz="2400" dirty="0" smtClean="0"/>
-              <a:t> </a:t>
-            </a:r>
-            <a:r>
-              <a:rPr lang="tr-TR" sz="2400" dirty="0" err="1" smtClean="0"/>
-              <a:t>with</a:t>
-            </a:r>
-            <a:r>
-              <a:rPr lang="tr-TR" sz="2400" dirty="0" smtClean="0"/>
-              <a:t>  </a:t>
-            </a:r>
-            <a:r>
-              <a:rPr lang="tr-TR" sz="2400" dirty="0" err="1" smtClean="0"/>
-              <a:t>text</a:t>
-            </a:r>
-            <a:r>
-              <a:rPr lang="tr-TR" sz="2400" dirty="0" smtClean="0"/>
-              <a:t> file </a:t>
-            </a:r>
-            <a:r>
-              <a:rPr lang="tr-TR" sz="2400" dirty="0" err="1" smtClean="0"/>
-              <a:t>specification</a:t>
-            </a:r>
-            <a:r>
-              <a:rPr lang="tr-TR" sz="2400" dirty="0" smtClean="0"/>
-              <a:t> is </a:t>
-            </a:r>
-            <a:r>
-              <a:rPr lang="tr-TR" sz="2400" dirty="0" err="1" smtClean="0"/>
-              <a:t>changed</a:t>
-            </a:r>
-            <a:r>
-              <a:rPr lang="tr-TR" sz="2400" dirty="0" smtClean="0"/>
-              <a:t> </a:t>
-            </a:r>
-            <a:r>
-              <a:rPr lang="tr-TR" sz="2400" dirty="0" err="1" smtClean="0"/>
-              <a:t>with</a:t>
-            </a:r>
-            <a:r>
-              <a:rPr lang="tr-TR" sz="2400" dirty="0" smtClean="0"/>
-              <a:t> </a:t>
-            </a:r>
-            <a:r>
-              <a:rPr lang="tr-TR" sz="2400" dirty="0" err="1" smtClean="0"/>
-              <a:t>complete</a:t>
-            </a:r>
-            <a:r>
-              <a:rPr lang="tr-TR" sz="2400" dirty="0" smtClean="0"/>
-              <a:t> </a:t>
-            </a:r>
-            <a:r>
-              <a:rPr lang="tr-TR" sz="2400" dirty="0" err="1" smtClean="0"/>
-              <a:t>random</a:t>
-            </a:r>
-            <a:r>
-              <a:rPr lang="tr-TR" sz="2400" dirty="0" smtClean="0"/>
-              <a:t> </a:t>
-            </a:r>
-            <a:r>
-              <a:rPr lang="tr-TR" sz="2400" dirty="0" err="1" smtClean="0"/>
-              <a:t>levels</a:t>
-            </a:r>
-            <a:r>
-              <a:rPr lang="tr-TR" sz="2400" dirty="0" smtClean="0"/>
-              <a:t> </a:t>
-            </a:r>
-            <a:r>
-              <a:rPr lang="tr-TR" sz="2400" dirty="0" err="1" smtClean="0"/>
-              <a:t>with</a:t>
-            </a:r>
-            <a:r>
-              <a:rPr lang="tr-TR" sz="2400" dirty="0" smtClean="0"/>
-              <a:t> </a:t>
-            </a:r>
-            <a:r>
-              <a:rPr lang="tr-TR" sz="2400" dirty="0" err="1" smtClean="0"/>
-              <a:t>increasing</a:t>
-            </a:r>
-            <a:r>
-              <a:rPr lang="tr-TR" sz="2400" dirty="0" smtClean="0"/>
-              <a:t> </a:t>
-            </a:r>
-            <a:r>
-              <a:rPr lang="tr-TR" sz="2400" dirty="0" err="1" smtClean="0"/>
-              <a:t>difficulty</a:t>
-            </a:r>
-            <a:r>
-              <a:rPr lang="tr-TR" sz="2400" dirty="0" smtClean="0"/>
-              <a:t>.</a:t>
-            </a:r>
-          </a:p>
-          <a:p>
-            <a:r>
-              <a:rPr lang="tr-TR" sz="2400" dirty="0" err="1" smtClean="0"/>
-              <a:t>GameMaster</a:t>
-            </a:r>
-            <a:r>
-              <a:rPr lang="tr-TR" sz="2400" dirty="0" smtClean="0"/>
-              <a:t> </a:t>
-            </a:r>
-            <a:r>
-              <a:rPr lang="tr-TR" sz="2400" dirty="0" err="1" smtClean="0"/>
-              <a:t>became</a:t>
-            </a:r>
-            <a:r>
-              <a:rPr lang="tr-TR" sz="2400" dirty="0" smtClean="0"/>
-              <a:t> a </a:t>
-            </a:r>
-            <a:r>
-              <a:rPr lang="tr-TR" sz="2400" dirty="0" err="1" smtClean="0"/>
-              <a:t>centralized</a:t>
-            </a:r>
-            <a:r>
-              <a:rPr lang="tr-TR" sz="2400" dirty="0" smtClean="0"/>
-              <a:t> </a:t>
-            </a:r>
-            <a:r>
-              <a:rPr lang="tr-TR" sz="2400" dirty="0" err="1" smtClean="0"/>
-              <a:t>control</a:t>
-            </a:r>
-            <a:r>
-              <a:rPr lang="tr-TR" sz="2400" dirty="0" smtClean="0"/>
-              <a:t> </a:t>
-            </a:r>
-            <a:r>
-              <a:rPr lang="tr-TR" sz="2400" dirty="0" err="1" smtClean="0"/>
-              <a:t>unit</a:t>
-            </a:r>
-            <a:r>
-              <a:rPr lang="tr-TR" sz="2400" dirty="0" smtClean="0"/>
-              <a:t>.</a:t>
-            </a:r>
-          </a:p>
-          <a:p>
-            <a:r>
-              <a:rPr lang="tr-TR" sz="2400" dirty="0" err="1" smtClean="0"/>
-              <a:t>Unused</a:t>
-            </a:r>
-            <a:r>
-              <a:rPr lang="tr-TR" sz="2400" dirty="0" smtClean="0"/>
-              <a:t> </a:t>
-            </a:r>
-            <a:r>
-              <a:rPr lang="tr-TR" sz="2400" dirty="0" err="1" smtClean="0"/>
-              <a:t>methods</a:t>
-            </a:r>
-            <a:r>
-              <a:rPr lang="tr-TR" sz="2400" dirty="0" smtClean="0"/>
-              <a:t> </a:t>
-            </a:r>
-            <a:r>
-              <a:rPr lang="tr-TR" sz="2400" dirty="0" err="1" smtClean="0"/>
-              <a:t>are</a:t>
-            </a:r>
-            <a:r>
-              <a:rPr lang="tr-TR" sz="2400" dirty="0" smtClean="0"/>
-              <a:t> </a:t>
-            </a:r>
-            <a:r>
-              <a:rPr lang="tr-TR" sz="2400" dirty="0" err="1" smtClean="0"/>
-              <a:t>removed</a:t>
-            </a:r>
-            <a:r>
-              <a:rPr lang="tr-TR" sz="2400" dirty="0" smtClean="0"/>
-              <a:t> </a:t>
-            </a:r>
-            <a:r>
-              <a:rPr lang="tr-TR" sz="2400" dirty="0" err="1" smtClean="0"/>
-              <a:t>from</a:t>
-            </a:r>
-            <a:r>
-              <a:rPr lang="tr-TR" sz="2400" dirty="0" smtClean="0"/>
-              <a:t> </a:t>
-            </a:r>
-            <a:r>
-              <a:rPr lang="tr-TR" sz="2400" dirty="0" err="1" smtClean="0"/>
-              <a:t>GameMaster</a:t>
-            </a:r>
-            <a:r>
-              <a:rPr lang="tr-TR" sz="2400" dirty="0" smtClean="0"/>
+              <a:rPr lang="tr-TR" dirty="0" err="1"/>
+              <a:t>when</a:t>
+            </a:r>
+            <a:r>
+              <a:rPr lang="tr-TR" dirty="0"/>
+              <a:t> </a:t>
+            </a:r>
+            <a:r>
+              <a:rPr lang="tr-TR" dirty="0" err="1"/>
+              <a:t>player</a:t>
+            </a:r>
+            <a:r>
+              <a:rPr lang="tr-TR" dirty="0"/>
+              <a:t> </a:t>
+            </a:r>
+            <a:r>
+              <a:rPr lang="tr-TR" dirty="0" err="1"/>
+              <a:t>takes</a:t>
+            </a:r>
+            <a:r>
+              <a:rPr lang="tr-TR" dirty="0"/>
+              <a:t> </a:t>
+            </a:r>
+            <a:r>
+              <a:rPr lang="tr-TR" dirty="0" err="1"/>
+              <a:t>damage</a:t>
+            </a:r>
+            <a:r>
+              <a:rPr lang="tr-TR" dirty="0"/>
+              <a:t> </a:t>
+            </a:r>
+            <a:r>
+              <a:rPr lang="tr-TR" dirty="0" err="1"/>
+              <a:t>only</a:t>
+            </a:r>
+            <a:r>
+              <a:rPr lang="tr-TR" dirty="0"/>
               <a:t>.</a:t>
             </a:r>
           </a:p>
@@ -5703,13 +5830,6 @@
   <p:clrMapOvr>
     <a:masterClrMapping/>
   </p:clrMapOvr>
-  <p:timing>
-    <p:tnLst>
-      <p:par>
-        <p:cTn id="1" dur="indefinite" restart="never" nodeType="tmRoot"/>
-      </p:par>
-    </p:tnLst>
-  </p:timing>
 </p:sld>
 </file>
 
@@ -5732,7 +5852,42 @@
       </p:grpSpPr>
       <p:sp>
         <p:nvSpPr>
-          <p:cNvPr id="3" name="2 İçerik Yer Tutucusu"/>
+          <p:cNvPr id="2" name="Başlık 1"/>
+          <p:cNvSpPr>
+            <a:spLocks noGrp="1"/>
+          </p:cNvSpPr>
+          <p:nvPr>
+            <p:ph type="title"/>
+          </p:nvPr>
+        </p:nvSpPr>
+        <p:spPr/>
+        <p:txBody>
+          <a:bodyPr/>
+          <a:lstStyle/>
+          <a:p>
+            <a:pPr algn="ctr"/>
+            <a:r>
+              <a:rPr lang="tr-TR" dirty="0" err="1"/>
+              <a:t>What</a:t>
+            </a:r>
+            <a:r>
+              <a:rPr lang="tr-TR" dirty="0"/>
+              <a:t> is </a:t>
+            </a:r>
+            <a:r>
+              <a:rPr lang="tr-TR" dirty="0" err="1"/>
+              <a:t>left</a:t>
+            </a:r>
+            <a:r>
+              <a:rPr lang="tr-TR" dirty="0"/>
+              <a:t>?</a:t>
+            </a:r>
+          </a:p>
+        </p:txBody>
+      </p:sp>
+      <p:sp>
+        <p:nvSpPr>
+          <p:cNvPr id="3" name="İçerik Yer Tutucusu 2"/>
           <p:cNvSpPr>
             <a:spLocks noGrp="1"/>
           </p:cNvSpPr>
@@ -5742,368 +5897,66 @@
         </p:nvSpPr>
         <p:spPr>
           <a:xfrm>
-            <a:off x="457200" y="1614153"/>
-            <a:ext cx="8229600" cy="4119103"/>
-          </a:xfrm>
-        </p:spPr>
-        <p:txBody>
-          <a:bodyPr>
-            <a:normAutofit/>
-          </a:bodyPr>
-          <a:lstStyle/>
-          <a:p>
-            <a:r>
-              <a:rPr lang="tr-TR" dirty="0" err="1" smtClean="0"/>
-              <a:t>GameMaster</a:t>
-            </a:r>
-            <a:r>
-              <a:rPr lang="tr-TR" dirty="0" smtClean="0"/>
-              <a:t> no </a:t>
-            </a:r>
-            <a:r>
-              <a:rPr lang="tr-TR" dirty="0" err="1" smtClean="0"/>
-              <a:t>longer</a:t>
-            </a:r>
-            <a:r>
-              <a:rPr lang="tr-TR" dirty="0" smtClean="0"/>
-              <a:t> </a:t>
-            </a:r>
-            <a:r>
-              <a:rPr lang="tr-TR" dirty="0" err="1" smtClean="0"/>
-              <a:t>extends</a:t>
-            </a:r>
-            <a:r>
-              <a:rPr lang="tr-TR" dirty="0" smtClean="0"/>
-              <a:t> </a:t>
-            </a:r>
-            <a:r>
-              <a:rPr lang="tr-TR" dirty="0" err="1" smtClean="0"/>
+            <a:off x="457200" y="2249424"/>
+            <a:ext cx="8229600" cy="1035560"/>
+          </a:xfrm>
+        </p:spPr>
+        <p:txBody>
+          <a:bodyPr/>
+          <a:lstStyle/>
+          <a:p>
+            <a:r>
+              <a:rPr lang="tr-TR" dirty="0" err="1"/>
+              <a:t>Power-ups</a:t>
+            </a:r>
+            <a:r>
+              <a:rPr lang="tr-TR" dirty="0"/>
+              <a:t> on </a:t>
+            </a:r>
+            <a:r>
+              <a:rPr lang="tr-TR" dirty="0" err="1"/>
               <a:t>the</a:t>
             </a:r>
             <a:r>
-              <a:rPr lang="tr-TR" dirty="0" smtClean="0"/>
-              <a:t> </a:t>
-            </a:r>
-            <a:r>
-              <a:rPr lang="tr-TR" dirty="0" err="1" smtClean="0"/>
-              <a:t>BasicGame</a:t>
-            </a:r>
-            <a:r>
-              <a:rPr lang="tr-TR" dirty="0" smtClean="0"/>
-              <a:t>. </a:t>
-            </a:r>
-            <a:r>
-              <a:rPr lang="tr-TR" dirty="0" err="1" smtClean="0"/>
-              <a:t>It</a:t>
-            </a:r>
-            <a:r>
-              <a:rPr lang="tr-TR" dirty="0" smtClean="0"/>
-              <a:t> </a:t>
-            </a:r>
-            <a:r>
-              <a:rPr lang="tr-TR" dirty="0" err="1" smtClean="0"/>
-              <a:t>implements</a:t>
-            </a:r>
-            <a:r>
-              <a:rPr lang="tr-TR" dirty="0" smtClean="0"/>
-              <a:t> </a:t>
-            </a:r>
-            <a:r>
-              <a:rPr lang="tr-TR" dirty="0" err="1" smtClean="0"/>
+              <a:rPr lang="tr-TR" dirty="0"/>
+              <a:t> Game </a:t>
+            </a:r>
+            <a:r>
+              <a:rPr lang="tr-TR" dirty="0" err="1"/>
+              <a:t>Screen</a:t>
+            </a:r>
+            <a:endParaRPr lang="tr-TR" dirty="0"/>
+          </a:p>
+          <a:p>
+            <a:r>
+              <a:rPr lang="tr-TR" dirty="0"/>
+              <a:t>Shop on </a:t>
+            </a:r>
+            <a:r>
+              <a:rPr lang="tr-TR" dirty="0" err="1"/>
               <a:t>the</a:t>
             </a:r>
             <a:r>
-              <a:rPr lang="tr-TR" dirty="0" smtClean="0"/>
-              <a:t> </a:t>
-            </a:r>
-            <a:r>
-              <a:rPr lang="tr-TR" dirty="0" err="1" smtClean="0"/>
-              <a:t>BasicGameState</a:t>
-            </a:r>
-            <a:r>
-              <a:rPr lang="tr-TR" dirty="0" smtClean="0"/>
-              <a:t>.</a:t>
-            </a:r>
-          </a:p>
-          <a:p>
-            <a:r>
-              <a:rPr lang="tr-TR" dirty="0" err="1" smtClean="0"/>
-              <a:t>Sound</a:t>
-            </a:r>
-            <a:r>
-              <a:rPr lang="tr-TR" dirty="0" smtClean="0"/>
-              <a:t> </a:t>
-            </a:r>
-            <a:r>
-              <a:rPr lang="tr-TR" dirty="0" err="1" smtClean="0"/>
-              <a:t>effects</a:t>
-            </a:r>
-            <a:r>
-              <a:rPr lang="tr-TR" dirty="0" smtClean="0"/>
-              <a:t> </a:t>
-            </a:r>
-            <a:r>
-              <a:rPr lang="tr-TR" dirty="0" err="1" smtClean="0"/>
-              <a:t>and</a:t>
-            </a:r>
-            <a:r>
-              <a:rPr lang="tr-TR" dirty="0" smtClean="0"/>
-              <a:t> </a:t>
-            </a:r>
-            <a:r>
-              <a:rPr lang="tr-TR" dirty="0" err="1" smtClean="0"/>
-              <a:t>music</a:t>
-            </a:r>
-            <a:r>
-              <a:rPr lang="tr-TR" dirty="0" smtClean="0"/>
-              <a:t> </a:t>
-            </a:r>
-            <a:r>
-              <a:rPr lang="tr-TR" dirty="0" err="1" smtClean="0"/>
-              <a:t>are</a:t>
-            </a:r>
-            <a:r>
-              <a:rPr lang="tr-TR" dirty="0" smtClean="0"/>
-              <a:t> </a:t>
-            </a:r>
-            <a:r>
-              <a:rPr lang="tr-TR" dirty="0" err="1" smtClean="0"/>
-              <a:t>added</a:t>
-            </a:r>
-            <a:r>
-              <a:rPr lang="tr-TR" dirty="0" smtClean="0"/>
-              <a:t>.</a:t>
-            </a:r>
-          </a:p>
-          <a:p>
-            <a:r>
-              <a:rPr lang="tr-TR" dirty="0" err="1" smtClean="0"/>
-              <a:t>Music</a:t>
-            </a:r>
-            <a:r>
-              <a:rPr lang="tr-TR" dirty="0" smtClean="0"/>
-              <a:t> </a:t>
-            </a:r>
-            <a:r>
-              <a:rPr lang="tr-TR" dirty="0" err="1" smtClean="0"/>
-              <a:t>that</a:t>
-            </a:r>
-            <a:r>
-              <a:rPr lang="tr-TR" dirty="0" smtClean="0"/>
-              <a:t> is </a:t>
-            </a:r>
-            <a:r>
-              <a:rPr lang="tr-TR" dirty="0" err="1" smtClean="0"/>
-              <a:t>played</a:t>
-            </a:r>
-            <a:r>
-              <a:rPr lang="tr-TR" dirty="0" smtClean="0"/>
-              <a:t> in </a:t>
-            </a:r>
-            <a:r>
-              <a:rPr lang="tr-TR" dirty="0" err="1" smtClean="0"/>
-              <a:t>the</a:t>
-            </a:r>
-            <a:r>
-              <a:rPr lang="tr-TR" dirty="0" smtClean="0"/>
-              <a:t> </a:t>
-            </a:r>
-            <a:r>
-              <a:rPr lang="tr-TR" dirty="0" err="1" smtClean="0"/>
-              <a:t>TittleMenu</a:t>
-            </a:r>
-            <a:r>
-              <a:rPr lang="tr-TR" dirty="0" smtClean="0"/>
-              <a:t> </a:t>
-            </a:r>
-            <a:r>
-              <a:rPr lang="tr-TR" dirty="0" err="1" smtClean="0"/>
-              <a:t>and</a:t>
-            </a:r>
-            <a:r>
-              <a:rPr lang="tr-TR" dirty="0" smtClean="0"/>
-              <a:t> </a:t>
-            </a:r>
-            <a:r>
-              <a:rPr lang="tr-TR" dirty="0" err="1" smtClean="0"/>
-              <a:t>game</a:t>
-            </a:r>
-            <a:r>
-              <a:rPr lang="tr-TR" dirty="0" smtClean="0"/>
-              <a:t> </a:t>
-            </a:r>
-            <a:r>
-              <a:rPr lang="tr-TR" dirty="0" err="1" smtClean="0"/>
-              <a:t>are</a:t>
-            </a:r>
-            <a:r>
-              <a:rPr lang="tr-TR" dirty="0" smtClean="0"/>
-              <a:t> </a:t>
-            </a:r>
-            <a:r>
-              <a:rPr lang="tr-TR" dirty="0" err="1" smtClean="0"/>
-              <a:t>different</a:t>
-            </a:r>
-            <a:r>
-              <a:rPr lang="tr-TR" dirty="0" smtClean="0"/>
-              <a:t>.</a:t>
-            </a:r>
-          </a:p>
-          <a:p>
-            <a:r>
-              <a:rPr lang="tr-TR" dirty="0" err="1" smtClean="0"/>
-              <a:t>Some</a:t>
-            </a:r>
-            <a:r>
-              <a:rPr lang="tr-TR" dirty="0" smtClean="0"/>
-              <a:t> </a:t>
-            </a:r>
-            <a:r>
-              <a:rPr lang="tr-TR" dirty="0" err="1" smtClean="0"/>
-              <a:t>enemy’s</a:t>
-            </a:r>
-            <a:r>
-              <a:rPr lang="tr-TR" dirty="0" smtClean="0"/>
-              <a:t> </a:t>
-            </a:r>
-            <a:r>
-              <a:rPr lang="tr-TR" dirty="0" err="1" smtClean="0"/>
-              <a:t>behaviors</a:t>
-            </a:r>
-            <a:r>
-              <a:rPr lang="tr-TR" dirty="0" smtClean="0"/>
-              <a:t> </a:t>
-            </a:r>
-            <a:r>
-              <a:rPr lang="tr-TR" dirty="0" err="1" smtClean="0"/>
-              <a:t>are</a:t>
-            </a:r>
-            <a:r>
-              <a:rPr lang="tr-TR" dirty="0" smtClean="0"/>
-              <a:t> </a:t>
-            </a:r>
-            <a:r>
-              <a:rPr lang="tr-TR" dirty="0" err="1" smtClean="0"/>
-              <a:t>changed</a:t>
-            </a:r>
-            <a:r>
-              <a:rPr lang="tr-TR" dirty="0" smtClean="0"/>
-              <a:t>.</a:t>
-            </a:r>
-          </a:p>
-          <a:p>
-            <a:r>
-              <a:rPr lang="tr-TR" dirty="0" smtClean="0"/>
-              <a:t>Time bar of </a:t>
-            </a:r>
-            <a:r>
-              <a:rPr lang="tr-TR" dirty="0" err="1" smtClean="0"/>
-              <a:t>the</a:t>
-            </a:r>
-            <a:r>
-              <a:rPr lang="tr-TR" dirty="0" smtClean="0"/>
-              <a:t> </a:t>
-            </a:r>
-            <a:r>
-              <a:rPr lang="tr-TR" dirty="0" err="1" smtClean="0"/>
-              <a:t>player</a:t>
-            </a:r>
-            <a:r>
-              <a:rPr lang="tr-TR" dirty="0" smtClean="0"/>
-              <a:t> no </a:t>
-            </a:r>
-            <a:r>
-              <a:rPr lang="tr-TR" dirty="0" err="1" smtClean="0"/>
-              <a:t>longer</a:t>
-            </a:r>
-            <a:r>
-              <a:rPr lang="tr-TR" dirty="0" smtClean="0"/>
-              <a:t>  </a:t>
-            </a:r>
-            <a:r>
-              <a:rPr lang="tr-TR" dirty="0" err="1" smtClean="0"/>
-              <a:t>decreases</a:t>
-            </a:r>
-            <a:r>
-              <a:rPr lang="tr-TR" dirty="0" smtClean="0"/>
-              <a:t> </a:t>
-            </a:r>
-            <a:r>
-              <a:rPr lang="tr-TR" dirty="0" err="1" smtClean="0"/>
-              <a:t>while</a:t>
-            </a:r>
-            <a:r>
-              <a:rPr lang="tr-TR" dirty="0" smtClean="0"/>
-              <a:t> time </a:t>
-            </a:r>
-            <a:r>
-              <a:rPr lang="tr-TR" dirty="0" err="1" smtClean="0"/>
-              <a:t>passes</a:t>
-            </a:r>
-            <a:r>
-              <a:rPr lang="tr-TR" dirty="0" smtClean="0"/>
-              <a:t>. </a:t>
-            </a:r>
-            <a:r>
-              <a:rPr lang="tr-TR" dirty="0" err="1" smtClean="0"/>
-              <a:t>Instead</a:t>
-            </a:r>
-            <a:r>
-              <a:rPr lang="tr-TR" dirty="0" smtClean="0"/>
-              <a:t> it </a:t>
-            </a:r>
-            <a:r>
-              <a:rPr lang="tr-TR" dirty="0" err="1" smtClean="0"/>
-              <a:t>decreases</a:t>
-            </a:r>
-            <a:r>
-              <a:rPr lang="tr-TR" dirty="0" smtClean="0"/>
-              <a:t>  </a:t>
-            </a:r>
-            <a:r>
-              <a:rPr lang="tr-TR" dirty="0" err="1" smtClean="0"/>
-              <a:t>when</a:t>
-            </a:r>
-            <a:r>
-              <a:rPr lang="tr-TR" dirty="0" smtClean="0"/>
-              <a:t> </a:t>
-            </a:r>
-            <a:r>
-              <a:rPr lang="tr-TR" dirty="0" err="1" smtClean="0"/>
-              <a:t>player</a:t>
-            </a:r>
-            <a:r>
-              <a:rPr lang="tr-TR" dirty="0" smtClean="0"/>
-              <a:t> </a:t>
-            </a:r>
-            <a:r>
-              <a:rPr lang="tr-TR" dirty="0" err="1" smtClean="0"/>
-              <a:t>takes</a:t>
-            </a:r>
-            <a:r>
-              <a:rPr lang="tr-TR" dirty="0" smtClean="0"/>
-              <a:t> </a:t>
-            </a:r>
-            <a:r>
-              <a:rPr lang="tr-TR" dirty="0" err="1" smtClean="0"/>
-              <a:t>damage</a:t>
-            </a:r>
-            <a:r>
-              <a:rPr lang="tr-TR" dirty="0" smtClean="0"/>
-              <a:t> </a:t>
-            </a:r>
-            <a:r>
-              <a:rPr lang="tr-TR" dirty="0" err="1" smtClean="0"/>
-              <a:t>only</a:t>
-            </a:r>
-            <a:r>
-              <a:rPr lang="tr-TR" dirty="0" smtClean="0"/>
-              <a:t>.</a:t>
-            </a:r>
+              <a:rPr lang="tr-TR" dirty="0"/>
+              <a:t> Upgrade </a:t>
+            </a:r>
+            <a:r>
+              <a:rPr lang="tr-TR" dirty="0" err="1"/>
+              <a:t>Screen</a:t>
+            </a:r>
+            <a:endParaRPr lang="tr-TR" dirty="0"/>
+          </a:p>
+          <a:p>
+            <a:endParaRPr lang="tr-TR" dirty="0"/>
           </a:p>
         </p:txBody>
       </p:sp>
     </p:spTree>
+    <p:extLst>
+      <p:ext uri="{BB962C8B-B14F-4D97-AF65-F5344CB8AC3E}">
+        <p14:creationId xmlns:p14="http://schemas.microsoft.com/office/powerpoint/2010/main" val="1088406347"/>
+      </p:ext>
+    </p:extLst>
   </p:cSld>
   <p:clrMapOvr>
     <a:masterClrMapping/>
